--- a/發表簡報_隨便兩個人_路見不平回報系統.pptx
+++ b/發表簡報_隨便兩個人_路見不平回報系統.pptx
@@ -5,7 +5,7 @@
     <p:sldMasterId id="2147483657" r:id="rId1"/>
   </p:sldMasterIdLst>
   <p:notesMasterIdLst>
-    <p:notesMasterId r:id="rId15"/>
+    <p:notesMasterId r:id="rId16"/>
   </p:notesMasterIdLst>
   <p:sldIdLst>
     <p:sldId id="256" r:id="rId2"/>
@@ -14,29 +14,30 @@
     <p:sldId id="285" r:id="rId5"/>
     <p:sldId id="286" r:id="rId6"/>
     <p:sldId id="294" r:id="rId7"/>
-    <p:sldId id="288" r:id="rId8"/>
-    <p:sldId id="289" r:id="rId9"/>
-    <p:sldId id="290" r:id="rId10"/>
-    <p:sldId id="291" r:id="rId11"/>
-    <p:sldId id="261" r:id="rId12"/>
-    <p:sldId id="287" r:id="rId13"/>
-    <p:sldId id="293" r:id="rId14"/>
+    <p:sldId id="295" r:id="rId8"/>
+    <p:sldId id="288" r:id="rId9"/>
+    <p:sldId id="289" r:id="rId10"/>
+    <p:sldId id="290" r:id="rId11"/>
+    <p:sldId id="291" r:id="rId12"/>
+    <p:sldId id="261" r:id="rId13"/>
+    <p:sldId id="287" r:id="rId14"/>
+    <p:sldId id="293" r:id="rId15"/>
   </p:sldIdLst>
   <p:sldSz cx="9144000" cy="5143500" type="screen16x9"/>
   <p:notesSz cx="6858000" cy="9144000"/>
   <p:embeddedFontLst>
     <p:embeddedFont>
       <p:font typeface="Walter Turncoat" panose="020B0604020202020204" charset="0"/>
-      <p:regular r:id="rId16"/>
+      <p:regular r:id="rId17"/>
     </p:embeddedFont>
     <p:embeddedFont>
       <p:font typeface="微軟正黑體" panose="020B0604030504040204" pitchFamily="34" charset="-120"/>
-      <p:regular r:id="rId17"/>
-      <p:bold r:id="rId18"/>
+      <p:regular r:id="rId18"/>
+      <p:bold r:id="rId19"/>
     </p:embeddedFont>
     <p:embeddedFont>
       <p:font typeface="Sniglet" panose="020B0604020202020204" charset="0"/>
-      <p:regular r:id="rId19"/>
+      <p:regular r:id="rId20"/>
     </p:embeddedFont>
   </p:embeddedFontLst>
   <p:defaultTextStyle>
@@ -713,6 +714,112 @@
     </p:spTree>
     <p:extLst>
       <p:ext uri="{BB962C8B-B14F-4D97-AF65-F5344CB8AC3E}">
+        <p14:creationId xmlns:p14="http://schemas.microsoft.com/office/powerpoint/2010/main" val="3348212165"/>
+      </p:ext>
+    </p:extLst>
+  </p:cSld>
+  <p:clrMapOvr>
+    <a:masterClrMapping/>
+  </p:clrMapOvr>
+</p:notes>
+</file>
+
+<file path=ppt/notesSlides/notesSlide11.xml><?xml version="1.0" encoding="utf-8"?>
+<p:notes xmlns:a="http://schemas.openxmlformats.org/drawingml/2006/main" xmlns:r="http://schemas.openxmlformats.org/officeDocument/2006/relationships" xmlns:p="http://schemas.openxmlformats.org/presentationml/2006/main" showMasterSp="0" showMasterPhAnim="0">
+  <p:cSld>
+    <p:spTree>
+      <p:nvGrpSpPr>
+        <p:cNvPr id="1" name="Shape 58"/>
+        <p:cNvGrpSpPr/>
+        <p:nvPr/>
+      </p:nvGrpSpPr>
+      <p:grpSpPr>
+        <a:xfrm>
+          <a:off x="0" y="0"/>
+          <a:ext cx="0" cy="0"/>
+          <a:chOff x="0" y="0"/>
+          <a:chExt cx="0" cy="0"/>
+        </a:xfrm>
+      </p:grpSpPr>
+      <p:sp>
+        <p:nvSpPr>
+          <p:cNvPr id="59" name="Shape 59"/>
+          <p:cNvSpPr>
+            <a:spLocks noGrp="1" noRot="1" noChangeAspect="1"/>
+          </p:cNvSpPr>
+          <p:nvPr>
+            <p:ph type="sldImg" idx="2"/>
+          </p:nvPr>
+        </p:nvSpPr>
+        <p:spPr>
+          <a:xfrm>
+            <a:off x="381000" y="685800"/>
+            <a:ext cx="6096000" cy="3429000"/>
+          </a:xfrm>
+          <a:custGeom>
+            <a:avLst/>
+            <a:gdLst/>
+            <a:ahLst/>
+            <a:cxnLst/>
+            <a:rect l="0" t="0" r="0" b="0"/>
+            <a:pathLst>
+              <a:path w="120000" h="120000" extrusionOk="0">
+                <a:moveTo>
+                  <a:pt x="0" y="0"/>
+                </a:moveTo>
+                <a:lnTo>
+                  <a:pt x="120000" y="0"/>
+                </a:lnTo>
+                <a:lnTo>
+                  <a:pt x="120000" y="120000"/>
+                </a:lnTo>
+                <a:lnTo>
+                  <a:pt x="0" y="120000"/>
+                </a:lnTo>
+                <a:close/>
+              </a:path>
+            </a:pathLst>
+          </a:custGeom>
+        </p:spPr>
+      </p:sp>
+      <p:sp>
+        <p:nvSpPr>
+          <p:cNvPr id="60" name="Shape 60"/>
+          <p:cNvSpPr txBox="1">
+            <a:spLocks noGrp="1"/>
+          </p:cNvSpPr>
+          <p:nvPr>
+            <p:ph type="body" idx="1"/>
+          </p:nvPr>
+        </p:nvSpPr>
+        <p:spPr>
+          <a:xfrm>
+            <a:off x="685800" y="4343400"/>
+            <a:ext cx="5486399" cy="4114800"/>
+          </a:xfrm>
+          <a:prstGeom prst="rect">
+            <a:avLst/>
+          </a:prstGeom>
+        </p:spPr>
+        <p:txBody>
+          <a:bodyPr lIns="91425" tIns="91425" rIns="91425" bIns="91425" anchor="t" anchorCtr="0">
+            <a:noAutofit/>
+          </a:bodyPr>
+          <a:lstStyle/>
+          <a:p>
+            <a:pPr lvl="0">
+              <a:spcBef>
+                <a:spcPts val="0"/>
+              </a:spcBef>
+              <a:buNone/>
+            </a:pPr>
+            <a:endParaRPr/>
+          </a:p>
+        </p:txBody>
+      </p:sp>
+    </p:spTree>
+    <p:extLst>
+      <p:ext uri="{BB962C8B-B14F-4D97-AF65-F5344CB8AC3E}">
         <p14:creationId xmlns:p14="http://schemas.microsoft.com/office/powerpoint/2010/main" val="2179574799"/>
       </p:ext>
     </p:extLst>
@@ -723,7 +830,7 @@
 </p:notes>
 </file>
 
-<file path=ppt/notesSlides/notesSlide11.xml><?xml version="1.0" encoding="utf-8"?>
+<file path=ppt/notesSlides/notesSlide12.xml><?xml version="1.0" encoding="utf-8"?>
 <p:notes xmlns:a="http://schemas.openxmlformats.org/drawingml/2006/main" xmlns:r="http://schemas.openxmlformats.org/officeDocument/2006/relationships" xmlns:p="http://schemas.openxmlformats.org/presentationml/2006/main" showMasterSp="0" showMasterPhAnim="0">
   <p:cSld>
     <p:spTree>
@@ -829,7 +936,7 @@
 </p:notes>
 </file>
 
-<file path=ppt/notesSlides/notesSlide12.xml><?xml version="1.0" encoding="utf-8"?>
+<file path=ppt/notesSlides/notesSlide13.xml><?xml version="1.0" encoding="utf-8"?>
 <p:notes xmlns:a="http://schemas.openxmlformats.org/drawingml/2006/main" xmlns:r="http://schemas.openxmlformats.org/officeDocument/2006/relationships" xmlns:p="http://schemas.openxmlformats.org/presentationml/2006/main" showMasterSp="0" showMasterPhAnim="0">
   <p:cSld>
     <p:spTree>
@@ -935,7 +1042,7 @@
 </p:notes>
 </file>
 
-<file path=ppt/notesSlides/notesSlide13.xml><?xml version="1.0" encoding="utf-8"?>
+<file path=ppt/notesSlides/notesSlide14.xml><?xml version="1.0" encoding="utf-8"?>
 <p:notes xmlns:a="http://schemas.openxmlformats.org/drawingml/2006/main" xmlns:r="http://schemas.openxmlformats.org/officeDocument/2006/relationships" xmlns:p="http://schemas.openxmlformats.org/presentationml/2006/main" showMasterSp="0" showMasterPhAnim="0">
   <p:cSld>
     <p:spTree>
@@ -1667,7 +1774,7 @@
     </p:spTree>
     <p:extLst>
       <p:ext uri="{BB962C8B-B14F-4D97-AF65-F5344CB8AC3E}">
-        <p14:creationId xmlns:p14="http://schemas.microsoft.com/office/powerpoint/2010/main" val="2581196406"/>
+        <p14:creationId xmlns:p14="http://schemas.microsoft.com/office/powerpoint/2010/main" val="2543507910"/>
       </p:ext>
     </p:extLst>
   </p:cSld>
@@ -1773,7 +1880,7 @@
     </p:spTree>
     <p:extLst>
       <p:ext uri="{BB962C8B-B14F-4D97-AF65-F5344CB8AC3E}">
-        <p14:creationId xmlns:p14="http://schemas.microsoft.com/office/powerpoint/2010/main" val="2859379808"/>
+        <p14:creationId xmlns:p14="http://schemas.microsoft.com/office/powerpoint/2010/main" val="2581196406"/>
       </p:ext>
     </p:extLst>
   </p:cSld>
@@ -1879,7 +1986,7 @@
     </p:spTree>
     <p:extLst>
       <p:ext uri="{BB962C8B-B14F-4D97-AF65-F5344CB8AC3E}">
-        <p14:creationId xmlns:p14="http://schemas.microsoft.com/office/powerpoint/2010/main" val="3348212165"/>
+        <p14:creationId xmlns:p14="http://schemas.microsoft.com/office/powerpoint/2010/main" val="2859379808"/>
       </p:ext>
     </p:extLst>
   </p:cSld>
@@ -16644,6 +16751,3225 @@
         </p:nvSpPr>
         <p:spPr>
           <a:xfrm>
+            <a:off x="1457853" y="2445754"/>
+            <a:ext cx="6186309" cy="646331"/>
+          </a:xfrm>
+          <a:prstGeom prst="rect">
+            <a:avLst/>
+          </a:prstGeom>
+        </p:spPr>
+        <p:txBody>
+          <a:bodyPr wrap="none">
+            <a:spAutoFit/>
+          </a:bodyPr>
+          <a:lstStyle/>
+          <a:p>
+            <a:r>
+              <a:rPr lang="zh-TW" altLang="en-US" sz="3600" b="1">
+                <a:solidFill>
+                  <a:schemeClr val="bg1"/>
+                </a:solidFill>
+              </a:rPr>
+              <a:t>今天主題還是</a:t>
+            </a:r>
+            <a:r>
+              <a:rPr lang="en-US" altLang="zh-TW" sz="3600" b="1">
+                <a:solidFill>
+                  <a:schemeClr val="bg1"/>
+                </a:solidFill>
+              </a:rPr>
+              <a:t>Open Data</a:t>
+            </a:r>
+            <a:r>
+              <a:rPr lang="zh-TW" altLang="en-US" sz="3600" b="1">
+                <a:solidFill>
+                  <a:schemeClr val="bg1"/>
+                </a:solidFill>
+              </a:rPr>
+              <a:t>對吧</a:t>
+            </a:r>
+            <a:endParaRPr lang="zh-TW" altLang="en-US" sz="3600" b="1">
+              <a:solidFill>
+                <a:schemeClr val="bg1"/>
+              </a:solidFill>
+            </a:endParaRPr>
+          </a:p>
+        </p:txBody>
+      </p:sp>
+    </p:spTree>
+    <p:extLst>
+      <p:ext uri="{BB962C8B-B14F-4D97-AF65-F5344CB8AC3E}">
+        <p14:creationId xmlns:p14="http://schemas.microsoft.com/office/powerpoint/2010/main" val="3028738144"/>
+      </p:ext>
+    </p:extLst>
+  </p:cSld>
+  <p:clrMapOvr>
+    <a:masterClrMapping/>
+  </p:clrMapOvr>
+</p:sld>
+</file>
+
+<file path=ppt/slides/slide11.xml><?xml version="1.0" encoding="utf-8"?>
+<p:sld xmlns:a="http://schemas.openxmlformats.org/drawingml/2006/main" xmlns:r="http://schemas.openxmlformats.org/officeDocument/2006/relationships" xmlns:p="http://schemas.openxmlformats.org/presentationml/2006/main">
+  <p:cSld>
+    <p:spTree>
+      <p:nvGrpSpPr>
+        <p:cNvPr id="1" name="Shape 61"/>
+        <p:cNvGrpSpPr/>
+        <p:nvPr/>
+      </p:nvGrpSpPr>
+      <p:grpSpPr>
+        <a:xfrm>
+          <a:off x="0" y="0"/>
+          <a:ext cx="0" cy="0"/>
+          <a:chOff x="0" y="0"/>
+          <a:chExt cx="0" cy="0"/>
+        </a:xfrm>
+      </p:grpSpPr>
+      <p:sp>
+        <p:nvSpPr>
+          <p:cNvPr id="65" name="Shape 65"/>
+          <p:cNvSpPr/>
+          <p:nvPr/>
+        </p:nvSpPr>
+        <p:spPr>
+          <a:xfrm>
+            <a:off x="4249880" y="630378"/>
+            <a:ext cx="602256" cy="637792"/>
+          </a:xfrm>
+          <a:custGeom>
+            <a:avLst/>
+            <a:gdLst/>
+            <a:ahLst/>
+            <a:cxnLst/>
+            <a:rect l="0" t="0" r="0" b="0"/>
+            <a:pathLst>
+              <a:path w="15695" h="16620" extrusionOk="0">
+                <a:moveTo>
+                  <a:pt x="7786" y="755"/>
+                </a:moveTo>
+                <a:lnTo>
+                  <a:pt x="7567" y="780"/>
+                </a:lnTo>
+                <a:lnTo>
+                  <a:pt x="7324" y="804"/>
+                </a:lnTo>
+                <a:lnTo>
+                  <a:pt x="7105" y="877"/>
+                </a:lnTo>
+                <a:lnTo>
+                  <a:pt x="6910" y="999"/>
+                </a:lnTo>
+                <a:lnTo>
+                  <a:pt x="6813" y="1072"/>
+                </a:lnTo>
+                <a:lnTo>
+                  <a:pt x="6740" y="1145"/>
+                </a:lnTo>
+                <a:lnTo>
+                  <a:pt x="6691" y="1242"/>
+                </a:lnTo>
+                <a:lnTo>
+                  <a:pt x="6643" y="1364"/>
+                </a:lnTo>
+                <a:lnTo>
+                  <a:pt x="6667" y="1388"/>
+                </a:lnTo>
+                <a:lnTo>
+                  <a:pt x="6691" y="1412"/>
+                </a:lnTo>
+                <a:lnTo>
+                  <a:pt x="6740" y="1388"/>
+                </a:lnTo>
+                <a:lnTo>
+                  <a:pt x="6764" y="1412"/>
+                </a:lnTo>
+                <a:lnTo>
+                  <a:pt x="6716" y="1461"/>
+                </a:lnTo>
+                <a:lnTo>
+                  <a:pt x="6691" y="1510"/>
+                </a:lnTo>
+                <a:lnTo>
+                  <a:pt x="6691" y="1680"/>
+                </a:lnTo>
+                <a:lnTo>
+                  <a:pt x="6716" y="1826"/>
+                </a:lnTo>
+                <a:lnTo>
+                  <a:pt x="6764" y="1996"/>
+                </a:lnTo>
+                <a:lnTo>
+                  <a:pt x="6813" y="2166"/>
+                </a:lnTo>
+                <a:lnTo>
+                  <a:pt x="6886" y="2312"/>
+                </a:lnTo>
+                <a:lnTo>
+                  <a:pt x="7008" y="2434"/>
+                </a:lnTo>
+                <a:lnTo>
+                  <a:pt x="7129" y="2556"/>
+                </a:lnTo>
+                <a:lnTo>
+                  <a:pt x="7251" y="2629"/>
+                </a:lnTo>
+                <a:lnTo>
+                  <a:pt x="7300" y="2629"/>
+                </a:lnTo>
+                <a:lnTo>
+                  <a:pt x="7324" y="2604"/>
+                </a:lnTo>
+                <a:lnTo>
+                  <a:pt x="7324" y="2580"/>
+                </a:lnTo>
+                <a:lnTo>
+                  <a:pt x="7324" y="2556"/>
+                </a:lnTo>
+                <a:lnTo>
+                  <a:pt x="7056" y="2069"/>
+                </a:lnTo>
+                <a:lnTo>
+                  <a:pt x="6983" y="1826"/>
+                </a:lnTo>
+                <a:lnTo>
+                  <a:pt x="6910" y="1583"/>
+                </a:lnTo>
+                <a:lnTo>
+                  <a:pt x="7202" y="1874"/>
+                </a:lnTo>
+                <a:lnTo>
+                  <a:pt x="7543" y="2142"/>
+                </a:lnTo>
+                <a:lnTo>
+                  <a:pt x="7884" y="2385"/>
+                </a:lnTo>
+                <a:lnTo>
+                  <a:pt x="8273" y="2580"/>
+                </a:lnTo>
+                <a:lnTo>
+                  <a:pt x="8468" y="2677"/>
+                </a:lnTo>
+                <a:lnTo>
+                  <a:pt x="8662" y="2726"/>
+                </a:lnTo>
+                <a:lnTo>
+                  <a:pt x="8857" y="2775"/>
+                </a:lnTo>
+                <a:lnTo>
+                  <a:pt x="9076" y="2823"/>
+                </a:lnTo>
+                <a:lnTo>
+                  <a:pt x="9490" y="2823"/>
+                </a:lnTo>
+                <a:lnTo>
+                  <a:pt x="9709" y="2799"/>
+                </a:lnTo>
+                <a:lnTo>
+                  <a:pt x="9928" y="2750"/>
+                </a:lnTo>
+                <a:lnTo>
+                  <a:pt x="9952" y="2726"/>
+                </a:lnTo>
+                <a:lnTo>
+                  <a:pt x="9976" y="2677"/>
+                </a:lnTo>
+                <a:lnTo>
+                  <a:pt x="9952" y="2629"/>
+                </a:lnTo>
+                <a:lnTo>
+                  <a:pt x="9928" y="2604"/>
+                </a:lnTo>
+                <a:lnTo>
+                  <a:pt x="9538" y="2531"/>
+                </a:lnTo>
+                <a:lnTo>
+                  <a:pt x="9173" y="2458"/>
+                </a:lnTo>
+                <a:lnTo>
+                  <a:pt x="8784" y="2410"/>
+                </a:lnTo>
+                <a:lnTo>
+                  <a:pt x="8419" y="2312"/>
+                </a:lnTo>
+                <a:lnTo>
+                  <a:pt x="8224" y="2239"/>
+                </a:lnTo>
+                <a:lnTo>
+                  <a:pt x="8054" y="2142"/>
+                </a:lnTo>
+                <a:lnTo>
+                  <a:pt x="7689" y="1947"/>
+                </a:lnTo>
+                <a:lnTo>
+                  <a:pt x="7348" y="1728"/>
+                </a:lnTo>
+                <a:lnTo>
+                  <a:pt x="7008" y="1510"/>
+                </a:lnTo>
+                <a:lnTo>
+                  <a:pt x="7251" y="1583"/>
+                </a:lnTo>
+                <a:lnTo>
+                  <a:pt x="7494" y="1631"/>
+                </a:lnTo>
+                <a:lnTo>
+                  <a:pt x="7981" y="1753"/>
+                </a:lnTo>
+                <a:lnTo>
+                  <a:pt x="8297" y="1826"/>
+                </a:lnTo>
+                <a:lnTo>
+                  <a:pt x="8638" y="1923"/>
+                </a:lnTo>
+                <a:lnTo>
+                  <a:pt x="8954" y="1947"/>
+                </a:lnTo>
+                <a:lnTo>
+                  <a:pt x="9125" y="1947"/>
+                </a:lnTo>
+                <a:lnTo>
+                  <a:pt x="9295" y="1923"/>
+                </a:lnTo>
+                <a:lnTo>
+                  <a:pt x="9344" y="1899"/>
+                </a:lnTo>
+                <a:lnTo>
+                  <a:pt x="9344" y="1850"/>
+                </a:lnTo>
+                <a:lnTo>
+                  <a:pt x="9344" y="1826"/>
+                </a:lnTo>
+                <a:lnTo>
+                  <a:pt x="9319" y="1777"/>
+                </a:lnTo>
+                <a:lnTo>
+                  <a:pt x="9027" y="1655"/>
+                </a:lnTo>
+                <a:lnTo>
+                  <a:pt x="8711" y="1558"/>
+                </a:lnTo>
+                <a:lnTo>
+                  <a:pt x="8078" y="1437"/>
+                </a:lnTo>
+                <a:lnTo>
+                  <a:pt x="7567" y="1315"/>
+                </a:lnTo>
+                <a:lnTo>
+                  <a:pt x="7300" y="1266"/>
+                </a:lnTo>
+                <a:lnTo>
+                  <a:pt x="7032" y="1266"/>
+                </a:lnTo>
+                <a:lnTo>
+                  <a:pt x="7251" y="1145"/>
+                </a:lnTo>
+                <a:lnTo>
+                  <a:pt x="7470" y="1072"/>
+                </a:lnTo>
+                <a:lnTo>
+                  <a:pt x="7738" y="1047"/>
+                </a:lnTo>
+                <a:lnTo>
+                  <a:pt x="8005" y="1072"/>
+                </a:lnTo>
+                <a:lnTo>
+                  <a:pt x="8273" y="1120"/>
+                </a:lnTo>
+                <a:lnTo>
+                  <a:pt x="8541" y="1193"/>
+                </a:lnTo>
+                <a:lnTo>
+                  <a:pt x="8760" y="1266"/>
+                </a:lnTo>
+                <a:lnTo>
+                  <a:pt x="8954" y="1339"/>
+                </a:lnTo>
+                <a:lnTo>
+                  <a:pt x="9368" y="1558"/>
+                </a:lnTo>
+                <a:lnTo>
+                  <a:pt x="9806" y="1753"/>
+                </a:lnTo>
+                <a:lnTo>
+                  <a:pt x="10001" y="1826"/>
+                </a:lnTo>
+                <a:lnTo>
+                  <a:pt x="10220" y="1874"/>
+                </a:lnTo>
+                <a:lnTo>
+                  <a:pt x="10268" y="1850"/>
+                </a:lnTo>
+                <a:lnTo>
+                  <a:pt x="10293" y="1826"/>
+                </a:lnTo>
+                <a:lnTo>
+                  <a:pt x="10317" y="1801"/>
+                </a:lnTo>
+                <a:lnTo>
+                  <a:pt x="10293" y="1753"/>
+                </a:lnTo>
+                <a:lnTo>
+                  <a:pt x="10098" y="1558"/>
+                </a:lnTo>
+                <a:lnTo>
+                  <a:pt x="9879" y="1388"/>
+                </a:lnTo>
+                <a:lnTo>
+                  <a:pt x="9611" y="1242"/>
+                </a:lnTo>
+                <a:lnTo>
+                  <a:pt x="9344" y="1120"/>
+                </a:lnTo>
+                <a:lnTo>
+                  <a:pt x="9052" y="1023"/>
+                </a:lnTo>
+                <a:lnTo>
+                  <a:pt x="8760" y="926"/>
+                </a:lnTo>
+                <a:lnTo>
+                  <a:pt x="8224" y="804"/>
+                </a:lnTo>
+                <a:lnTo>
+                  <a:pt x="8030" y="755"/>
+                </a:lnTo>
+                <a:close/>
+                <a:moveTo>
+                  <a:pt x="5888" y="1996"/>
+                </a:moveTo>
+                <a:lnTo>
+                  <a:pt x="5864" y="2020"/>
+                </a:lnTo>
+                <a:lnTo>
+                  <a:pt x="5694" y="2142"/>
+                </a:lnTo>
+                <a:lnTo>
+                  <a:pt x="5523" y="2264"/>
+                </a:lnTo>
+                <a:lnTo>
+                  <a:pt x="5207" y="2556"/>
+                </a:lnTo>
+                <a:lnTo>
+                  <a:pt x="4891" y="2823"/>
+                </a:lnTo>
+                <a:lnTo>
+                  <a:pt x="4745" y="2969"/>
+                </a:lnTo>
+                <a:lnTo>
+                  <a:pt x="4623" y="3140"/>
+                </a:lnTo>
+                <a:lnTo>
+                  <a:pt x="4623" y="3188"/>
+                </a:lnTo>
+                <a:lnTo>
+                  <a:pt x="4647" y="3213"/>
+                </a:lnTo>
+                <a:lnTo>
+                  <a:pt x="4842" y="3115"/>
+                </a:lnTo>
+                <a:lnTo>
+                  <a:pt x="4988" y="3018"/>
+                </a:lnTo>
+                <a:lnTo>
+                  <a:pt x="5280" y="2775"/>
+                </a:lnTo>
+                <a:lnTo>
+                  <a:pt x="5645" y="2458"/>
+                </a:lnTo>
+                <a:lnTo>
+                  <a:pt x="5986" y="2166"/>
+                </a:lnTo>
+                <a:lnTo>
+                  <a:pt x="6010" y="2093"/>
+                </a:lnTo>
+                <a:lnTo>
+                  <a:pt x="5986" y="2045"/>
+                </a:lnTo>
+                <a:lnTo>
+                  <a:pt x="5937" y="1996"/>
+                </a:lnTo>
+                <a:close/>
+                <a:moveTo>
+                  <a:pt x="6107" y="5622"/>
+                </a:moveTo>
+                <a:lnTo>
+                  <a:pt x="6059" y="5646"/>
+                </a:lnTo>
+                <a:lnTo>
+                  <a:pt x="6010" y="5670"/>
+                </a:lnTo>
+                <a:lnTo>
+                  <a:pt x="5961" y="5719"/>
+                </a:lnTo>
+                <a:lnTo>
+                  <a:pt x="5888" y="5768"/>
+                </a:lnTo>
+                <a:lnTo>
+                  <a:pt x="5815" y="5816"/>
+                </a:lnTo>
+                <a:lnTo>
+                  <a:pt x="5767" y="5889"/>
+                </a:lnTo>
+                <a:lnTo>
+                  <a:pt x="5718" y="5987"/>
+                </a:lnTo>
+                <a:lnTo>
+                  <a:pt x="5669" y="6157"/>
+                </a:lnTo>
+                <a:lnTo>
+                  <a:pt x="5669" y="6327"/>
+                </a:lnTo>
+                <a:lnTo>
+                  <a:pt x="5669" y="6425"/>
+                </a:lnTo>
+                <a:lnTo>
+                  <a:pt x="5718" y="6546"/>
+                </a:lnTo>
+                <a:lnTo>
+                  <a:pt x="5767" y="6644"/>
+                </a:lnTo>
+                <a:lnTo>
+                  <a:pt x="5815" y="6717"/>
+                </a:lnTo>
+                <a:lnTo>
+                  <a:pt x="5888" y="6790"/>
+                </a:lnTo>
+                <a:lnTo>
+                  <a:pt x="5986" y="6863"/>
+                </a:lnTo>
+                <a:lnTo>
+                  <a:pt x="6083" y="6911"/>
+                </a:lnTo>
+                <a:lnTo>
+                  <a:pt x="6180" y="6936"/>
+                </a:lnTo>
+                <a:lnTo>
+                  <a:pt x="6326" y="6936"/>
+                </a:lnTo>
+                <a:lnTo>
+                  <a:pt x="6399" y="6911"/>
+                </a:lnTo>
+                <a:lnTo>
+                  <a:pt x="6448" y="6863"/>
+                </a:lnTo>
+                <a:lnTo>
+                  <a:pt x="6570" y="6717"/>
+                </a:lnTo>
+                <a:lnTo>
+                  <a:pt x="6643" y="6546"/>
+                </a:lnTo>
+                <a:lnTo>
+                  <a:pt x="6667" y="6352"/>
+                </a:lnTo>
+                <a:lnTo>
+                  <a:pt x="6667" y="6157"/>
+                </a:lnTo>
+                <a:lnTo>
+                  <a:pt x="6618" y="5962"/>
+                </a:lnTo>
+                <a:lnTo>
+                  <a:pt x="6594" y="5889"/>
+                </a:lnTo>
+                <a:lnTo>
+                  <a:pt x="6521" y="5792"/>
+                </a:lnTo>
+                <a:lnTo>
+                  <a:pt x="6472" y="5719"/>
+                </a:lnTo>
+                <a:lnTo>
+                  <a:pt x="6375" y="5670"/>
+                </a:lnTo>
+                <a:lnTo>
+                  <a:pt x="6302" y="5622"/>
+                </a:lnTo>
+                <a:close/>
+                <a:moveTo>
+                  <a:pt x="9368" y="5622"/>
+                </a:moveTo>
+                <a:lnTo>
+                  <a:pt x="9319" y="5646"/>
+                </a:lnTo>
+                <a:lnTo>
+                  <a:pt x="9271" y="5670"/>
+                </a:lnTo>
+                <a:lnTo>
+                  <a:pt x="9222" y="5719"/>
+                </a:lnTo>
+                <a:lnTo>
+                  <a:pt x="9149" y="5768"/>
+                </a:lnTo>
+                <a:lnTo>
+                  <a:pt x="9076" y="5816"/>
+                </a:lnTo>
+                <a:lnTo>
+                  <a:pt x="9027" y="5889"/>
+                </a:lnTo>
+                <a:lnTo>
+                  <a:pt x="8979" y="5987"/>
+                </a:lnTo>
+                <a:lnTo>
+                  <a:pt x="8930" y="6157"/>
+                </a:lnTo>
+                <a:lnTo>
+                  <a:pt x="8930" y="6327"/>
+                </a:lnTo>
+                <a:lnTo>
+                  <a:pt x="8930" y="6425"/>
+                </a:lnTo>
+                <a:lnTo>
+                  <a:pt x="8979" y="6546"/>
+                </a:lnTo>
+                <a:lnTo>
+                  <a:pt x="9027" y="6644"/>
+                </a:lnTo>
+                <a:lnTo>
+                  <a:pt x="9076" y="6717"/>
+                </a:lnTo>
+                <a:lnTo>
+                  <a:pt x="9149" y="6790"/>
+                </a:lnTo>
+                <a:lnTo>
+                  <a:pt x="9246" y="6863"/>
+                </a:lnTo>
+                <a:lnTo>
+                  <a:pt x="9344" y="6911"/>
+                </a:lnTo>
+                <a:lnTo>
+                  <a:pt x="9441" y="6936"/>
+                </a:lnTo>
+                <a:lnTo>
+                  <a:pt x="9587" y="6936"/>
+                </a:lnTo>
+                <a:lnTo>
+                  <a:pt x="9660" y="6911"/>
+                </a:lnTo>
+                <a:lnTo>
+                  <a:pt x="9709" y="6863"/>
+                </a:lnTo>
+                <a:lnTo>
+                  <a:pt x="9830" y="6717"/>
+                </a:lnTo>
+                <a:lnTo>
+                  <a:pt x="9903" y="6546"/>
+                </a:lnTo>
+                <a:lnTo>
+                  <a:pt x="9928" y="6352"/>
+                </a:lnTo>
+                <a:lnTo>
+                  <a:pt x="9928" y="6157"/>
+                </a:lnTo>
+                <a:lnTo>
+                  <a:pt x="9879" y="5962"/>
+                </a:lnTo>
+                <a:lnTo>
+                  <a:pt x="9855" y="5889"/>
+                </a:lnTo>
+                <a:lnTo>
+                  <a:pt x="9782" y="5792"/>
+                </a:lnTo>
+                <a:lnTo>
+                  <a:pt x="9733" y="5719"/>
+                </a:lnTo>
+                <a:lnTo>
+                  <a:pt x="9636" y="5670"/>
+                </a:lnTo>
+                <a:lnTo>
+                  <a:pt x="9563" y="5622"/>
+                </a:lnTo>
+                <a:close/>
+                <a:moveTo>
+                  <a:pt x="7786" y="6765"/>
+                </a:moveTo>
+                <a:lnTo>
+                  <a:pt x="7738" y="6814"/>
+                </a:lnTo>
+                <a:lnTo>
+                  <a:pt x="7713" y="6863"/>
+                </a:lnTo>
+                <a:lnTo>
+                  <a:pt x="7713" y="7082"/>
+                </a:lnTo>
+                <a:lnTo>
+                  <a:pt x="7738" y="7301"/>
+                </a:lnTo>
+                <a:lnTo>
+                  <a:pt x="7738" y="7520"/>
+                </a:lnTo>
+                <a:lnTo>
+                  <a:pt x="7762" y="7739"/>
+                </a:lnTo>
+                <a:lnTo>
+                  <a:pt x="7786" y="7787"/>
+                </a:lnTo>
+                <a:lnTo>
+                  <a:pt x="7811" y="7812"/>
+                </a:lnTo>
+                <a:lnTo>
+                  <a:pt x="7908" y="7860"/>
+                </a:lnTo>
+                <a:lnTo>
+                  <a:pt x="7957" y="7836"/>
+                </a:lnTo>
+                <a:lnTo>
+                  <a:pt x="8005" y="7836"/>
+                </a:lnTo>
+                <a:lnTo>
+                  <a:pt x="8030" y="7787"/>
+                </a:lnTo>
+                <a:lnTo>
+                  <a:pt x="8054" y="7739"/>
+                </a:lnTo>
+                <a:lnTo>
+                  <a:pt x="8054" y="7641"/>
+                </a:lnTo>
+                <a:lnTo>
+                  <a:pt x="8054" y="7520"/>
+                </a:lnTo>
+                <a:lnTo>
+                  <a:pt x="8030" y="7301"/>
+                </a:lnTo>
+                <a:lnTo>
+                  <a:pt x="7981" y="7057"/>
+                </a:lnTo>
+                <a:lnTo>
+                  <a:pt x="7957" y="6936"/>
+                </a:lnTo>
+                <a:lnTo>
+                  <a:pt x="7884" y="6814"/>
+                </a:lnTo>
+                <a:lnTo>
+                  <a:pt x="7835" y="6765"/>
+                </a:lnTo>
+                <a:close/>
+                <a:moveTo>
+                  <a:pt x="8589" y="8274"/>
+                </a:moveTo>
+                <a:lnTo>
+                  <a:pt x="8249" y="8371"/>
+                </a:lnTo>
+                <a:lnTo>
+                  <a:pt x="7932" y="8444"/>
+                </a:lnTo>
+                <a:lnTo>
+                  <a:pt x="7592" y="8469"/>
+                </a:lnTo>
+                <a:lnTo>
+                  <a:pt x="7421" y="8469"/>
+                </a:lnTo>
+                <a:lnTo>
+                  <a:pt x="7251" y="8444"/>
+                </a:lnTo>
+                <a:lnTo>
+                  <a:pt x="7202" y="8469"/>
+                </a:lnTo>
+                <a:lnTo>
+                  <a:pt x="7178" y="8469"/>
+                </a:lnTo>
+                <a:lnTo>
+                  <a:pt x="7154" y="8517"/>
+                </a:lnTo>
+                <a:lnTo>
+                  <a:pt x="7178" y="8542"/>
+                </a:lnTo>
+                <a:lnTo>
+                  <a:pt x="7227" y="8639"/>
+                </a:lnTo>
+                <a:lnTo>
+                  <a:pt x="7300" y="8688"/>
+                </a:lnTo>
+                <a:lnTo>
+                  <a:pt x="7373" y="8761"/>
+                </a:lnTo>
+                <a:lnTo>
+                  <a:pt x="7470" y="8785"/>
+                </a:lnTo>
+                <a:lnTo>
+                  <a:pt x="7665" y="8834"/>
+                </a:lnTo>
+                <a:lnTo>
+                  <a:pt x="7908" y="8834"/>
+                </a:lnTo>
+                <a:lnTo>
+                  <a:pt x="8127" y="8809"/>
+                </a:lnTo>
+                <a:lnTo>
+                  <a:pt x="8370" y="8761"/>
+                </a:lnTo>
+                <a:lnTo>
+                  <a:pt x="8565" y="8712"/>
+                </a:lnTo>
+                <a:lnTo>
+                  <a:pt x="8735" y="8639"/>
+                </a:lnTo>
+                <a:lnTo>
+                  <a:pt x="8808" y="8590"/>
+                </a:lnTo>
+                <a:lnTo>
+                  <a:pt x="8833" y="8542"/>
+                </a:lnTo>
+                <a:lnTo>
+                  <a:pt x="8833" y="8469"/>
+                </a:lnTo>
+                <a:lnTo>
+                  <a:pt x="8833" y="8396"/>
+                </a:lnTo>
+                <a:lnTo>
+                  <a:pt x="8784" y="8347"/>
+                </a:lnTo>
+                <a:lnTo>
+                  <a:pt x="8735" y="8298"/>
+                </a:lnTo>
+                <a:lnTo>
+                  <a:pt x="8662" y="8274"/>
+                </a:lnTo>
+                <a:close/>
+                <a:moveTo>
+                  <a:pt x="6618" y="9928"/>
+                </a:moveTo>
+                <a:lnTo>
+                  <a:pt x="6862" y="10026"/>
+                </a:lnTo>
+                <a:lnTo>
+                  <a:pt x="7105" y="10099"/>
+                </a:lnTo>
+                <a:lnTo>
+                  <a:pt x="7373" y="10172"/>
+                </a:lnTo>
+                <a:lnTo>
+                  <a:pt x="7616" y="10220"/>
+                </a:lnTo>
+                <a:lnTo>
+                  <a:pt x="7859" y="10245"/>
+                </a:lnTo>
+                <a:lnTo>
+                  <a:pt x="8127" y="10269"/>
+                </a:lnTo>
+                <a:lnTo>
+                  <a:pt x="8370" y="10245"/>
+                </a:lnTo>
+                <a:lnTo>
+                  <a:pt x="8614" y="10220"/>
+                </a:lnTo>
+                <a:lnTo>
+                  <a:pt x="8833" y="10172"/>
+                </a:lnTo>
+                <a:lnTo>
+                  <a:pt x="9052" y="10123"/>
+                </a:lnTo>
+                <a:lnTo>
+                  <a:pt x="9027" y="10366"/>
+                </a:lnTo>
+                <a:lnTo>
+                  <a:pt x="8735" y="10391"/>
+                </a:lnTo>
+                <a:lnTo>
+                  <a:pt x="8443" y="10415"/>
+                </a:lnTo>
+                <a:lnTo>
+                  <a:pt x="8419" y="10415"/>
+                </a:lnTo>
+                <a:lnTo>
+                  <a:pt x="8151" y="10391"/>
+                </a:lnTo>
+                <a:lnTo>
+                  <a:pt x="8005" y="10391"/>
+                </a:lnTo>
+                <a:lnTo>
+                  <a:pt x="7859" y="10415"/>
+                </a:lnTo>
+                <a:lnTo>
+                  <a:pt x="7859" y="10439"/>
+                </a:lnTo>
+                <a:lnTo>
+                  <a:pt x="7835" y="10464"/>
+                </a:lnTo>
+                <a:lnTo>
+                  <a:pt x="7835" y="10512"/>
+                </a:lnTo>
+                <a:lnTo>
+                  <a:pt x="7884" y="10585"/>
+                </a:lnTo>
+                <a:lnTo>
+                  <a:pt x="7932" y="10610"/>
+                </a:lnTo>
+                <a:lnTo>
+                  <a:pt x="8078" y="10683"/>
+                </a:lnTo>
+                <a:lnTo>
+                  <a:pt x="8224" y="10707"/>
+                </a:lnTo>
+                <a:lnTo>
+                  <a:pt x="8346" y="10731"/>
+                </a:lnTo>
+                <a:lnTo>
+                  <a:pt x="8687" y="10731"/>
+                </a:lnTo>
+                <a:lnTo>
+                  <a:pt x="8857" y="10707"/>
+                </a:lnTo>
+                <a:lnTo>
+                  <a:pt x="9027" y="10683"/>
+                </a:lnTo>
+                <a:lnTo>
+                  <a:pt x="9027" y="10804"/>
+                </a:lnTo>
+                <a:lnTo>
+                  <a:pt x="8687" y="10853"/>
+                </a:lnTo>
+                <a:lnTo>
+                  <a:pt x="8541" y="10877"/>
+                </a:lnTo>
+                <a:lnTo>
+                  <a:pt x="8370" y="10902"/>
+                </a:lnTo>
+                <a:lnTo>
+                  <a:pt x="7932" y="10902"/>
+                </a:lnTo>
+                <a:lnTo>
+                  <a:pt x="7786" y="10950"/>
+                </a:lnTo>
+                <a:lnTo>
+                  <a:pt x="7762" y="10999"/>
+                </a:lnTo>
+                <a:lnTo>
+                  <a:pt x="7786" y="11023"/>
+                </a:lnTo>
+                <a:lnTo>
+                  <a:pt x="7884" y="11121"/>
+                </a:lnTo>
+                <a:lnTo>
+                  <a:pt x="8030" y="11194"/>
+                </a:lnTo>
+                <a:lnTo>
+                  <a:pt x="8200" y="11242"/>
+                </a:lnTo>
+                <a:lnTo>
+                  <a:pt x="8589" y="11242"/>
+                </a:lnTo>
+                <a:lnTo>
+                  <a:pt x="8760" y="11218"/>
+                </a:lnTo>
+                <a:lnTo>
+                  <a:pt x="8930" y="11194"/>
+                </a:lnTo>
+                <a:lnTo>
+                  <a:pt x="9076" y="11121"/>
+                </a:lnTo>
+                <a:lnTo>
+                  <a:pt x="9125" y="11218"/>
+                </a:lnTo>
+                <a:lnTo>
+                  <a:pt x="8954" y="11291"/>
+                </a:lnTo>
+                <a:lnTo>
+                  <a:pt x="8760" y="11340"/>
+                </a:lnTo>
+                <a:lnTo>
+                  <a:pt x="8151" y="11461"/>
+                </a:lnTo>
+                <a:lnTo>
+                  <a:pt x="8127" y="11461"/>
+                </a:lnTo>
+                <a:lnTo>
+                  <a:pt x="8127" y="11486"/>
+                </a:lnTo>
+                <a:lnTo>
+                  <a:pt x="8151" y="11510"/>
+                </a:lnTo>
+                <a:lnTo>
+                  <a:pt x="8346" y="11583"/>
+                </a:lnTo>
+                <a:lnTo>
+                  <a:pt x="8589" y="11607"/>
+                </a:lnTo>
+                <a:lnTo>
+                  <a:pt x="8370" y="11656"/>
+                </a:lnTo>
+                <a:lnTo>
+                  <a:pt x="8151" y="11680"/>
+                </a:lnTo>
+                <a:lnTo>
+                  <a:pt x="7932" y="11680"/>
+                </a:lnTo>
+                <a:lnTo>
+                  <a:pt x="7713" y="11656"/>
+                </a:lnTo>
+                <a:lnTo>
+                  <a:pt x="7421" y="11632"/>
+                </a:lnTo>
+                <a:lnTo>
+                  <a:pt x="7129" y="11559"/>
+                </a:lnTo>
+                <a:lnTo>
+                  <a:pt x="6862" y="11461"/>
+                </a:lnTo>
+                <a:lnTo>
+                  <a:pt x="6740" y="11388"/>
+                </a:lnTo>
+                <a:lnTo>
+                  <a:pt x="6618" y="11291"/>
+                </a:lnTo>
+                <a:lnTo>
+                  <a:pt x="6594" y="11242"/>
+                </a:lnTo>
+                <a:lnTo>
+                  <a:pt x="6667" y="11194"/>
+                </a:lnTo>
+                <a:lnTo>
+                  <a:pt x="6716" y="11121"/>
+                </a:lnTo>
+                <a:lnTo>
+                  <a:pt x="6716" y="11023"/>
+                </a:lnTo>
+                <a:lnTo>
+                  <a:pt x="6716" y="10950"/>
+                </a:lnTo>
+                <a:lnTo>
+                  <a:pt x="6667" y="10804"/>
+                </a:lnTo>
+                <a:lnTo>
+                  <a:pt x="6618" y="10610"/>
+                </a:lnTo>
+                <a:lnTo>
+                  <a:pt x="6594" y="10415"/>
+                </a:lnTo>
+                <a:lnTo>
+                  <a:pt x="6594" y="10245"/>
+                </a:lnTo>
+                <a:lnTo>
+                  <a:pt x="6618" y="10074"/>
+                </a:lnTo>
+                <a:lnTo>
+                  <a:pt x="6643" y="9977"/>
+                </a:lnTo>
+                <a:lnTo>
+                  <a:pt x="6643" y="9953"/>
+                </a:lnTo>
+                <a:lnTo>
+                  <a:pt x="6618" y="10001"/>
+                </a:lnTo>
+                <a:lnTo>
+                  <a:pt x="6618" y="9928"/>
+                </a:lnTo>
+                <a:close/>
+                <a:moveTo>
+                  <a:pt x="9636" y="11218"/>
+                </a:moveTo>
+                <a:lnTo>
+                  <a:pt x="9782" y="11291"/>
+                </a:lnTo>
+                <a:lnTo>
+                  <a:pt x="9928" y="11364"/>
+                </a:lnTo>
+                <a:lnTo>
+                  <a:pt x="9855" y="11510"/>
+                </a:lnTo>
+                <a:lnTo>
+                  <a:pt x="9757" y="11632"/>
+                </a:lnTo>
+                <a:lnTo>
+                  <a:pt x="9636" y="11778"/>
+                </a:lnTo>
+                <a:lnTo>
+                  <a:pt x="9514" y="11875"/>
+                </a:lnTo>
+                <a:lnTo>
+                  <a:pt x="9246" y="12070"/>
+                </a:lnTo>
+                <a:lnTo>
+                  <a:pt x="8930" y="12240"/>
+                </a:lnTo>
+                <a:lnTo>
+                  <a:pt x="8589" y="12362"/>
+                </a:lnTo>
+                <a:lnTo>
+                  <a:pt x="8249" y="12435"/>
+                </a:lnTo>
+                <a:lnTo>
+                  <a:pt x="7908" y="12483"/>
+                </a:lnTo>
+                <a:lnTo>
+                  <a:pt x="7592" y="12508"/>
+                </a:lnTo>
+                <a:lnTo>
+                  <a:pt x="7227" y="12508"/>
+                </a:lnTo>
+                <a:lnTo>
+                  <a:pt x="6886" y="12459"/>
+                </a:lnTo>
+                <a:lnTo>
+                  <a:pt x="6521" y="12362"/>
+                </a:lnTo>
+                <a:lnTo>
+                  <a:pt x="6375" y="12289"/>
+                </a:lnTo>
+                <a:lnTo>
+                  <a:pt x="6205" y="12216"/>
+                </a:lnTo>
+                <a:lnTo>
+                  <a:pt x="6083" y="12118"/>
+                </a:lnTo>
+                <a:lnTo>
+                  <a:pt x="5986" y="12021"/>
+                </a:lnTo>
+                <a:lnTo>
+                  <a:pt x="5888" y="11924"/>
+                </a:lnTo>
+                <a:lnTo>
+                  <a:pt x="5815" y="11826"/>
+                </a:lnTo>
+                <a:lnTo>
+                  <a:pt x="5694" y="11583"/>
+                </a:lnTo>
+                <a:lnTo>
+                  <a:pt x="5572" y="11315"/>
+                </a:lnTo>
+                <a:lnTo>
+                  <a:pt x="5645" y="11291"/>
+                </a:lnTo>
+                <a:lnTo>
+                  <a:pt x="5840" y="11267"/>
+                </a:lnTo>
+                <a:lnTo>
+                  <a:pt x="6107" y="11242"/>
+                </a:lnTo>
+                <a:lnTo>
+                  <a:pt x="6180" y="11364"/>
+                </a:lnTo>
+                <a:lnTo>
+                  <a:pt x="6278" y="11486"/>
+                </a:lnTo>
+                <a:lnTo>
+                  <a:pt x="6448" y="11656"/>
+                </a:lnTo>
+                <a:lnTo>
+                  <a:pt x="6594" y="11753"/>
+                </a:lnTo>
+                <a:lnTo>
+                  <a:pt x="6764" y="11851"/>
+                </a:lnTo>
+                <a:lnTo>
+                  <a:pt x="7105" y="11972"/>
+                </a:lnTo>
+                <a:lnTo>
+                  <a:pt x="7446" y="12045"/>
+                </a:lnTo>
+                <a:lnTo>
+                  <a:pt x="7811" y="12094"/>
+                </a:lnTo>
+                <a:lnTo>
+                  <a:pt x="8151" y="12094"/>
+                </a:lnTo>
+                <a:lnTo>
+                  <a:pt x="8492" y="12070"/>
+                </a:lnTo>
+                <a:lnTo>
+                  <a:pt x="8833" y="11972"/>
+                </a:lnTo>
+                <a:lnTo>
+                  <a:pt x="9003" y="11924"/>
+                </a:lnTo>
+                <a:lnTo>
+                  <a:pt x="9173" y="11851"/>
+                </a:lnTo>
+                <a:lnTo>
+                  <a:pt x="9295" y="11753"/>
+                </a:lnTo>
+                <a:lnTo>
+                  <a:pt x="9441" y="11607"/>
+                </a:lnTo>
+                <a:lnTo>
+                  <a:pt x="9563" y="11461"/>
+                </a:lnTo>
+                <a:lnTo>
+                  <a:pt x="9587" y="11364"/>
+                </a:lnTo>
+                <a:lnTo>
+                  <a:pt x="9611" y="11291"/>
+                </a:lnTo>
+                <a:lnTo>
+                  <a:pt x="9636" y="11218"/>
+                </a:lnTo>
+                <a:close/>
+                <a:moveTo>
+                  <a:pt x="5231" y="11437"/>
+                </a:moveTo>
+                <a:lnTo>
+                  <a:pt x="5231" y="11583"/>
+                </a:lnTo>
+                <a:lnTo>
+                  <a:pt x="5280" y="11729"/>
+                </a:lnTo>
+                <a:lnTo>
+                  <a:pt x="5329" y="11875"/>
+                </a:lnTo>
+                <a:lnTo>
+                  <a:pt x="5402" y="12021"/>
+                </a:lnTo>
+                <a:lnTo>
+                  <a:pt x="5596" y="12264"/>
+                </a:lnTo>
+                <a:lnTo>
+                  <a:pt x="5815" y="12459"/>
+                </a:lnTo>
+                <a:lnTo>
+                  <a:pt x="6010" y="12581"/>
+                </a:lnTo>
+                <a:lnTo>
+                  <a:pt x="6205" y="12702"/>
+                </a:lnTo>
+                <a:lnTo>
+                  <a:pt x="6399" y="12775"/>
+                </a:lnTo>
+                <a:lnTo>
+                  <a:pt x="6618" y="12848"/>
+                </a:lnTo>
+                <a:lnTo>
+                  <a:pt x="6837" y="12897"/>
+                </a:lnTo>
+                <a:lnTo>
+                  <a:pt x="7056" y="12946"/>
+                </a:lnTo>
+                <a:lnTo>
+                  <a:pt x="7494" y="12970"/>
+                </a:lnTo>
+                <a:lnTo>
+                  <a:pt x="7908" y="12946"/>
+                </a:lnTo>
+                <a:lnTo>
+                  <a:pt x="8322" y="12897"/>
+                </a:lnTo>
+                <a:lnTo>
+                  <a:pt x="8760" y="12775"/>
+                </a:lnTo>
+                <a:lnTo>
+                  <a:pt x="9149" y="12629"/>
+                </a:lnTo>
+                <a:lnTo>
+                  <a:pt x="9344" y="12532"/>
+                </a:lnTo>
+                <a:lnTo>
+                  <a:pt x="9538" y="12410"/>
+                </a:lnTo>
+                <a:lnTo>
+                  <a:pt x="9709" y="12289"/>
+                </a:lnTo>
+                <a:lnTo>
+                  <a:pt x="9879" y="12143"/>
+                </a:lnTo>
+                <a:lnTo>
+                  <a:pt x="10025" y="11997"/>
+                </a:lnTo>
+                <a:lnTo>
+                  <a:pt x="10147" y="11851"/>
+                </a:lnTo>
+                <a:lnTo>
+                  <a:pt x="10268" y="11656"/>
+                </a:lnTo>
+                <a:lnTo>
+                  <a:pt x="10366" y="11486"/>
+                </a:lnTo>
+                <a:lnTo>
+                  <a:pt x="10950" y="11583"/>
+                </a:lnTo>
+                <a:lnTo>
+                  <a:pt x="10974" y="11583"/>
+                </a:lnTo>
+                <a:lnTo>
+                  <a:pt x="10828" y="11680"/>
+                </a:lnTo>
+                <a:lnTo>
+                  <a:pt x="10658" y="11778"/>
+                </a:lnTo>
+                <a:lnTo>
+                  <a:pt x="10512" y="11899"/>
+                </a:lnTo>
+                <a:lnTo>
+                  <a:pt x="10366" y="12045"/>
+                </a:lnTo>
+                <a:lnTo>
+                  <a:pt x="10317" y="12118"/>
+                </a:lnTo>
+                <a:lnTo>
+                  <a:pt x="10293" y="12216"/>
+                </a:lnTo>
+                <a:lnTo>
+                  <a:pt x="10439" y="12167"/>
+                </a:lnTo>
+                <a:lnTo>
+                  <a:pt x="10585" y="12094"/>
+                </a:lnTo>
+                <a:lnTo>
+                  <a:pt x="10852" y="11924"/>
+                </a:lnTo>
+                <a:lnTo>
+                  <a:pt x="11193" y="11778"/>
+                </a:lnTo>
+                <a:lnTo>
+                  <a:pt x="11315" y="11753"/>
+                </a:lnTo>
+                <a:lnTo>
+                  <a:pt x="11436" y="11705"/>
+                </a:lnTo>
+                <a:lnTo>
+                  <a:pt x="11461" y="11680"/>
+                </a:lnTo>
+                <a:lnTo>
+                  <a:pt x="12020" y="11851"/>
+                </a:lnTo>
+                <a:lnTo>
+                  <a:pt x="11728" y="11948"/>
+                </a:lnTo>
+                <a:lnTo>
+                  <a:pt x="11436" y="12070"/>
+                </a:lnTo>
+                <a:lnTo>
+                  <a:pt x="11144" y="12191"/>
+                </a:lnTo>
+                <a:lnTo>
+                  <a:pt x="10877" y="12362"/>
+                </a:lnTo>
+                <a:lnTo>
+                  <a:pt x="10633" y="12532"/>
+                </a:lnTo>
+                <a:lnTo>
+                  <a:pt x="10609" y="12556"/>
+                </a:lnTo>
+                <a:lnTo>
+                  <a:pt x="10633" y="12581"/>
+                </a:lnTo>
+                <a:lnTo>
+                  <a:pt x="11144" y="12386"/>
+                </a:lnTo>
+                <a:lnTo>
+                  <a:pt x="11655" y="12216"/>
+                </a:lnTo>
+                <a:lnTo>
+                  <a:pt x="11874" y="12167"/>
+                </a:lnTo>
+                <a:lnTo>
+                  <a:pt x="12093" y="12118"/>
+                </a:lnTo>
+                <a:lnTo>
+                  <a:pt x="12312" y="12094"/>
+                </a:lnTo>
+                <a:lnTo>
+                  <a:pt x="12531" y="12021"/>
+                </a:lnTo>
+                <a:lnTo>
+                  <a:pt x="12969" y="12216"/>
+                </a:lnTo>
+                <a:lnTo>
+                  <a:pt x="12726" y="12289"/>
+                </a:lnTo>
+                <a:lnTo>
+                  <a:pt x="12507" y="12386"/>
+                </a:lnTo>
+                <a:lnTo>
+                  <a:pt x="11874" y="12654"/>
+                </a:lnTo>
+                <a:lnTo>
+                  <a:pt x="11582" y="12800"/>
+                </a:lnTo>
+                <a:lnTo>
+                  <a:pt x="11266" y="12897"/>
+                </a:lnTo>
+                <a:lnTo>
+                  <a:pt x="11242" y="12921"/>
+                </a:lnTo>
+                <a:lnTo>
+                  <a:pt x="11217" y="12946"/>
+                </a:lnTo>
+                <a:lnTo>
+                  <a:pt x="11242" y="12970"/>
+                </a:lnTo>
+                <a:lnTo>
+                  <a:pt x="11266" y="12994"/>
+                </a:lnTo>
+                <a:lnTo>
+                  <a:pt x="11850" y="12873"/>
+                </a:lnTo>
+                <a:lnTo>
+                  <a:pt x="12458" y="12727"/>
+                </a:lnTo>
+                <a:lnTo>
+                  <a:pt x="12677" y="12678"/>
+                </a:lnTo>
+                <a:lnTo>
+                  <a:pt x="12920" y="12629"/>
+                </a:lnTo>
+                <a:lnTo>
+                  <a:pt x="13164" y="12556"/>
+                </a:lnTo>
+                <a:lnTo>
+                  <a:pt x="13285" y="12508"/>
+                </a:lnTo>
+                <a:lnTo>
+                  <a:pt x="13383" y="12459"/>
+                </a:lnTo>
+                <a:lnTo>
+                  <a:pt x="13626" y="12629"/>
+                </a:lnTo>
+                <a:lnTo>
+                  <a:pt x="13869" y="12824"/>
+                </a:lnTo>
+                <a:lnTo>
+                  <a:pt x="13602" y="12873"/>
+                </a:lnTo>
+                <a:lnTo>
+                  <a:pt x="12847" y="13067"/>
+                </a:lnTo>
+                <a:lnTo>
+                  <a:pt x="12482" y="13165"/>
+                </a:lnTo>
+                <a:lnTo>
+                  <a:pt x="12142" y="13286"/>
+                </a:lnTo>
+                <a:lnTo>
+                  <a:pt x="12093" y="13335"/>
+                </a:lnTo>
+                <a:lnTo>
+                  <a:pt x="12117" y="13359"/>
+                </a:lnTo>
+                <a:lnTo>
+                  <a:pt x="12263" y="13408"/>
+                </a:lnTo>
+                <a:lnTo>
+                  <a:pt x="12409" y="13432"/>
+                </a:lnTo>
+                <a:lnTo>
+                  <a:pt x="12531" y="13457"/>
+                </a:lnTo>
+                <a:lnTo>
+                  <a:pt x="12677" y="13432"/>
+                </a:lnTo>
+                <a:lnTo>
+                  <a:pt x="12969" y="13408"/>
+                </a:lnTo>
+                <a:lnTo>
+                  <a:pt x="13237" y="13335"/>
+                </a:lnTo>
+                <a:lnTo>
+                  <a:pt x="13675" y="13238"/>
+                </a:lnTo>
+                <a:lnTo>
+                  <a:pt x="13869" y="13189"/>
+                </a:lnTo>
+                <a:lnTo>
+                  <a:pt x="14088" y="13165"/>
+                </a:lnTo>
+                <a:lnTo>
+                  <a:pt x="14186" y="13140"/>
+                </a:lnTo>
+                <a:lnTo>
+                  <a:pt x="14356" y="13335"/>
+                </a:lnTo>
+                <a:lnTo>
+                  <a:pt x="14502" y="13530"/>
+                </a:lnTo>
+                <a:lnTo>
+                  <a:pt x="14186" y="13554"/>
+                </a:lnTo>
+                <a:lnTo>
+                  <a:pt x="13845" y="13578"/>
+                </a:lnTo>
+                <a:lnTo>
+                  <a:pt x="13529" y="13627"/>
+                </a:lnTo>
+                <a:lnTo>
+                  <a:pt x="13212" y="13676"/>
+                </a:lnTo>
+                <a:lnTo>
+                  <a:pt x="13042" y="13724"/>
+                </a:lnTo>
+                <a:lnTo>
+                  <a:pt x="12896" y="13773"/>
+                </a:lnTo>
+                <a:lnTo>
+                  <a:pt x="12872" y="13797"/>
+                </a:lnTo>
+                <a:lnTo>
+                  <a:pt x="12872" y="13822"/>
+                </a:lnTo>
+                <a:lnTo>
+                  <a:pt x="12896" y="13846"/>
+                </a:lnTo>
+                <a:lnTo>
+                  <a:pt x="12896" y="13870"/>
+                </a:lnTo>
+                <a:lnTo>
+                  <a:pt x="13188" y="13919"/>
+                </a:lnTo>
+                <a:lnTo>
+                  <a:pt x="13456" y="13943"/>
+                </a:lnTo>
+                <a:lnTo>
+                  <a:pt x="13991" y="13919"/>
+                </a:lnTo>
+                <a:lnTo>
+                  <a:pt x="14745" y="13919"/>
+                </a:lnTo>
+                <a:lnTo>
+                  <a:pt x="14916" y="14284"/>
+                </a:lnTo>
+                <a:lnTo>
+                  <a:pt x="14405" y="14308"/>
+                </a:lnTo>
+                <a:lnTo>
+                  <a:pt x="13821" y="14308"/>
+                </a:lnTo>
+                <a:lnTo>
+                  <a:pt x="13529" y="14333"/>
+                </a:lnTo>
+                <a:lnTo>
+                  <a:pt x="13383" y="14357"/>
+                </a:lnTo>
+                <a:lnTo>
+                  <a:pt x="13237" y="14381"/>
+                </a:lnTo>
+                <a:lnTo>
+                  <a:pt x="13212" y="14406"/>
+                </a:lnTo>
+                <a:lnTo>
+                  <a:pt x="13188" y="14454"/>
+                </a:lnTo>
+                <a:lnTo>
+                  <a:pt x="13212" y="14503"/>
+                </a:lnTo>
+                <a:lnTo>
+                  <a:pt x="13237" y="14527"/>
+                </a:lnTo>
+                <a:lnTo>
+                  <a:pt x="13529" y="14600"/>
+                </a:lnTo>
+                <a:lnTo>
+                  <a:pt x="13821" y="14625"/>
+                </a:lnTo>
+                <a:lnTo>
+                  <a:pt x="14721" y="14625"/>
+                </a:lnTo>
+                <a:lnTo>
+                  <a:pt x="15037" y="14600"/>
+                </a:lnTo>
+                <a:lnTo>
+                  <a:pt x="15110" y="14868"/>
+                </a:lnTo>
+                <a:lnTo>
+                  <a:pt x="15159" y="15136"/>
+                </a:lnTo>
+                <a:lnTo>
+                  <a:pt x="14989" y="15087"/>
+                </a:lnTo>
+                <a:lnTo>
+                  <a:pt x="14818" y="15087"/>
+                </a:lnTo>
+                <a:lnTo>
+                  <a:pt x="14453" y="15063"/>
+                </a:lnTo>
+                <a:lnTo>
+                  <a:pt x="14234" y="15063"/>
+                </a:lnTo>
+                <a:lnTo>
+                  <a:pt x="13991" y="15087"/>
+                </a:lnTo>
+                <a:lnTo>
+                  <a:pt x="13772" y="15111"/>
+                </a:lnTo>
+                <a:lnTo>
+                  <a:pt x="13529" y="15184"/>
+                </a:lnTo>
+                <a:lnTo>
+                  <a:pt x="13504" y="15209"/>
+                </a:lnTo>
+                <a:lnTo>
+                  <a:pt x="13504" y="15233"/>
+                </a:lnTo>
+                <a:lnTo>
+                  <a:pt x="13504" y="15282"/>
+                </a:lnTo>
+                <a:lnTo>
+                  <a:pt x="13553" y="15282"/>
+                </a:lnTo>
+                <a:lnTo>
+                  <a:pt x="14015" y="15306"/>
+                </a:lnTo>
+                <a:lnTo>
+                  <a:pt x="14453" y="15330"/>
+                </a:lnTo>
+                <a:lnTo>
+                  <a:pt x="14843" y="15355"/>
+                </a:lnTo>
+                <a:lnTo>
+                  <a:pt x="15013" y="15355"/>
+                </a:lnTo>
+                <a:lnTo>
+                  <a:pt x="15183" y="15330"/>
+                </a:lnTo>
+                <a:lnTo>
+                  <a:pt x="15183" y="15330"/>
+                </a:lnTo>
+                <a:lnTo>
+                  <a:pt x="15086" y="15355"/>
+                </a:lnTo>
+                <a:lnTo>
+                  <a:pt x="14794" y="15452"/>
+                </a:lnTo>
+                <a:lnTo>
+                  <a:pt x="14502" y="15549"/>
+                </a:lnTo>
+                <a:lnTo>
+                  <a:pt x="13918" y="15671"/>
+                </a:lnTo>
+                <a:lnTo>
+                  <a:pt x="13310" y="15768"/>
+                </a:lnTo>
+                <a:lnTo>
+                  <a:pt x="12701" y="15841"/>
+                </a:lnTo>
+                <a:lnTo>
+                  <a:pt x="12677" y="15720"/>
+                </a:lnTo>
+                <a:lnTo>
+                  <a:pt x="12653" y="15525"/>
+                </a:lnTo>
+                <a:lnTo>
+                  <a:pt x="12628" y="15428"/>
+                </a:lnTo>
+                <a:lnTo>
+                  <a:pt x="12555" y="15330"/>
+                </a:lnTo>
+                <a:lnTo>
+                  <a:pt x="12482" y="15257"/>
+                </a:lnTo>
+                <a:lnTo>
+                  <a:pt x="12385" y="15233"/>
+                </a:lnTo>
+                <a:lnTo>
+                  <a:pt x="12288" y="15257"/>
+                </a:lnTo>
+                <a:lnTo>
+                  <a:pt x="12215" y="15330"/>
+                </a:lnTo>
+                <a:lnTo>
+                  <a:pt x="12166" y="15428"/>
+                </a:lnTo>
+                <a:lnTo>
+                  <a:pt x="12142" y="15525"/>
+                </a:lnTo>
+                <a:lnTo>
+                  <a:pt x="12142" y="15720"/>
+                </a:lnTo>
+                <a:lnTo>
+                  <a:pt x="12142" y="15890"/>
+                </a:lnTo>
+                <a:lnTo>
+                  <a:pt x="11801" y="15939"/>
+                </a:lnTo>
+                <a:lnTo>
+                  <a:pt x="11290" y="15987"/>
+                </a:lnTo>
+                <a:lnTo>
+                  <a:pt x="10755" y="16036"/>
+                </a:lnTo>
+                <a:lnTo>
+                  <a:pt x="9709" y="16085"/>
+                </a:lnTo>
+                <a:lnTo>
+                  <a:pt x="7592" y="16085"/>
+                </a:lnTo>
+                <a:lnTo>
+                  <a:pt x="6521" y="16060"/>
+                </a:lnTo>
+                <a:lnTo>
+                  <a:pt x="5475" y="16012"/>
+                </a:lnTo>
+                <a:lnTo>
+                  <a:pt x="4428" y="15939"/>
+                </a:lnTo>
+                <a:lnTo>
+                  <a:pt x="3382" y="15841"/>
+                </a:lnTo>
+                <a:lnTo>
+                  <a:pt x="3236" y="15817"/>
+                </a:lnTo>
+                <a:lnTo>
+                  <a:pt x="3236" y="15768"/>
+                </a:lnTo>
+                <a:lnTo>
+                  <a:pt x="3236" y="15671"/>
+                </a:lnTo>
+                <a:lnTo>
+                  <a:pt x="3212" y="15622"/>
+                </a:lnTo>
+                <a:lnTo>
+                  <a:pt x="3212" y="15574"/>
+                </a:lnTo>
+                <a:lnTo>
+                  <a:pt x="3236" y="15403"/>
+                </a:lnTo>
+                <a:lnTo>
+                  <a:pt x="3236" y="15306"/>
+                </a:lnTo>
+                <a:lnTo>
+                  <a:pt x="3212" y="15209"/>
+                </a:lnTo>
+                <a:lnTo>
+                  <a:pt x="3163" y="15136"/>
+                </a:lnTo>
+                <a:lnTo>
+                  <a:pt x="3090" y="15087"/>
+                </a:lnTo>
+                <a:lnTo>
+                  <a:pt x="3017" y="15087"/>
+                </a:lnTo>
+                <a:lnTo>
+                  <a:pt x="2920" y="15111"/>
+                </a:lnTo>
+                <a:lnTo>
+                  <a:pt x="2823" y="15209"/>
+                </a:lnTo>
+                <a:lnTo>
+                  <a:pt x="2750" y="15330"/>
+                </a:lnTo>
+                <a:lnTo>
+                  <a:pt x="2725" y="15452"/>
+                </a:lnTo>
+                <a:lnTo>
+                  <a:pt x="2701" y="15598"/>
+                </a:lnTo>
+                <a:lnTo>
+                  <a:pt x="2701" y="15695"/>
+                </a:lnTo>
+                <a:lnTo>
+                  <a:pt x="2141" y="15525"/>
+                </a:lnTo>
+                <a:lnTo>
+                  <a:pt x="1582" y="15355"/>
+                </a:lnTo>
+                <a:lnTo>
+                  <a:pt x="1314" y="15282"/>
+                </a:lnTo>
+                <a:lnTo>
+                  <a:pt x="1046" y="15257"/>
+                </a:lnTo>
+                <a:lnTo>
+                  <a:pt x="754" y="15233"/>
+                </a:lnTo>
+                <a:lnTo>
+                  <a:pt x="487" y="15257"/>
+                </a:lnTo>
+                <a:lnTo>
+                  <a:pt x="462" y="15038"/>
+                </a:lnTo>
+                <a:lnTo>
+                  <a:pt x="487" y="14844"/>
+                </a:lnTo>
+                <a:lnTo>
+                  <a:pt x="511" y="14625"/>
+                </a:lnTo>
+                <a:lnTo>
+                  <a:pt x="584" y="14430"/>
+                </a:lnTo>
+                <a:lnTo>
+                  <a:pt x="657" y="14235"/>
+                </a:lnTo>
+                <a:lnTo>
+                  <a:pt x="754" y="14041"/>
+                </a:lnTo>
+                <a:lnTo>
+                  <a:pt x="852" y="13870"/>
+                </a:lnTo>
+                <a:lnTo>
+                  <a:pt x="973" y="13676"/>
+                </a:lnTo>
+                <a:lnTo>
+                  <a:pt x="1241" y="13359"/>
+                </a:lnTo>
+                <a:lnTo>
+                  <a:pt x="1557" y="13043"/>
+                </a:lnTo>
+                <a:lnTo>
+                  <a:pt x="1874" y="12775"/>
+                </a:lnTo>
+                <a:lnTo>
+                  <a:pt x="2190" y="12532"/>
+                </a:lnTo>
+                <a:lnTo>
+                  <a:pt x="2409" y="12386"/>
+                </a:lnTo>
+                <a:lnTo>
+                  <a:pt x="2604" y="12289"/>
+                </a:lnTo>
+                <a:lnTo>
+                  <a:pt x="3042" y="12070"/>
+                </a:lnTo>
+                <a:lnTo>
+                  <a:pt x="3480" y="11924"/>
+                </a:lnTo>
+                <a:lnTo>
+                  <a:pt x="3942" y="11778"/>
+                </a:lnTo>
+                <a:lnTo>
+                  <a:pt x="4234" y="11680"/>
+                </a:lnTo>
+                <a:lnTo>
+                  <a:pt x="4574" y="11607"/>
+                </a:lnTo>
+                <a:lnTo>
+                  <a:pt x="5231" y="11437"/>
+                </a:lnTo>
+                <a:close/>
+                <a:moveTo>
+                  <a:pt x="8200" y="1"/>
+                </a:moveTo>
+                <a:lnTo>
+                  <a:pt x="7811" y="50"/>
+                </a:lnTo>
+                <a:lnTo>
+                  <a:pt x="7470" y="123"/>
+                </a:lnTo>
+                <a:lnTo>
+                  <a:pt x="7154" y="244"/>
+                </a:lnTo>
+                <a:lnTo>
+                  <a:pt x="6667" y="463"/>
+                </a:lnTo>
+                <a:lnTo>
+                  <a:pt x="6424" y="609"/>
+                </a:lnTo>
+                <a:lnTo>
+                  <a:pt x="6278" y="731"/>
+                </a:lnTo>
+                <a:lnTo>
+                  <a:pt x="6205" y="804"/>
+                </a:lnTo>
+                <a:lnTo>
+                  <a:pt x="6180" y="853"/>
+                </a:lnTo>
+                <a:lnTo>
+                  <a:pt x="6205" y="926"/>
+                </a:lnTo>
+                <a:lnTo>
+                  <a:pt x="6253" y="974"/>
+                </a:lnTo>
+                <a:lnTo>
+                  <a:pt x="6302" y="999"/>
+                </a:lnTo>
+                <a:lnTo>
+                  <a:pt x="6472" y="999"/>
+                </a:lnTo>
+                <a:lnTo>
+                  <a:pt x="6594" y="950"/>
+                </a:lnTo>
+                <a:lnTo>
+                  <a:pt x="6716" y="877"/>
+                </a:lnTo>
+                <a:lnTo>
+                  <a:pt x="7178" y="682"/>
+                </a:lnTo>
+                <a:lnTo>
+                  <a:pt x="7421" y="585"/>
+                </a:lnTo>
+                <a:lnTo>
+                  <a:pt x="7665" y="488"/>
+                </a:lnTo>
+                <a:lnTo>
+                  <a:pt x="8005" y="439"/>
+                </a:lnTo>
+                <a:lnTo>
+                  <a:pt x="8346" y="415"/>
+                </a:lnTo>
+                <a:lnTo>
+                  <a:pt x="8735" y="439"/>
+                </a:lnTo>
+                <a:lnTo>
+                  <a:pt x="9125" y="488"/>
+                </a:lnTo>
+                <a:lnTo>
+                  <a:pt x="9490" y="585"/>
+                </a:lnTo>
+                <a:lnTo>
+                  <a:pt x="9855" y="707"/>
+                </a:lnTo>
+                <a:lnTo>
+                  <a:pt x="10195" y="828"/>
+                </a:lnTo>
+                <a:lnTo>
+                  <a:pt x="10487" y="974"/>
+                </a:lnTo>
+                <a:lnTo>
+                  <a:pt x="10706" y="1096"/>
+                </a:lnTo>
+                <a:lnTo>
+                  <a:pt x="10877" y="1242"/>
+                </a:lnTo>
+                <a:lnTo>
+                  <a:pt x="11023" y="1412"/>
+                </a:lnTo>
+                <a:lnTo>
+                  <a:pt x="11169" y="1583"/>
+                </a:lnTo>
+                <a:lnTo>
+                  <a:pt x="11290" y="1801"/>
+                </a:lnTo>
+                <a:lnTo>
+                  <a:pt x="11388" y="1996"/>
+                </a:lnTo>
+                <a:lnTo>
+                  <a:pt x="11485" y="2215"/>
+                </a:lnTo>
+                <a:lnTo>
+                  <a:pt x="11558" y="2458"/>
+                </a:lnTo>
+                <a:lnTo>
+                  <a:pt x="11655" y="2921"/>
+                </a:lnTo>
+                <a:lnTo>
+                  <a:pt x="11728" y="3407"/>
+                </a:lnTo>
+                <a:lnTo>
+                  <a:pt x="11753" y="3894"/>
+                </a:lnTo>
+                <a:lnTo>
+                  <a:pt x="11753" y="4356"/>
+                </a:lnTo>
+                <a:lnTo>
+                  <a:pt x="11217" y="4356"/>
+                </a:lnTo>
+                <a:lnTo>
+                  <a:pt x="10974" y="4332"/>
+                </a:lnTo>
+                <a:lnTo>
+                  <a:pt x="10731" y="4259"/>
+                </a:lnTo>
+                <a:lnTo>
+                  <a:pt x="10487" y="4210"/>
+                </a:lnTo>
+                <a:lnTo>
+                  <a:pt x="10244" y="4113"/>
+                </a:lnTo>
+                <a:lnTo>
+                  <a:pt x="9782" y="3918"/>
+                </a:lnTo>
+                <a:lnTo>
+                  <a:pt x="9319" y="3675"/>
+                </a:lnTo>
+                <a:lnTo>
+                  <a:pt x="8881" y="3432"/>
+                </a:lnTo>
+                <a:lnTo>
+                  <a:pt x="8419" y="3164"/>
+                </a:lnTo>
+                <a:lnTo>
+                  <a:pt x="7981" y="2921"/>
+                </a:lnTo>
+                <a:lnTo>
+                  <a:pt x="7908" y="2896"/>
+                </a:lnTo>
+                <a:lnTo>
+                  <a:pt x="7835" y="2896"/>
+                </a:lnTo>
+                <a:lnTo>
+                  <a:pt x="7786" y="2921"/>
+                </a:lnTo>
+                <a:lnTo>
+                  <a:pt x="7738" y="2945"/>
+                </a:lnTo>
+                <a:lnTo>
+                  <a:pt x="7689" y="2994"/>
+                </a:lnTo>
+                <a:lnTo>
+                  <a:pt x="7665" y="3042"/>
+                </a:lnTo>
+                <a:lnTo>
+                  <a:pt x="7640" y="3115"/>
+                </a:lnTo>
+                <a:lnTo>
+                  <a:pt x="7640" y="3164"/>
+                </a:lnTo>
+                <a:lnTo>
+                  <a:pt x="7713" y="3529"/>
+                </a:lnTo>
+                <a:lnTo>
+                  <a:pt x="7786" y="3894"/>
+                </a:lnTo>
+                <a:lnTo>
+                  <a:pt x="7640" y="3797"/>
+                </a:lnTo>
+                <a:lnTo>
+                  <a:pt x="7494" y="3699"/>
+                </a:lnTo>
+                <a:lnTo>
+                  <a:pt x="7202" y="3432"/>
+                </a:lnTo>
+                <a:lnTo>
+                  <a:pt x="6959" y="3140"/>
+                </a:lnTo>
+                <a:lnTo>
+                  <a:pt x="6740" y="2799"/>
+                </a:lnTo>
+                <a:lnTo>
+                  <a:pt x="6545" y="2458"/>
+                </a:lnTo>
+                <a:lnTo>
+                  <a:pt x="6424" y="2118"/>
+                </a:lnTo>
+                <a:lnTo>
+                  <a:pt x="6399" y="1947"/>
+                </a:lnTo>
+                <a:lnTo>
+                  <a:pt x="6375" y="1777"/>
+                </a:lnTo>
+                <a:lnTo>
+                  <a:pt x="6375" y="1607"/>
+                </a:lnTo>
+                <a:lnTo>
+                  <a:pt x="6399" y="1461"/>
+                </a:lnTo>
+                <a:lnTo>
+                  <a:pt x="6399" y="1388"/>
+                </a:lnTo>
+                <a:lnTo>
+                  <a:pt x="6399" y="1339"/>
+                </a:lnTo>
+                <a:lnTo>
+                  <a:pt x="6351" y="1291"/>
+                </a:lnTo>
+                <a:lnTo>
+                  <a:pt x="6302" y="1266"/>
+                </a:lnTo>
+                <a:lnTo>
+                  <a:pt x="6205" y="1266"/>
+                </a:lnTo>
+                <a:lnTo>
+                  <a:pt x="6156" y="1291"/>
+                </a:lnTo>
+                <a:lnTo>
+                  <a:pt x="6107" y="1339"/>
+                </a:lnTo>
+                <a:lnTo>
+                  <a:pt x="6034" y="1485"/>
+                </a:lnTo>
+                <a:lnTo>
+                  <a:pt x="6010" y="1655"/>
+                </a:lnTo>
+                <a:lnTo>
+                  <a:pt x="5815" y="1680"/>
+                </a:lnTo>
+                <a:lnTo>
+                  <a:pt x="5645" y="1728"/>
+                </a:lnTo>
+                <a:lnTo>
+                  <a:pt x="5475" y="1826"/>
+                </a:lnTo>
+                <a:lnTo>
+                  <a:pt x="5304" y="1923"/>
+                </a:lnTo>
+                <a:lnTo>
+                  <a:pt x="5085" y="2069"/>
+                </a:lnTo>
+                <a:lnTo>
+                  <a:pt x="4891" y="2215"/>
+                </a:lnTo>
+                <a:lnTo>
+                  <a:pt x="4720" y="2337"/>
+                </a:lnTo>
+                <a:lnTo>
+                  <a:pt x="4647" y="2410"/>
+                </a:lnTo>
+                <a:lnTo>
+                  <a:pt x="4599" y="2507"/>
+                </a:lnTo>
+                <a:lnTo>
+                  <a:pt x="4574" y="2531"/>
+                </a:lnTo>
+                <a:lnTo>
+                  <a:pt x="4599" y="2556"/>
+                </a:lnTo>
+                <a:lnTo>
+                  <a:pt x="4623" y="2580"/>
+                </a:lnTo>
+                <a:lnTo>
+                  <a:pt x="4647" y="2604"/>
+                </a:lnTo>
+                <a:lnTo>
+                  <a:pt x="4745" y="2580"/>
+                </a:lnTo>
+                <a:lnTo>
+                  <a:pt x="4818" y="2556"/>
+                </a:lnTo>
+                <a:lnTo>
+                  <a:pt x="4988" y="2458"/>
+                </a:lnTo>
+                <a:lnTo>
+                  <a:pt x="5280" y="2239"/>
+                </a:lnTo>
+                <a:lnTo>
+                  <a:pt x="5621" y="1996"/>
+                </a:lnTo>
+                <a:lnTo>
+                  <a:pt x="5986" y="1801"/>
+                </a:lnTo>
+                <a:lnTo>
+                  <a:pt x="5986" y="1996"/>
+                </a:lnTo>
+                <a:lnTo>
+                  <a:pt x="6034" y="2166"/>
+                </a:lnTo>
+                <a:lnTo>
+                  <a:pt x="6083" y="2337"/>
+                </a:lnTo>
+                <a:lnTo>
+                  <a:pt x="6156" y="2531"/>
+                </a:lnTo>
+                <a:lnTo>
+                  <a:pt x="6302" y="2872"/>
+                </a:lnTo>
+                <a:lnTo>
+                  <a:pt x="6472" y="3164"/>
+                </a:lnTo>
+                <a:lnTo>
+                  <a:pt x="6618" y="3359"/>
+                </a:lnTo>
+                <a:lnTo>
+                  <a:pt x="6764" y="3578"/>
+                </a:lnTo>
+                <a:lnTo>
+                  <a:pt x="6959" y="3772"/>
+                </a:lnTo>
+                <a:lnTo>
+                  <a:pt x="7129" y="3967"/>
+                </a:lnTo>
+                <a:lnTo>
+                  <a:pt x="7348" y="4137"/>
+                </a:lnTo>
+                <a:lnTo>
+                  <a:pt x="7567" y="4283"/>
+                </a:lnTo>
+                <a:lnTo>
+                  <a:pt x="7811" y="4381"/>
+                </a:lnTo>
+                <a:lnTo>
+                  <a:pt x="8054" y="4454"/>
+                </a:lnTo>
+                <a:lnTo>
+                  <a:pt x="8151" y="4454"/>
+                </a:lnTo>
+                <a:lnTo>
+                  <a:pt x="8249" y="4381"/>
+                </a:lnTo>
+                <a:lnTo>
+                  <a:pt x="8297" y="4356"/>
+                </a:lnTo>
+                <a:lnTo>
+                  <a:pt x="8322" y="4308"/>
+                </a:lnTo>
+                <a:lnTo>
+                  <a:pt x="8322" y="4235"/>
+                </a:lnTo>
+                <a:lnTo>
+                  <a:pt x="8322" y="4186"/>
+                </a:lnTo>
+                <a:lnTo>
+                  <a:pt x="8151" y="3505"/>
+                </a:lnTo>
+                <a:lnTo>
+                  <a:pt x="8151" y="3505"/>
+                </a:lnTo>
+                <a:lnTo>
+                  <a:pt x="8881" y="3918"/>
+                </a:lnTo>
+                <a:lnTo>
+                  <a:pt x="9587" y="4283"/>
+                </a:lnTo>
+                <a:lnTo>
+                  <a:pt x="9952" y="4429"/>
+                </a:lnTo>
+                <a:lnTo>
+                  <a:pt x="10317" y="4575"/>
+                </a:lnTo>
+                <a:lnTo>
+                  <a:pt x="10682" y="4697"/>
+                </a:lnTo>
+                <a:lnTo>
+                  <a:pt x="11071" y="4746"/>
+                </a:lnTo>
+                <a:lnTo>
+                  <a:pt x="11169" y="4940"/>
+                </a:lnTo>
+                <a:lnTo>
+                  <a:pt x="11242" y="5111"/>
+                </a:lnTo>
+                <a:lnTo>
+                  <a:pt x="11266" y="5281"/>
+                </a:lnTo>
+                <a:lnTo>
+                  <a:pt x="11266" y="5451"/>
+                </a:lnTo>
+                <a:lnTo>
+                  <a:pt x="11242" y="5792"/>
+                </a:lnTo>
+                <a:lnTo>
+                  <a:pt x="11266" y="5865"/>
+                </a:lnTo>
+                <a:lnTo>
+                  <a:pt x="11315" y="5938"/>
+                </a:lnTo>
+                <a:lnTo>
+                  <a:pt x="11363" y="5987"/>
+                </a:lnTo>
+                <a:lnTo>
+                  <a:pt x="11509" y="5987"/>
+                </a:lnTo>
+                <a:lnTo>
+                  <a:pt x="11582" y="5962"/>
+                </a:lnTo>
+                <a:lnTo>
+                  <a:pt x="11631" y="5914"/>
+                </a:lnTo>
+                <a:lnTo>
+                  <a:pt x="11655" y="5841"/>
+                </a:lnTo>
+                <a:lnTo>
+                  <a:pt x="11704" y="5622"/>
+                </a:lnTo>
+                <a:lnTo>
+                  <a:pt x="11704" y="5354"/>
+                </a:lnTo>
+                <a:lnTo>
+                  <a:pt x="11680" y="5135"/>
+                </a:lnTo>
+                <a:lnTo>
+                  <a:pt x="11607" y="4892"/>
+                </a:lnTo>
+                <a:lnTo>
+                  <a:pt x="11558" y="4794"/>
+                </a:lnTo>
+                <a:lnTo>
+                  <a:pt x="11680" y="4770"/>
+                </a:lnTo>
+                <a:lnTo>
+                  <a:pt x="11801" y="4940"/>
+                </a:lnTo>
+                <a:lnTo>
+                  <a:pt x="11923" y="5111"/>
+                </a:lnTo>
+                <a:lnTo>
+                  <a:pt x="11996" y="5305"/>
+                </a:lnTo>
+                <a:lnTo>
+                  <a:pt x="12044" y="5500"/>
+                </a:lnTo>
+                <a:lnTo>
+                  <a:pt x="12069" y="5695"/>
+                </a:lnTo>
+                <a:lnTo>
+                  <a:pt x="12093" y="5889"/>
+                </a:lnTo>
+                <a:lnTo>
+                  <a:pt x="12069" y="6108"/>
+                </a:lnTo>
+                <a:lnTo>
+                  <a:pt x="12044" y="6303"/>
+                </a:lnTo>
+                <a:lnTo>
+                  <a:pt x="11996" y="6522"/>
+                </a:lnTo>
+                <a:lnTo>
+                  <a:pt x="11899" y="6692"/>
+                </a:lnTo>
+                <a:lnTo>
+                  <a:pt x="11801" y="6887"/>
+                </a:lnTo>
+                <a:lnTo>
+                  <a:pt x="11655" y="7033"/>
+                </a:lnTo>
+                <a:lnTo>
+                  <a:pt x="11631" y="7082"/>
+                </a:lnTo>
+                <a:lnTo>
+                  <a:pt x="11631" y="6936"/>
+                </a:lnTo>
+                <a:lnTo>
+                  <a:pt x="11631" y="6814"/>
+                </a:lnTo>
+                <a:lnTo>
+                  <a:pt x="11582" y="6717"/>
+                </a:lnTo>
+                <a:lnTo>
+                  <a:pt x="11509" y="6619"/>
+                </a:lnTo>
+                <a:lnTo>
+                  <a:pt x="11436" y="6571"/>
+                </a:lnTo>
+                <a:lnTo>
+                  <a:pt x="11290" y="6571"/>
+                </a:lnTo>
+                <a:lnTo>
+                  <a:pt x="11242" y="6619"/>
+                </a:lnTo>
+                <a:lnTo>
+                  <a:pt x="11193" y="6668"/>
+                </a:lnTo>
+                <a:lnTo>
+                  <a:pt x="11169" y="6717"/>
+                </a:lnTo>
+                <a:lnTo>
+                  <a:pt x="11169" y="6790"/>
+                </a:lnTo>
+                <a:lnTo>
+                  <a:pt x="11193" y="6863"/>
+                </a:lnTo>
+                <a:lnTo>
+                  <a:pt x="11169" y="6838"/>
+                </a:lnTo>
+                <a:lnTo>
+                  <a:pt x="11144" y="6863"/>
+                </a:lnTo>
+                <a:lnTo>
+                  <a:pt x="11144" y="6984"/>
+                </a:lnTo>
+                <a:lnTo>
+                  <a:pt x="11071" y="7228"/>
+                </a:lnTo>
+                <a:lnTo>
+                  <a:pt x="10974" y="7447"/>
+                </a:lnTo>
+                <a:lnTo>
+                  <a:pt x="10755" y="7933"/>
+                </a:lnTo>
+                <a:lnTo>
+                  <a:pt x="10487" y="8396"/>
+                </a:lnTo>
+                <a:lnTo>
+                  <a:pt x="10317" y="8663"/>
+                </a:lnTo>
+                <a:lnTo>
+                  <a:pt x="10098" y="8907"/>
+                </a:lnTo>
+                <a:lnTo>
+                  <a:pt x="9879" y="9126"/>
+                </a:lnTo>
+                <a:lnTo>
+                  <a:pt x="9611" y="9320"/>
+                </a:lnTo>
+                <a:lnTo>
+                  <a:pt x="9344" y="9491"/>
+                </a:lnTo>
+                <a:lnTo>
+                  <a:pt x="9052" y="9637"/>
+                </a:lnTo>
+                <a:lnTo>
+                  <a:pt x="8735" y="9734"/>
+                </a:lnTo>
+                <a:lnTo>
+                  <a:pt x="8419" y="9782"/>
+                </a:lnTo>
+                <a:lnTo>
+                  <a:pt x="8078" y="9807"/>
+                </a:lnTo>
+                <a:lnTo>
+                  <a:pt x="7738" y="9782"/>
+                </a:lnTo>
+                <a:lnTo>
+                  <a:pt x="7397" y="9709"/>
+                </a:lnTo>
+                <a:lnTo>
+                  <a:pt x="7056" y="9612"/>
+                </a:lnTo>
+                <a:lnTo>
+                  <a:pt x="6716" y="9466"/>
+                </a:lnTo>
+                <a:lnTo>
+                  <a:pt x="6424" y="9296"/>
+                </a:lnTo>
+                <a:lnTo>
+                  <a:pt x="6107" y="9126"/>
+                </a:lnTo>
+                <a:lnTo>
+                  <a:pt x="5840" y="8907"/>
+                </a:lnTo>
+                <a:lnTo>
+                  <a:pt x="5596" y="8712"/>
+                </a:lnTo>
+                <a:lnTo>
+                  <a:pt x="5377" y="8469"/>
+                </a:lnTo>
+                <a:lnTo>
+                  <a:pt x="5158" y="8225"/>
+                </a:lnTo>
+                <a:lnTo>
+                  <a:pt x="4988" y="7958"/>
+                </a:lnTo>
+                <a:lnTo>
+                  <a:pt x="4891" y="7787"/>
+                </a:lnTo>
+                <a:lnTo>
+                  <a:pt x="4818" y="7641"/>
+                </a:lnTo>
+                <a:lnTo>
+                  <a:pt x="4696" y="7301"/>
+                </a:lnTo>
+                <a:lnTo>
+                  <a:pt x="4599" y="6960"/>
+                </a:lnTo>
+                <a:lnTo>
+                  <a:pt x="4477" y="6644"/>
+                </a:lnTo>
+                <a:lnTo>
+                  <a:pt x="4428" y="6571"/>
+                </a:lnTo>
+                <a:lnTo>
+                  <a:pt x="4355" y="6546"/>
+                </a:lnTo>
+                <a:lnTo>
+                  <a:pt x="4282" y="6571"/>
+                </a:lnTo>
+                <a:lnTo>
+                  <a:pt x="4258" y="6595"/>
+                </a:lnTo>
+                <a:lnTo>
+                  <a:pt x="4234" y="6644"/>
+                </a:lnTo>
+                <a:lnTo>
+                  <a:pt x="4209" y="6936"/>
+                </a:lnTo>
+                <a:lnTo>
+                  <a:pt x="4234" y="7228"/>
+                </a:lnTo>
+                <a:lnTo>
+                  <a:pt x="4088" y="7130"/>
+                </a:lnTo>
+                <a:lnTo>
+                  <a:pt x="3966" y="7033"/>
+                </a:lnTo>
+                <a:lnTo>
+                  <a:pt x="3845" y="6911"/>
+                </a:lnTo>
+                <a:lnTo>
+                  <a:pt x="3772" y="6790"/>
+                </a:lnTo>
+                <a:lnTo>
+                  <a:pt x="3699" y="6644"/>
+                </a:lnTo>
+                <a:lnTo>
+                  <a:pt x="3650" y="6473"/>
+                </a:lnTo>
+                <a:lnTo>
+                  <a:pt x="3577" y="6133"/>
+                </a:lnTo>
+                <a:lnTo>
+                  <a:pt x="3553" y="5816"/>
+                </a:lnTo>
+                <a:lnTo>
+                  <a:pt x="3577" y="5670"/>
+                </a:lnTo>
+                <a:lnTo>
+                  <a:pt x="3601" y="5524"/>
+                </a:lnTo>
+                <a:lnTo>
+                  <a:pt x="3650" y="5378"/>
+                </a:lnTo>
+                <a:lnTo>
+                  <a:pt x="3699" y="5232"/>
+                </a:lnTo>
+                <a:lnTo>
+                  <a:pt x="3772" y="5111"/>
+                </a:lnTo>
+                <a:lnTo>
+                  <a:pt x="3893" y="5013"/>
+                </a:lnTo>
+                <a:lnTo>
+                  <a:pt x="3942" y="5013"/>
+                </a:lnTo>
+                <a:lnTo>
+                  <a:pt x="3918" y="5208"/>
+                </a:lnTo>
+                <a:lnTo>
+                  <a:pt x="3942" y="5403"/>
+                </a:lnTo>
+                <a:lnTo>
+                  <a:pt x="3966" y="5476"/>
+                </a:lnTo>
+                <a:lnTo>
+                  <a:pt x="4015" y="5549"/>
+                </a:lnTo>
+                <a:lnTo>
+                  <a:pt x="4063" y="5622"/>
+                </a:lnTo>
+                <a:lnTo>
+                  <a:pt x="4136" y="5670"/>
+                </a:lnTo>
+                <a:lnTo>
+                  <a:pt x="4209" y="5695"/>
+                </a:lnTo>
+                <a:lnTo>
+                  <a:pt x="4258" y="5670"/>
+                </a:lnTo>
+                <a:lnTo>
+                  <a:pt x="4307" y="5646"/>
+                </a:lnTo>
+                <a:lnTo>
+                  <a:pt x="4355" y="5597"/>
+                </a:lnTo>
+                <a:lnTo>
+                  <a:pt x="4355" y="5476"/>
+                </a:lnTo>
+                <a:lnTo>
+                  <a:pt x="4355" y="5403"/>
+                </a:lnTo>
+                <a:lnTo>
+                  <a:pt x="4307" y="5208"/>
+                </a:lnTo>
+                <a:lnTo>
+                  <a:pt x="4331" y="5086"/>
+                </a:lnTo>
+                <a:lnTo>
+                  <a:pt x="4355" y="4965"/>
+                </a:lnTo>
+                <a:lnTo>
+                  <a:pt x="4453" y="4746"/>
+                </a:lnTo>
+                <a:lnTo>
+                  <a:pt x="4550" y="4575"/>
+                </a:lnTo>
+                <a:lnTo>
+                  <a:pt x="4647" y="4405"/>
+                </a:lnTo>
+                <a:lnTo>
+                  <a:pt x="5085" y="4016"/>
+                </a:lnTo>
+                <a:lnTo>
+                  <a:pt x="5377" y="3748"/>
+                </a:lnTo>
+                <a:lnTo>
+                  <a:pt x="5669" y="3432"/>
+                </a:lnTo>
+                <a:lnTo>
+                  <a:pt x="5791" y="3237"/>
+                </a:lnTo>
+                <a:lnTo>
+                  <a:pt x="5888" y="3067"/>
+                </a:lnTo>
+                <a:lnTo>
+                  <a:pt x="5961" y="2872"/>
+                </a:lnTo>
+                <a:lnTo>
+                  <a:pt x="6010" y="2677"/>
+                </a:lnTo>
+                <a:lnTo>
+                  <a:pt x="5986" y="2629"/>
+                </a:lnTo>
+                <a:lnTo>
+                  <a:pt x="5937" y="2604"/>
+                </a:lnTo>
+                <a:lnTo>
+                  <a:pt x="5888" y="2604"/>
+                </a:lnTo>
+                <a:lnTo>
+                  <a:pt x="5864" y="2629"/>
+                </a:lnTo>
+                <a:lnTo>
+                  <a:pt x="5718" y="2750"/>
+                </a:lnTo>
+                <a:lnTo>
+                  <a:pt x="5596" y="2921"/>
+                </a:lnTo>
+                <a:lnTo>
+                  <a:pt x="5377" y="3237"/>
+                </a:lnTo>
+                <a:lnTo>
+                  <a:pt x="5110" y="3505"/>
+                </a:lnTo>
+                <a:lnTo>
+                  <a:pt x="4818" y="3772"/>
+                </a:lnTo>
+                <a:lnTo>
+                  <a:pt x="4647" y="3894"/>
+                </a:lnTo>
+                <a:lnTo>
+                  <a:pt x="4453" y="4040"/>
+                </a:lnTo>
+                <a:lnTo>
+                  <a:pt x="4063" y="4332"/>
+                </a:lnTo>
+                <a:lnTo>
+                  <a:pt x="4112" y="3894"/>
+                </a:lnTo>
+                <a:lnTo>
+                  <a:pt x="4209" y="3456"/>
+                </a:lnTo>
+                <a:lnTo>
+                  <a:pt x="4331" y="3042"/>
+                </a:lnTo>
+                <a:lnTo>
+                  <a:pt x="4477" y="2629"/>
+                </a:lnTo>
+                <a:lnTo>
+                  <a:pt x="4599" y="2337"/>
+                </a:lnTo>
+                <a:lnTo>
+                  <a:pt x="4769" y="2045"/>
+                </a:lnTo>
+                <a:lnTo>
+                  <a:pt x="4939" y="1777"/>
+                </a:lnTo>
+                <a:lnTo>
+                  <a:pt x="5158" y="1558"/>
+                </a:lnTo>
+                <a:lnTo>
+                  <a:pt x="5256" y="1485"/>
+                </a:lnTo>
+                <a:lnTo>
+                  <a:pt x="5377" y="1412"/>
+                </a:lnTo>
+                <a:lnTo>
+                  <a:pt x="5596" y="1364"/>
+                </a:lnTo>
+                <a:lnTo>
+                  <a:pt x="5815" y="1315"/>
+                </a:lnTo>
+                <a:lnTo>
+                  <a:pt x="5913" y="1291"/>
+                </a:lnTo>
+                <a:lnTo>
+                  <a:pt x="6034" y="1242"/>
+                </a:lnTo>
+                <a:lnTo>
+                  <a:pt x="6034" y="1218"/>
+                </a:lnTo>
+                <a:lnTo>
+                  <a:pt x="6034" y="1193"/>
+                </a:lnTo>
+                <a:lnTo>
+                  <a:pt x="5961" y="1096"/>
+                </a:lnTo>
+                <a:lnTo>
+                  <a:pt x="5888" y="1023"/>
+                </a:lnTo>
+                <a:lnTo>
+                  <a:pt x="5767" y="974"/>
+                </a:lnTo>
+                <a:lnTo>
+                  <a:pt x="5523" y="974"/>
+                </a:lnTo>
+                <a:lnTo>
+                  <a:pt x="5402" y="999"/>
+                </a:lnTo>
+                <a:lnTo>
+                  <a:pt x="5183" y="1072"/>
+                </a:lnTo>
+                <a:lnTo>
+                  <a:pt x="5037" y="1145"/>
+                </a:lnTo>
+                <a:lnTo>
+                  <a:pt x="4915" y="1242"/>
+                </a:lnTo>
+                <a:lnTo>
+                  <a:pt x="4793" y="1364"/>
+                </a:lnTo>
+                <a:lnTo>
+                  <a:pt x="4672" y="1485"/>
+                </a:lnTo>
+                <a:lnTo>
+                  <a:pt x="4477" y="1728"/>
+                </a:lnTo>
+                <a:lnTo>
+                  <a:pt x="4307" y="2020"/>
+                </a:lnTo>
+                <a:lnTo>
+                  <a:pt x="4161" y="2312"/>
+                </a:lnTo>
+                <a:lnTo>
+                  <a:pt x="4015" y="2653"/>
+                </a:lnTo>
+                <a:lnTo>
+                  <a:pt x="3893" y="3018"/>
+                </a:lnTo>
+                <a:lnTo>
+                  <a:pt x="3772" y="3359"/>
+                </a:lnTo>
+                <a:lnTo>
+                  <a:pt x="3699" y="3724"/>
+                </a:lnTo>
+                <a:lnTo>
+                  <a:pt x="3650" y="4113"/>
+                </a:lnTo>
+                <a:lnTo>
+                  <a:pt x="3650" y="4454"/>
+                </a:lnTo>
+                <a:lnTo>
+                  <a:pt x="3674" y="4819"/>
+                </a:lnTo>
+                <a:lnTo>
+                  <a:pt x="3553" y="4892"/>
+                </a:lnTo>
+                <a:lnTo>
+                  <a:pt x="3455" y="5038"/>
+                </a:lnTo>
+                <a:lnTo>
+                  <a:pt x="3382" y="5184"/>
+                </a:lnTo>
+                <a:lnTo>
+                  <a:pt x="3334" y="5378"/>
+                </a:lnTo>
+                <a:lnTo>
+                  <a:pt x="3236" y="5719"/>
+                </a:lnTo>
+                <a:lnTo>
+                  <a:pt x="3212" y="5962"/>
+                </a:lnTo>
+                <a:lnTo>
+                  <a:pt x="3236" y="6230"/>
+                </a:lnTo>
+                <a:lnTo>
+                  <a:pt x="3285" y="6522"/>
+                </a:lnTo>
+                <a:lnTo>
+                  <a:pt x="3358" y="6814"/>
+                </a:lnTo>
+                <a:lnTo>
+                  <a:pt x="3480" y="7082"/>
+                </a:lnTo>
+                <a:lnTo>
+                  <a:pt x="3626" y="7325"/>
+                </a:lnTo>
+                <a:lnTo>
+                  <a:pt x="3723" y="7422"/>
+                </a:lnTo>
+                <a:lnTo>
+                  <a:pt x="3845" y="7520"/>
+                </a:lnTo>
+                <a:lnTo>
+                  <a:pt x="3942" y="7593"/>
+                </a:lnTo>
+                <a:lnTo>
+                  <a:pt x="4063" y="7641"/>
+                </a:lnTo>
+                <a:lnTo>
+                  <a:pt x="4209" y="7690"/>
+                </a:lnTo>
+                <a:lnTo>
+                  <a:pt x="4355" y="7690"/>
+                </a:lnTo>
+                <a:lnTo>
+                  <a:pt x="4477" y="7933"/>
+                </a:lnTo>
+                <a:lnTo>
+                  <a:pt x="4599" y="8177"/>
+                </a:lnTo>
+                <a:lnTo>
+                  <a:pt x="4745" y="8396"/>
+                </a:lnTo>
+                <a:lnTo>
+                  <a:pt x="4915" y="8615"/>
+                </a:lnTo>
+                <a:lnTo>
+                  <a:pt x="5085" y="8809"/>
+                </a:lnTo>
+                <a:lnTo>
+                  <a:pt x="5256" y="8980"/>
+                </a:lnTo>
+                <a:lnTo>
+                  <a:pt x="5645" y="9320"/>
+                </a:lnTo>
+                <a:lnTo>
+                  <a:pt x="6010" y="9588"/>
+                </a:lnTo>
+                <a:lnTo>
+                  <a:pt x="6424" y="9831"/>
+                </a:lnTo>
+                <a:lnTo>
+                  <a:pt x="6351" y="9855"/>
+                </a:lnTo>
+                <a:lnTo>
+                  <a:pt x="6278" y="9928"/>
+                </a:lnTo>
+                <a:lnTo>
+                  <a:pt x="6253" y="10001"/>
+                </a:lnTo>
+                <a:lnTo>
+                  <a:pt x="6205" y="10074"/>
+                </a:lnTo>
+                <a:lnTo>
+                  <a:pt x="6180" y="10269"/>
+                </a:lnTo>
+                <a:lnTo>
+                  <a:pt x="6156" y="10464"/>
+                </a:lnTo>
+                <a:lnTo>
+                  <a:pt x="6156" y="10610"/>
+                </a:lnTo>
+                <a:lnTo>
+                  <a:pt x="6180" y="10804"/>
+                </a:lnTo>
+                <a:lnTo>
+                  <a:pt x="6010" y="10829"/>
+                </a:lnTo>
+                <a:lnTo>
+                  <a:pt x="5864" y="10853"/>
+                </a:lnTo>
+                <a:lnTo>
+                  <a:pt x="5596" y="10902"/>
+                </a:lnTo>
+                <a:lnTo>
+                  <a:pt x="5231" y="10975"/>
+                </a:lnTo>
+                <a:lnTo>
+                  <a:pt x="4866" y="11072"/>
+                </a:lnTo>
+                <a:lnTo>
+                  <a:pt x="4161" y="11242"/>
+                </a:lnTo>
+                <a:lnTo>
+                  <a:pt x="3480" y="11437"/>
+                </a:lnTo>
+                <a:lnTo>
+                  <a:pt x="2993" y="11632"/>
+                </a:lnTo>
+                <a:lnTo>
+                  <a:pt x="2531" y="11826"/>
+                </a:lnTo>
+                <a:lnTo>
+                  <a:pt x="2068" y="12070"/>
+                </a:lnTo>
+                <a:lnTo>
+                  <a:pt x="1655" y="12362"/>
+                </a:lnTo>
+                <a:lnTo>
+                  <a:pt x="1314" y="12654"/>
+                </a:lnTo>
+                <a:lnTo>
+                  <a:pt x="973" y="12970"/>
+                </a:lnTo>
+                <a:lnTo>
+                  <a:pt x="681" y="13335"/>
+                </a:lnTo>
+                <a:lnTo>
+                  <a:pt x="414" y="13700"/>
+                </a:lnTo>
+                <a:lnTo>
+                  <a:pt x="316" y="13919"/>
+                </a:lnTo>
+                <a:lnTo>
+                  <a:pt x="219" y="14114"/>
+                </a:lnTo>
+                <a:lnTo>
+                  <a:pt x="122" y="14333"/>
+                </a:lnTo>
+                <a:lnTo>
+                  <a:pt x="73" y="14552"/>
+                </a:lnTo>
+                <a:lnTo>
+                  <a:pt x="24" y="14771"/>
+                </a:lnTo>
+                <a:lnTo>
+                  <a:pt x="0" y="14990"/>
+                </a:lnTo>
+                <a:lnTo>
+                  <a:pt x="24" y="15209"/>
+                </a:lnTo>
+                <a:lnTo>
+                  <a:pt x="49" y="15428"/>
+                </a:lnTo>
+                <a:lnTo>
+                  <a:pt x="73" y="15525"/>
+                </a:lnTo>
+                <a:lnTo>
+                  <a:pt x="122" y="15574"/>
+                </a:lnTo>
+                <a:lnTo>
+                  <a:pt x="170" y="15598"/>
+                </a:lnTo>
+                <a:lnTo>
+                  <a:pt x="243" y="15598"/>
+                </a:lnTo>
+                <a:lnTo>
+                  <a:pt x="316" y="15671"/>
+                </a:lnTo>
+                <a:lnTo>
+                  <a:pt x="414" y="15695"/>
+                </a:lnTo>
+                <a:lnTo>
+                  <a:pt x="803" y="15720"/>
+                </a:lnTo>
+                <a:lnTo>
+                  <a:pt x="1217" y="15793"/>
+                </a:lnTo>
+                <a:lnTo>
+                  <a:pt x="1606" y="15890"/>
+                </a:lnTo>
+                <a:lnTo>
+                  <a:pt x="1995" y="15987"/>
+                </a:lnTo>
+                <a:lnTo>
+                  <a:pt x="2774" y="16231"/>
+                </a:lnTo>
+                <a:lnTo>
+                  <a:pt x="3163" y="16328"/>
+                </a:lnTo>
+                <a:lnTo>
+                  <a:pt x="3553" y="16401"/>
+                </a:lnTo>
+                <a:lnTo>
+                  <a:pt x="4599" y="16498"/>
+                </a:lnTo>
+                <a:lnTo>
+                  <a:pt x="5669" y="16547"/>
+                </a:lnTo>
+                <a:lnTo>
+                  <a:pt x="6716" y="16596"/>
+                </a:lnTo>
+                <a:lnTo>
+                  <a:pt x="7762" y="16620"/>
+                </a:lnTo>
+                <a:lnTo>
+                  <a:pt x="9879" y="16620"/>
+                </a:lnTo>
+                <a:lnTo>
+                  <a:pt x="10950" y="16547"/>
+                </a:lnTo>
+                <a:lnTo>
+                  <a:pt x="11996" y="16450"/>
+                </a:lnTo>
+                <a:lnTo>
+                  <a:pt x="12823" y="16352"/>
+                </a:lnTo>
+                <a:lnTo>
+                  <a:pt x="13626" y="16255"/>
+                </a:lnTo>
+                <a:lnTo>
+                  <a:pt x="14040" y="16206"/>
+                </a:lnTo>
+                <a:lnTo>
+                  <a:pt x="14453" y="16109"/>
+                </a:lnTo>
+                <a:lnTo>
+                  <a:pt x="14843" y="16012"/>
+                </a:lnTo>
+                <a:lnTo>
+                  <a:pt x="15232" y="15890"/>
+                </a:lnTo>
+                <a:lnTo>
+                  <a:pt x="15305" y="15841"/>
+                </a:lnTo>
+                <a:lnTo>
+                  <a:pt x="15378" y="15768"/>
+                </a:lnTo>
+                <a:lnTo>
+                  <a:pt x="15402" y="15695"/>
+                </a:lnTo>
+                <a:lnTo>
+                  <a:pt x="15427" y="15622"/>
+                </a:lnTo>
+                <a:lnTo>
+                  <a:pt x="15524" y="15622"/>
+                </a:lnTo>
+                <a:lnTo>
+                  <a:pt x="15621" y="15574"/>
+                </a:lnTo>
+                <a:lnTo>
+                  <a:pt x="15670" y="15549"/>
+                </a:lnTo>
+                <a:lnTo>
+                  <a:pt x="15694" y="15501"/>
+                </a:lnTo>
+                <a:lnTo>
+                  <a:pt x="15694" y="15452"/>
+                </a:lnTo>
+                <a:lnTo>
+                  <a:pt x="15694" y="15379"/>
+                </a:lnTo>
+                <a:lnTo>
+                  <a:pt x="15646" y="14965"/>
+                </a:lnTo>
+                <a:lnTo>
+                  <a:pt x="15548" y="14576"/>
+                </a:lnTo>
+                <a:lnTo>
+                  <a:pt x="15427" y="14187"/>
+                </a:lnTo>
+                <a:lnTo>
+                  <a:pt x="15256" y="13822"/>
+                </a:lnTo>
+                <a:lnTo>
+                  <a:pt x="15281" y="13822"/>
+                </a:lnTo>
+                <a:lnTo>
+                  <a:pt x="15329" y="13797"/>
+                </a:lnTo>
+                <a:lnTo>
+                  <a:pt x="15354" y="13724"/>
+                </a:lnTo>
+                <a:lnTo>
+                  <a:pt x="15354" y="13676"/>
+                </a:lnTo>
+                <a:lnTo>
+                  <a:pt x="15305" y="13627"/>
+                </a:lnTo>
+                <a:lnTo>
+                  <a:pt x="15110" y="13554"/>
+                </a:lnTo>
+                <a:lnTo>
+                  <a:pt x="14989" y="13359"/>
+                </a:lnTo>
+                <a:lnTo>
+                  <a:pt x="14843" y="13140"/>
+                </a:lnTo>
+                <a:lnTo>
+                  <a:pt x="14502" y="12751"/>
+                </a:lnTo>
+                <a:lnTo>
+                  <a:pt x="14113" y="12386"/>
+                </a:lnTo>
+                <a:lnTo>
+                  <a:pt x="13699" y="12070"/>
+                </a:lnTo>
+                <a:lnTo>
+                  <a:pt x="13456" y="11924"/>
+                </a:lnTo>
+                <a:lnTo>
+                  <a:pt x="13237" y="11778"/>
+                </a:lnTo>
+                <a:lnTo>
+                  <a:pt x="12726" y="11559"/>
+                </a:lnTo>
+                <a:lnTo>
+                  <a:pt x="12215" y="11388"/>
+                </a:lnTo>
+                <a:lnTo>
+                  <a:pt x="11680" y="11242"/>
+                </a:lnTo>
+                <a:lnTo>
+                  <a:pt x="11071" y="11121"/>
+                </a:lnTo>
+                <a:lnTo>
+                  <a:pt x="10463" y="11023"/>
+                </a:lnTo>
+                <a:lnTo>
+                  <a:pt x="10341" y="10999"/>
+                </a:lnTo>
+                <a:lnTo>
+                  <a:pt x="10244" y="10975"/>
+                </a:lnTo>
+                <a:lnTo>
+                  <a:pt x="9879" y="10902"/>
+                </a:lnTo>
+                <a:lnTo>
+                  <a:pt x="9684" y="10877"/>
+                </a:lnTo>
+                <a:lnTo>
+                  <a:pt x="9490" y="10877"/>
+                </a:lnTo>
+                <a:lnTo>
+                  <a:pt x="9490" y="10780"/>
+                </a:lnTo>
+                <a:lnTo>
+                  <a:pt x="9490" y="10658"/>
+                </a:lnTo>
+                <a:lnTo>
+                  <a:pt x="9490" y="10415"/>
+                </a:lnTo>
+                <a:lnTo>
+                  <a:pt x="9490" y="10172"/>
+                </a:lnTo>
+                <a:lnTo>
+                  <a:pt x="9465" y="10050"/>
+                </a:lnTo>
+                <a:lnTo>
+                  <a:pt x="9441" y="9977"/>
+                </a:lnTo>
+                <a:lnTo>
+                  <a:pt x="9660" y="9831"/>
+                </a:lnTo>
+                <a:lnTo>
+                  <a:pt x="9879" y="9709"/>
+                </a:lnTo>
+                <a:lnTo>
+                  <a:pt x="10098" y="9539"/>
+                </a:lnTo>
+                <a:lnTo>
+                  <a:pt x="10293" y="9369"/>
+                </a:lnTo>
+                <a:lnTo>
+                  <a:pt x="10463" y="9174"/>
+                </a:lnTo>
+                <a:lnTo>
+                  <a:pt x="10633" y="8980"/>
+                </a:lnTo>
+                <a:lnTo>
+                  <a:pt x="10804" y="8761"/>
+                </a:lnTo>
+                <a:lnTo>
+                  <a:pt x="10950" y="8542"/>
+                </a:lnTo>
+                <a:lnTo>
+                  <a:pt x="11193" y="8128"/>
+                </a:lnTo>
+                <a:lnTo>
+                  <a:pt x="11363" y="7812"/>
+                </a:lnTo>
+                <a:lnTo>
+                  <a:pt x="11509" y="7495"/>
+                </a:lnTo>
+                <a:lnTo>
+                  <a:pt x="11582" y="7495"/>
+                </a:lnTo>
+                <a:lnTo>
+                  <a:pt x="11655" y="7471"/>
+                </a:lnTo>
+                <a:lnTo>
+                  <a:pt x="11801" y="7398"/>
+                </a:lnTo>
+                <a:lnTo>
+                  <a:pt x="11947" y="7252"/>
+                </a:lnTo>
+                <a:lnTo>
+                  <a:pt x="12093" y="7082"/>
+                </a:lnTo>
+                <a:lnTo>
+                  <a:pt x="12215" y="6887"/>
+                </a:lnTo>
+                <a:lnTo>
+                  <a:pt x="12288" y="6717"/>
+                </a:lnTo>
+                <a:lnTo>
+                  <a:pt x="12409" y="6425"/>
+                </a:lnTo>
+                <a:lnTo>
+                  <a:pt x="12458" y="6206"/>
+                </a:lnTo>
+                <a:lnTo>
+                  <a:pt x="12482" y="5987"/>
+                </a:lnTo>
+                <a:lnTo>
+                  <a:pt x="12482" y="5768"/>
+                </a:lnTo>
+                <a:lnTo>
+                  <a:pt x="12458" y="5549"/>
+                </a:lnTo>
+                <a:lnTo>
+                  <a:pt x="12434" y="5330"/>
+                </a:lnTo>
+                <a:lnTo>
+                  <a:pt x="12361" y="5111"/>
+                </a:lnTo>
+                <a:lnTo>
+                  <a:pt x="12263" y="4916"/>
+                </a:lnTo>
+                <a:lnTo>
+                  <a:pt x="12142" y="4721"/>
+                </a:lnTo>
+                <a:lnTo>
+                  <a:pt x="12190" y="4697"/>
+                </a:lnTo>
+                <a:lnTo>
+                  <a:pt x="12239" y="4648"/>
+                </a:lnTo>
+                <a:lnTo>
+                  <a:pt x="12263" y="4551"/>
+                </a:lnTo>
+                <a:lnTo>
+                  <a:pt x="12239" y="4454"/>
+                </a:lnTo>
+                <a:lnTo>
+                  <a:pt x="12166" y="4356"/>
+                </a:lnTo>
+                <a:lnTo>
+                  <a:pt x="12166" y="3797"/>
+                </a:lnTo>
+                <a:lnTo>
+                  <a:pt x="12142" y="3237"/>
+                </a:lnTo>
+                <a:lnTo>
+                  <a:pt x="12093" y="2969"/>
+                </a:lnTo>
+                <a:lnTo>
+                  <a:pt x="12044" y="2677"/>
+                </a:lnTo>
+                <a:lnTo>
+                  <a:pt x="11971" y="2410"/>
+                </a:lnTo>
+                <a:lnTo>
+                  <a:pt x="11899" y="2142"/>
+                </a:lnTo>
+                <a:lnTo>
+                  <a:pt x="11801" y="1874"/>
+                </a:lnTo>
+                <a:lnTo>
+                  <a:pt x="11680" y="1631"/>
+                </a:lnTo>
+                <a:lnTo>
+                  <a:pt x="11534" y="1412"/>
+                </a:lnTo>
+                <a:lnTo>
+                  <a:pt x="11363" y="1193"/>
+                </a:lnTo>
+                <a:lnTo>
+                  <a:pt x="11193" y="974"/>
+                </a:lnTo>
+                <a:lnTo>
+                  <a:pt x="10974" y="804"/>
+                </a:lnTo>
+                <a:lnTo>
+                  <a:pt x="10755" y="634"/>
+                </a:lnTo>
+                <a:lnTo>
+                  <a:pt x="10487" y="488"/>
+                </a:lnTo>
+                <a:lnTo>
+                  <a:pt x="10171" y="342"/>
+                </a:lnTo>
+                <a:lnTo>
+                  <a:pt x="9782" y="220"/>
+                </a:lnTo>
+                <a:lnTo>
+                  <a:pt x="9417" y="123"/>
+                </a:lnTo>
+                <a:lnTo>
+                  <a:pt x="9003" y="50"/>
+                </a:lnTo>
+                <a:lnTo>
+                  <a:pt x="8589" y="25"/>
+                </a:lnTo>
+                <a:lnTo>
+                  <a:pt x="8200" y="1"/>
+                </a:lnTo>
+                <a:close/>
+              </a:path>
+            </a:pathLst>
+          </a:custGeom>
+          <a:solidFill>
+            <a:srgbClr val="FFFFFF"/>
+          </a:solidFill>
+          <a:ln>
+            <a:noFill/>
+          </a:ln>
+        </p:spPr>
+        <p:txBody>
+          <a:bodyPr lIns="91425" tIns="91425" rIns="91425" bIns="91425" anchor="ctr" anchorCtr="0">
+            <a:noAutofit/>
+          </a:bodyPr>
+          <a:lstStyle/>
+          <a:p>
+            <a:pPr lvl="0">
+              <a:spcBef>
+                <a:spcPts val="0"/>
+              </a:spcBef>
+              <a:buNone/>
+            </a:pPr>
+            <a:endParaRPr/>
+          </a:p>
+        </p:txBody>
+      </p:sp>
+      <p:sp>
+        <p:nvSpPr>
+          <p:cNvPr id="4" name="矩形 3"/>
+          <p:cNvSpPr/>
+          <p:nvPr/>
+        </p:nvSpPr>
+        <p:spPr>
+          <a:xfrm>
             <a:off x="2150351" y="2457946"/>
             <a:ext cx="4801314" cy="646331"/>
           </a:xfrm>
@@ -16702,7 +20028,7 @@
 </p:sld>
 </file>
 
-<file path=ppt/slides/slide11.xml><?xml version="1.0" encoding="utf-8"?>
+<file path=ppt/slides/slide12.xml><?xml version="1.0" encoding="utf-8"?>
 <p:sld xmlns:a="http://schemas.openxmlformats.org/drawingml/2006/main" xmlns:r="http://schemas.openxmlformats.org/officeDocument/2006/relationships" xmlns:p="http://schemas.openxmlformats.org/presentationml/2006/main">
   <p:cSld>
     <p:spTree>
@@ -21627,7 +24953,7 @@
 </p:sld>
 </file>
 
-<file path=ppt/slides/slide12.xml><?xml version="1.0" encoding="utf-8"?>
+<file path=ppt/slides/slide13.xml><?xml version="1.0" encoding="utf-8"?>
 <p:sld xmlns:a="http://schemas.openxmlformats.org/drawingml/2006/main" xmlns:r="http://schemas.openxmlformats.org/officeDocument/2006/relationships" xmlns:p="http://schemas.openxmlformats.org/presentationml/2006/main">
   <p:cSld>
     <p:spTree>
@@ -26040,7 +29366,7 @@
 </p:sld>
 </file>
 
-<file path=ppt/slides/slide13.xml><?xml version="1.0" encoding="utf-8"?>
+<file path=ppt/slides/slide14.xml><?xml version="1.0" encoding="utf-8"?>
 <p:sld xmlns:a="http://schemas.openxmlformats.org/drawingml/2006/main" xmlns:r="http://schemas.openxmlformats.org/officeDocument/2006/relationships" xmlns:p="http://schemas.openxmlformats.org/presentationml/2006/main">
   <p:cSld>
     <p:spTree>
@@ -30376,8 +33702,8 @@
         </p:nvSpPr>
         <p:spPr>
           <a:xfrm>
-            <a:off x="1908367" y="2123148"/>
-            <a:ext cx="8380904" cy="1938992"/>
+            <a:off x="1591375" y="2293836"/>
+            <a:ext cx="8380904" cy="2677656"/>
           </a:xfrm>
           <a:prstGeom prst="rect">
             <a:avLst/>
@@ -30471,6 +33797,40 @@
               </a:rPr>
               <a:t>APP</a:t>
             </a:r>
+          </a:p>
+          <a:p>
+            <a:pPr marL="342900" indent="-342900">
+              <a:buFont typeface="Arial" panose="020B0604020202020204" pitchFamily="34" charset="0"/>
+              <a:buChar char="•"/>
+            </a:pPr>
+            <a:endParaRPr lang="en-US" altLang="zh-TW" sz="2400" b="1" smtClean="0">
+              <a:solidFill>
+                <a:schemeClr val="bg1"/>
+              </a:solidFill>
+            </a:endParaRPr>
+          </a:p>
+          <a:p>
+            <a:r>
+              <a:rPr lang="en-US" altLang="zh-TW" sz="2400" b="1" smtClean="0">
+                <a:solidFill>
+                  <a:schemeClr val="bg1"/>
+                </a:solidFill>
+              </a:rPr>
+              <a:t>…</a:t>
+            </a:r>
+            <a:r>
+              <a:rPr lang="zh-TW" altLang="en-US" sz="2400" b="1" smtClean="0">
+                <a:solidFill>
+                  <a:schemeClr val="bg1"/>
+                </a:solidFill>
+              </a:rPr>
+              <a:t>更多發揮空間！</a:t>
+            </a:r>
+            <a:endParaRPr lang="en-US" altLang="zh-TW" sz="2400" b="1" smtClean="0">
+              <a:solidFill>
+                <a:schemeClr val="bg1"/>
+              </a:solidFill>
+            </a:endParaRPr>
           </a:p>
           <a:p>
             <a:pPr marL="342900" indent="-342900">
@@ -51310,6 +54670,3202 @@
           <p:nvPr/>
         </p:nvPicPr>
         <p:blipFill>
+          <a:blip r:embed="rId3">
+            <a:extLst>
+              <a:ext uri="{28A0092B-C50C-407E-A947-70E740481C1C}">
+                <a14:useLocalDpi xmlns:a14="http://schemas.microsoft.com/office/drawing/2010/main" val="0"/>
+              </a:ext>
+            </a:extLst>
+          </a:blip>
+          <a:stretch>
+            <a:fillRect/>
+          </a:stretch>
+        </p:blipFill>
+        <p:spPr>
+          <a:xfrm>
+            <a:off x="439880" y="521970"/>
+            <a:ext cx="7620000" cy="4000500"/>
+          </a:xfrm>
+          <a:prstGeom prst="rect">
+            <a:avLst/>
+          </a:prstGeom>
+        </p:spPr>
+      </p:pic>
+    </p:spTree>
+    <p:extLst>
+      <p:ext uri="{BB962C8B-B14F-4D97-AF65-F5344CB8AC3E}">
+        <p14:creationId xmlns:p14="http://schemas.microsoft.com/office/powerpoint/2010/main" val="3719204661"/>
+      </p:ext>
+    </p:extLst>
+  </p:cSld>
+  <p:clrMapOvr>
+    <a:masterClrMapping/>
+  </p:clrMapOvr>
+</p:sld>
+</file>
+
+<file path=ppt/slides/slide8.xml><?xml version="1.0" encoding="utf-8"?>
+<p:sld xmlns:a="http://schemas.openxmlformats.org/drawingml/2006/main" xmlns:r="http://schemas.openxmlformats.org/officeDocument/2006/relationships" xmlns:p="http://schemas.openxmlformats.org/presentationml/2006/main">
+  <p:cSld>
+    <p:spTree>
+      <p:nvGrpSpPr>
+        <p:cNvPr id="1" name="Shape 61"/>
+        <p:cNvGrpSpPr/>
+        <p:nvPr/>
+      </p:nvGrpSpPr>
+      <p:grpSpPr>
+        <a:xfrm>
+          <a:off x="0" y="0"/>
+          <a:ext cx="0" cy="0"/>
+          <a:chOff x="0" y="0"/>
+          <a:chExt cx="0" cy="0"/>
+        </a:xfrm>
+      </p:grpSpPr>
+      <p:sp>
+        <p:nvSpPr>
+          <p:cNvPr id="65" name="Shape 65"/>
+          <p:cNvSpPr/>
+          <p:nvPr/>
+        </p:nvSpPr>
+        <p:spPr>
+          <a:xfrm>
+            <a:off x="4249880" y="630378"/>
+            <a:ext cx="602256" cy="637792"/>
+          </a:xfrm>
+          <a:custGeom>
+            <a:avLst/>
+            <a:gdLst/>
+            <a:ahLst/>
+            <a:cxnLst/>
+            <a:rect l="0" t="0" r="0" b="0"/>
+            <a:pathLst>
+              <a:path w="15695" h="16620" extrusionOk="0">
+                <a:moveTo>
+                  <a:pt x="7786" y="755"/>
+                </a:moveTo>
+                <a:lnTo>
+                  <a:pt x="7567" y="780"/>
+                </a:lnTo>
+                <a:lnTo>
+                  <a:pt x="7324" y="804"/>
+                </a:lnTo>
+                <a:lnTo>
+                  <a:pt x="7105" y="877"/>
+                </a:lnTo>
+                <a:lnTo>
+                  <a:pt x="6910" y="999"/>
+                </a:lnTo>
+                <a:lnTo>
+                  <a:pt x="6813" y="1072"/>
+                </a:lnTo>
+                <a:lnTo>
+                  <a:pt x="6740" y="1145"/>
+                </a:lnTo>
+                <a:lnTo>
+                  <a:pt x="6691" y="1242"/>
+                </a:lnTo>
+                <a:lnTo>
+                  <a:pt x="6643" y="1364"/>
+                </a:lnTo>
+                <a:lnTo>
+                  <a:pt x="6667" y="1388"/>
+                </a:lnTo>
+                <a:lnTo>
+                  <a:pt x="6691" y="1412"/>
+                </a:lnTo>
+                <a:lnTo>
+                  <a:pt x="6740" y="1388"/>
+                </a:lnTo>
+                <a:lnTo>
+                  <a:pt x="6764" y="1412"/>
+                </a:lnTo>
+                <a:lnTo>
+                  <a:pt x="6716" y="1461"/>
+                </a:lnTo>
+                <a:lnTo>
+                  <a:pt x="6691" y="1510"/>
+                </a:lnTo>
+                <a:lnTo>
+                  <a:pt x="6691" y="1680"/>
+                </a:lnTo>
+                <a:lnTo>
+                  <a:pt x="6716" y="1826"/>
+                </a:lnTo>
+                <a:lnTo>
+                  <a:pt x="6764" y="1996"/>
+                </a:lnTo>
+                <a:lnTo>
+                  <a:pt x="6813" y="2166"/>
+                </a:lnTo>
+                <a:lnTo>
+                  <a:pt x="6886" y="2312"/>
+                </a:lnTo>
+                <a:lnTo>
+                  <a:pt x="7008" y="2434"/>
+                </a:lnTo>
+                <a:lnTo>
+                  <a:pt x="7129" y="2556"/>
+                </a:lnTo>
+                <a:lnTo>
+                  <a:pt x="7251" y="2629"/>
+                </a:lnTo>
+                <a:lnTo>
+                  <a:pt x="7300" y="2629"/>
+                </a:lnTo>
+                <a:lnTo>
+                  <a:pt x="7324" y="2604"/>
+                </a:lnTo>
+                <a:lnTo>
+                  <a:pt x="7324" y="2580"/>
+                </a:lnTo>
+                <a:lnTo>
+                  <a:pt x="7324" y="2556"/>
+                </a:lnTo>
+                <a:lnTo>
+                  <a:pt x="7056" y="2069"/>
+                </a:lnTo>
+                <a:lnTo>
+                  <a:pt x="6983" y="1826"/>
+                </a:lnTo>
+                <a:lnTo>
+                  <a:pt x="6910" y="1583"/>
+                </a:lnTo>
+                <a:lnTo>
+                  <a:pt x="7202" y="1874"/>
+                </a:lnTo>
+                <a:lnTo>
+                  <a:pt x="7543" y="2142"/>
+                </a:lnTo>
+                <a:lnTo>
+                  <a:pt x="7884" y="2385"/>
+                </a:lnTo>
+                <a:lnTo>
+                  <a:pt x="8273" y="2580"/>
+                </a:lnTo>
+                <a:lnTo>
+                  <a:pt x="8468" y="2677"/>
+                </a:lnTo>
+                <a:lnTo>
+                  <a:pt x="8662" y="2726"/>
+                </a:lnTo>
+                <a:lnTo>
+                  <a:pt x="8857" y="2775"/>
+                </a:lnTo>
+                <a:lnTo>
+                  <a:pt x="9076" y="2823"/>
+                </a:lnTo>
+                <a:lnTo>
+                  <a:pt x="9490" y="2823"/>
+                </a:lnTo>
+                <a:lnTo>
+                  <a:pt x="9709" y="2799"/>
+                </a:lnTo>
+                <a:lnTo>
+                  <a:pt x="9928" y="2750"/>
+                </a:lnTo>
+                <a:lnTo>
+                  <a:pt x="9952" y="2726"/>
+                </a:lnTo>
+                <a:lnTo>
+                  <a:pt x="9976" y="2677"/>
+                </a:lnTo>
+                <a:lnTo>
+                  <a:pt x="9952" y="2629"/>
+                </a:lnTo>
+                <a:lnTo>
+                  <a:pt x="9928" y="2604"/>
+                </a:lnTo>
+                <a:lnTo>
+                  <a:pt x="9538" y="2531"/>
+                </a:lnTo>
+                <a:lnTo>
+                  <a:pt x="9173" y="2458"/>
+                </a:lnTo>
+                <a:lnTo>
+                  <a:pt x="8784" y="2410"/>
+                </a:lnTo>
+                <a:lnTo>
+                  <a:pt x="8419" y="2312"/>
+                </a:lnTo>
+                <a:lnTo>
+                  <a:pt x="8224" y="2239"/>
+                </a:lnTo>
+                <a:lnTo>
+                  <a:pt x="8054" y="2142"/>
+                </a:lnTo>
+                <a:lnTo>
+                  <a:pt x="7689" y="1947"/>
+                </a:lnTo>
+                <a:lnTo>
+                  <a:pt x="7348" y="1728"/>
+                </a:lnTo>
+                <a:lnTo>
+                  <a:pt x="7008" y="1510"/>
+                </a:lnTo>
+                <a:lnTo>
+                  <a:pt x="7251" y="1583"/>
+                </a:lnTo>
+                <a:lnTo>
+                  <a:pt x="7494" y="1631"/>
+                </a:lnTo>
+                <a:lnTo>
+                  <a:pt x="7981" y="1753"/>
+                </a:lnTo>
+                <a:lnTo>
+                  <a:pt x="8297" y="1826"/>
+                </a:lnTo>
+                <a:lnTo>
+                  <a:pt x="8638" y="1923"/>
+                </a:lnTo>
+                <a:lnTo>
+                  <a:pt x="8954" y="1947"/>
+                </a:lnTo>
+                <a:lnTo>
+                  <a:pt x="9125" y="1947"/>
+                </a:lnTo>
+                <a:lnTo>
+                  <a:pt x="9295" y="1923"/>
+                </a:lnTo>
+                <a:lnTo>
+                  <a:pt x="9344" y="1899"/>
+                </a:lnTo>
+                <a:lnTo>
+                  <a:pt x="9344" y="1850"/>
+                </a:lnTo>
+                <a:lnTo>
+                  <a:pt x="9344" y="1826"/>
+                </a:lnTo>
+                <a:lnTo>
+                  <a:pt x="9319" y="1777"/>
+                </a:lnTo>
+                <a:lnTo>
+                  <a:pt x="9027" y="1655"/>
+                </a:lnTo>
+                <a:lnTo>
+                  <a:pt x="8711" y="1558"/>
+                </a:lnTo>
+                <a:lnTo>
+                  <a:pt x="8078" y="1437"/>
+                </a:lnTo>
+                <a:lnTo>
+                  <a:pt x="7567" y="1315"/>
+                </a:lnTo>
+                <a:lnTo>
+                  <a:pt x="7300" y="1266"/>
+                </a:lnTo>
+                <a:lnTo>
+                  <a:pt x="7032" y="1266"/>
+                </a:lnTo>
+                <a:lnTo>
+                  <a:pt x="7251" y="1145"/>
+                </a:lnTo>
+                <a:lnTo>
+                  <a:pt x="7470" y="1072"/>
+                </a:lnTo>
+                <a:lnTo>
+                  <a:pt x="7738" y="1047"/>
+                </a:lnTo>
+                <a:lnTo>
+                  <a:pt x="8005" y="1072"/>
+                </a:lnTo>
+                <a:lnTo>
+                  <a:pt x="8273" y="1120"/>
+                </a:lnTo>
+                <a:lnTo>
+                  <a:pt x="8541" y="1193"/>
+                </a:lnTo>
+                <a:lnTo>
+                  <a:pt x="8760" y="1266"/>
+                </a:lnTo>
+                <a:lnTo>
+                  <a:pt x="8954" y="1339"/>
+                </a:lnTo>
+                <a:lnTo>
+                  <a:pt x="9368" y="1558"/>
+                </a:lnTo>
+                <a:lnTo>
+                  <a:pt x="9806" y="1753"/>
+                </a:lnTo>
+                <a:lnTo>
+                  <a:pt x="10001" y="1826"/>
+                </a:lnTo>
+                <a:lnTo>
+                  <a:pt x="10220" y="1874"/>
+                </a:lnTo>
+                <a:lnTo>
+                  <a:pt x="10268" y="1850"/>
+                </a:lnTo>
+                <a:lnTo>
+                  <a:pt x="10293" y="1826"/>
+                </a:lnTo>
+                <a:lnTo>
+                  <a:pt x="10317" y="1801"/>
+                </a:lnTo>
+                <a:lnTo>
+                  <a:pt x="10293" y="1753"/>
+                </a:lnTo>
+                <a:lnTo>
+                  <a:pt x="10098" y="1558"/>
+                </a:lnTo>
+                <a:lnTo>
+                  <a:pt x="9879" y="1388"/>
+                </a:lnTo>
+                <a:lnTo>
+                  <a:pt x="9611" y="1242"/>
+                </a:lnTo>
+                <a:lnTo>
+                  <a:pt x="9344" y="1120"/>
+                </a:lnTo>
+                <a:lnTo>
+                  <a:pt x="9052" y="1023"/>
+                </a:lnTo>
+                <a:lnTo>
+                  <a:pt x="8760" y="926"/>
+                </a:lnTo>
+                <a:lnTo>
+                  <a:pt x="8224" y="804"/>
+                </a:lnTo>
+                <a:lnTo>
+                  <a:pt x="8030" y="755"/>
+                </a:lnTo>
+                <a:close/>
+                <a:moveTo>
+                  <a:pt x="5888" y="1996"/>
+                </a:moveTo>
+                <a:lnTo>
+                  <a:pt x="5864" y="2020"/>
+                </a:lnTo>
+                <a:lnTo>
+                  <a:pt x="5694" y="2142"/>
+                </a:lnTo>
+                <a:lnTo>
+                  <a:pt x="5523" y="2264"/>
+                </a:lnTo>
+                <a:lnTo>
+                  <a:pt x="5207" y="2556"/>
+                </a:lnTo>
+                <a:lnTo>
+                  <a:pt x="4891" y="2823"/>
+                </a:lnTo>
+                <a:lnTo>
+                  <a:pt x="4745" y="2969"/>
+                </a:lnTo>
+                <a:lnTo>
+                  <a:pt x="4623" y="3140"/>
+                </a:lnTo>
+                <a:lnTo>
+                  <a:pt x="4623" y="3188"/>
+                </a:lnTo>
+                <a:lnTo>
+                  <a:pt x="4647" y="3213"/>
+                </a:lnTo>
+                <a:lnTo>
+                  <a:pt x="4842" y="3115"/>
+                </a:lnTo>
+                <a:lnTo>
+                  <a:pt x="4988" y="3018"/>
+                </a:lnTo>
+                <a:lnTo>
+                  <a:pt x="5280" y="2775"/>
+                </a:lnTo>
+                <a:lnTo>
+                  <a:pt x="5645" y="2458"/>
+                </a:lnTo>
+                <a:lnTo>
+                  <a:pt x="5986" y="2166"/>
+                </a:lnTo>
+                <a:lnTo>
+                  <a:pt x="6010" y="2093"/>
+                </a:lnTo>
+                <a:lnTo>
+                  <a:pt x="5986" y="2045"/>
+                </a:lnTo>
+                <a:lnTo>
+                  <a:pt x="5937" y="1996"/>
+                </a:lnTo>
+                <a:close/>
+                <a:moveTo>
+                  <a:pt x="6107" y="5622"/>
+                </a:moveTo>
+                <a:lnTo>
+                  <a:pt x="6059" y="5646"/>
+                </a:lnTo>
+                <a:lnTo>
+                  <a:pt x="6010" y="5670"/>
+                </a:lnTo>
+                <a:lnTo>
+                  <a:pt x="5961" y="5719"/>
+                </a:lnTo>
+                <a:lnTo>
+                  <a:pt x="5888" y="5768"/>
+                </a:lnTo>
+                <a:lnTo>
+                  <a:pt x="5815" y="5816"/>
+                </a:lnTo>
+                <a:lnTo>
+                  <a:pt x="5767" y="5889"/>
+                </a:lnTo>
+                <a:lnTo>
+                  <a:pt x="5718" y="5987"/>
+                </a:lnTo>
+                <a:lnTo>
+                  <a:pt x="5669" y="6157"/>
+                </a:lnTo>
+                <a:lnTo>
+                  <a:pt x="5669" y="6327"/>
+                </a:lnTo>
+                <a:lnTo>
+                  <a:pt x="5669" y="6425"/>
+                </a:lnTo>
+                <a:lnTo>
+                  <a:pt x="5718" y="6546"/>
+                </a:lnTo>
+                <a:lnTo>
+                  <a:pt x="5767" y="6644"/>
+                </a:lnTo>
+                <a:lnTo>
+                  <a:pt x="5815" y="6717"/>
+                </a:lnTo>
+                <a:lnTo>
+                  <a:pt x="5888" y="6790"/>
+                </a:lnTo>
+                <a:lnTo>
+                  <a:pt x="5986" y="6863"/>
+                </a:lnTo>
+                <a:lnTo>
+                  <a:pt x="6083" y="6911"/>
+                </a:lnTo>
+                <a:lnTo>
+                  <a:pt x="6180" y="6936"/>
+                </a:lnTo>
+                <a:lnTo>
+                  <a:pt x="6326" y="6936"/>
+                </a:lnTo>
+                <a:lnTo>
+                  <a:pt x="6399" y="6911"/>
+                </a:lnTo>
+                <a:lnTo>
+                  <a:pt x="6448" y="6863"/>
+                </a:lnTo>
+                <a:lnTo>
+                  <a:pt x="6570" y="6717"/>
+                </a:lnTo>
+                <a:lnTo>
+                  <a:pt x="6643" y="6546"/>
+                </a:lnTo>
+                <a:lnTo>
+                  <a:pt x="6667" y="6352"/>
+                </a:lnTo>
+                <a:lnTo>
+                  <a:pt x="6667" y="6157"/>
+                </a:lnTo>
+                <a:lnTo>
+                  <a:pt x="6618" y="5962"/>
+                </a:lnTo>
+                <a:lnTo>
+                  <a:pt x="6594" y="5889"/>
+                </a:lnTo>
+                <a:lnTo>
+                  <a:pt x="6521" y="5792"/>
+                </a:lnTo>
+                <a:lnTo>
+                  <a:pt x="6472" y="5719"/>
+                </a:lnTo>
+                <a:lnTo>
+                  <a:pt x="6375" y="5670"/>
+                </a:lnTo>
+                <a:lnTo>
+                  <a:pt x="6302" y="5622"/>
+                </a:lnTo>
+                <a:close/>
+                <a:moveTo>
+                  <a:pt x="9368" y="5622"/>
+                </a:moveTo>
+                <a:lnTo>
+                  <a:pt x="9319" y="5646"/>
+                </a:lnTo>
+                <a:lnTo>
+                  <a:pt x="9271" y="5670"/>
+                </a:lnTo>
+                <a:lnTo>
+                  <a:pt x="9222" y="5719"/>
+                </a:lnTo>
+                <a:lnTo>
+                  <a:pt x="9149" y="5768"/>
+                </a:lnTo>
+                <a:lnTo>
+                  <a:pt x="9076" y="5816"/>
+                </a:lnTo>
+                <a:lnTo>
+                  <a:pt x="9027" y="5889"/>
+                </a:lnTo>
+                <a:lnTo>
+                  <a:pt x="8979" y="5987"/>
+                </a:lnTo>
+                <a:lnTo>
+                  <a:pt x="8930" y="6157"/>
+                </a:lnTo>
+                <a:lnTo>
+                  <a:pt x="8930" y="6327"/>
+                </a:lnTo>
+                <a:lnTo>
+                  <a:pt x="8930" y="6425"/>
+                </a:lnTo>
+                <a:lnTo>
+                  <a:pt x="8979" y="6546"/>
+                </a:lnTo>
+                <a:lnTo>
+                  <a:pt x="9027" y="6644"/>
+                </a:lnTo>
+                <a:lnTo>
+                  <a:pt x="9076" y="6717"/>
+                </a:lnTo>
+                <a:lnTo>
+                  <a:pt x="9149" y="6790"/>
+                </a:lnTo>
+                <a:lnTo>
+                  <a:pt x="9246" y="6863"/>
+                </a:lnTo>
+                <a:lnTo>
+                  <a:pt x="9344" y="6911"/>
+                </a:lnTo>
+                <a:lnTo>
+                  <a:pt x="9441" y="6936"/>
+                </a:lnTo>
+                <a:lnTo>
+                  <a:pt x="9587" y="6936"/>
+                </a:lnTo>
+                <a:lnTo>
+                  <a:pt x="9660" y="6911"/>
+                </a:lnTo>
+                <a:lnTo>
+                  <a:pt x="9709" y="6863"/>
+                </a:lnTo>
+                <a:lnTo>
+                  <a:pt x="9830" y="6717"/>
+                </a:lnTo>
+                <a:lnTo>
+                  <a:pt x="9903" y="6546"/>
+                </a:lnTo>
+                <a:lnTo>
+                  <a:pt x="9928" y="6352"/>
+                </a:lnTo>
+                <a:lnTo>
+                  <a:pt x="9928" y="6157"/>
+                </a:lnTo>
+                <a:lnTo>
+                  <a:pt x="9879" y="5962"/>
+                </a:lnTo>
+                <a:lnTo>
+                  <a:pt x="9855" y="5889"/>
+                </a:lnTo>
+                <a:lnTo>
+                  <a:pt x="9782" y="5792"/>
+                </a:lnTo>
+                <a:lnTo>
+                  <a:pt x="9733" y="5719"/>
+                </a:lnTo>
+                <a:lnTo>
+                  <a:pt x="9636" y="5670"/>
+                </a:lnTo>
+                <a:lnTo>
+                  <a:pt x="9563" y="5622"/>
+                </a:lnTo>
+                <a:close/>
+                <a:moveTo>
+                  <a:pt x="7786" y="6765"/>
+                </a:moveTo>
+                <a:lnTo>
+                  <a:pt x="7738" y="6814"/>
+                </a:lnTo>
+                <a:lnTo>
+                  <a:pt x="7713" y="6863"/>
+                </a:lnTo>
+                <a:lnTo>
+                  <a:pt x="7713" y="7082"/>
+                </a:lnTo>
+                <a:lnTo>
+                  <a:pt x="7738" y="7301"/>
+                </a:lnTo>
+                <a:lnTo>
+                  <a:pt x="7738" y="7520"/>
+                </a:lnTo>
+                <a:lnTo>
+                  <a:pt x="7762" y="7739"/>
+                </a:lnTo>
+                <a:lnTo>
+                  <a:pt x="7786" y="7787"/>
+                </a:lnTo>
+                <a:lnTo>
+                  <a:pt x="7811" y="7812"/>
+                </a:lnTo>
+                <a:lnTo>
+                  <a:pt x="7908" y="7860"/>
+                </a:lnTo>
+                <a:lnTo>
+                  <a:pt x="7957" y="7836"/>
+                </a:lnTo>
+                <a:lnTo>
+                  <a:pt x="8005" y="7836"/>
+                </a:lnTo>
+                <a:lnTo>
+                  <a:pt x="8030" y="7787"/>
+                </a:lnTo>
+                <a:lnTo>
+                  <a:pt x="8054" y="7739"/>
+                </a:lnTo>
+                <a:lnTo>
+                  <a:pt x="8054" y="7641"/>
+                </a:lnTo>
+                <a:lnTo>
+                  <a:pt x="8054" y="7520"/>
+                </a:lnTo>
+                <a:lnTo>
+                  <a:pt x="8030" y="7301"/>
+                </a:lnTo>
+                <a:lnTo>
+                  <a:pt x="7981" y="7057"/>
+                </a:lnTo>
+                <a:lnTo>
+                  <a:pt x="7957" y="6936"/>
+                </a:lnTo>
+                <a:lnTo>
+                  <a:pt x="7884" y="6814"/>
+                </a:lnTo>
+                <a:lnTo>
+                  <a:pt x="7835" y="6765"/>
+                </a:lnTo>
+                <a:close/>
+                <a:moveTo>
+                  <a:pt x="8589" y="8274"/>
+                </a:moveTo>
+                <a:lnTo>
+                  <a:pt x="8249" y="8371"/>
+                </a:lnTo>
+                <a:lnTo>
+                  <a:pt x="7932" y="8444"/>
+                </a:lnTo>
+                <a:lnTo>
+                  <a:pt x="7592" y="8469"/>
+                </a:lnTo>
+                <a:lnTo>
+                  <a:pt x="7421" y="8469"/>
+                </a:lnTo>
+                <a:lnTo>
+                  <a:pt x="7251" y="8444"/>
+                </a:lnTo>
+                <a:lnTo>
+                  <a:pt x="7202" y="8469"/>
+                </a:lnTo>
+                <a:lnTo>
+                  <a:pt x="7178" y="8469"/>
+                </a:lnTo>
+                <a:lnTo>
+                  <a:pt x="7154" y="8517"/>
+                </a:lnTo>
+                <a:lnTo>
+                  <a:pt x="7178" y="8542"/>
+                </a:lnTo>
+                <a:lnTo>
+                  <a:pt x="7227" y="8639"/>
+                </a:lnTo>
+                <a:lnTo>
+                  <a:pt x="7300" y="8688"/>
+                </a:lnTo>
+                <a:lnTo>
+                  <a:pt x="7373" y="8761"/>
+                </a:lnTo>
+                <a:lnTo>
+                  <a:pt x="7470" y="8785"/>
+                </a:lnTo>
+                <a:lnTo>
+                  <a:pt x="7665" y="8834"/>
+                </a:lnTo>
+                <a:lnTo>
+                  <a:pt x="7908" y="8834"/>
+                </a:lnTo>
+                <a:lnTo>
+                  <a:pt x="8127" y="8809"/>
+                </a:lnTo>
+                <a:lnTo>
+                  <a:pt x="8370" y="8761"/>
+                </a:lnTo>
+                <a:lnTo>
+                  <a:pt x="8565" y="8712"/>
+                </a:lnTo>
+                <a:lnTo>
+                  <a:pt x="8735" y="8639"/>
+                </a:lnTo>
+                <a:lnTo>
+                  <a:pt x="8808" y="8590"/>
+                </a:lnTo>
+                <a:lnTo>
+                  <a:pt x="8833" y="8542"/>
+                </a:lnTo>
+                <a:lnTo>
+                  <a:pt x="8833" y="8469"/>
+                </a:lnTo>
+                <a:lnTo>
+                  <a:pt x="8833" y="8396"/>
+                </a:lnTo>
+                <a:lnTo>
+                  <a:pt x="8784" y="8347"/>
+                </a:lnTo>
+                <a:lnTo>
+                  <a:pt x="8735" y="8298"/>
+                </a:lnTo>
+                <a:lnTo>
+                  <a:pt x="8662" y="8274"/>
+                </a:lnTo>
+                <a:close/>
+                <a:moveTo>
+                  <a:pt x="6618" y="9928"/>
+                </a:moveTo>
+                <a:lnTo>
+                  <a:pt x="6862" y="10026"/>
+                </a:lnTo>
+                <a:lnTo>
+                  <a:pt x="7105" y="10099"/>
+                </a:lnTo>
+                <a:lnTo>
+                  <a:pt x="7373" y="10172"/>
+                </a:lnTo>
+                <a:lnTo>
+                  <a:pt x="7616" y="10220"/>
+                </a:lnTo>
+                <a:lnTo>
+                  <a:pt x="7859" y="10245"/>
+                </a:lnTo>
+                <a:lnTo>
+                  <a:pt x="8127" y="10269"/>
+                </a:lnTo>
+                <a:lnTo>
+                  <a:pt x="8370" y="10245"/>
+                </a:lnTo>
+                <a:lnTo>
+                  <a:pt x="8614" y="10220"/>
+                </a:lnTo>
+                <a:lnTo>
+                  <a:pt x="8833" y="10172"/>
+                </a:lnTo>
+                <a:lnTo>
+                  <a:pt x="9052" y="10123"/>
+                </a:lnTo>
+                <a:lnTo>
+                  <a:pt x="9027" y="10366"/>
+                </a:lnTo>
+                <a:lnTo>
+                  <a:pt x="8735" y="10391"/>
+                </a:lnTo>
+                <a:lnTo>
+                  <a:pt x="8443" y="10415"/>
+                </a:lnTo>
+                <a:lnTo>
+                  <a:pt x="8419" y="10415"/>
+                </a:lnTo>
+                <a:lnTo>
+                  <a:pt x="8151" y="10391"/>
+                </a:lnTo>
+                <a:lnTo>
+                  <a:pt x="8005" y="10391"/>
+                </a:lnTo>
+                <a:lnTo>
+                  <a:pt x="7859" y="10415"/>
+                </a:lnTo>
+                <a:lnTo>
+                  <a:pt x="7859" y="10439"/>
+                </a:lnTo>
+                <a:lnTo>
+                  <a:pt x="7835" y="10464"/>
+                </a:lnTo>
+                <a:lnTo>
+                  <a:pt x="7835" y="10512"/>
+                </a:lnTo>
+                <a:lnTo>
+                  <a:pt x="7884" y="10585"/>
+                </a:lnTo>
+                <a:lnTo>
+                  <a:pt x="7932" y="10610"/>
+                </a:lnTo>
+                <a:lnTo>
+                  <a:pt x="8078" y="10683"/>
+                </a:lnTo>
+                <a:lnTo>
+                  <a:pt x="8224" y="10707"/>
+                </a:lnTo>
+                <a:lnTo>
+                  <a:pt x="8346" y="10731"/>
+                </a:lnTo>
+                <a:lnTo>
+                  <a:pt x="8687" y="10731"/>
+                </a:lnTo>
+                <a:lnTo>
+                  <a:pt x="8857" y="10707"/>
+                </a:lnTo>
+                <a:lnTo>
+                  <a:pt x="9027" y="10683"/>
+                </a:lnTo>
+                <a:lnTo>
+                  <a:pt x="9027" y="10804"/>
+                </a:lnTo>
+                <a:lnTo>
+                  <a:pt x="8687" y="10853"/>
+                </a:lnTo>
+                <a:lnTo>
+                  <a:pt x="8541" y="10877"/>
+                </a:lnTo>
+                <a:lnTo>
+                  <a:pt x="8370" y="10902"/>
+                </a:lnTo>
+                <a:lnTo>
+                  <a:pt x="7932" y="10902"/>
+                </a:lnTo>
+                <a:lnTo>
+                  <a:pt x="7786" y="10950"/>
+                </a:lnTo>
+                <a:lnTo>
+                  <a:pt x="7762" y="10999"/>
+                </a:lnTo>
+                <a:lnTo>
+                  <a:pt x="7786" y="11023"/>
+                </a:lnTo>
+                <a:lnTo>
+                  <a:pt x="7884" y="11121"/>
+                </a:lnTo>
+                <a:lnTo>
+                  <a:pt x="8030" y="11194"/>
+                </a:lnTo>
+                <a:lnTo>
+                  <a:pt x="8200" y="11242"/>
+                </a:lnTo>
+                <a:lnTo>
+                  <a:pt x="8589" y="11242"/>
+                </a:lnTo>
+                <a:lnTo>
+                  <a:pt x="8760" y="11218"/>
+                </a:lnTo>
+                <a:lnTo>
+                  <a:pt x="8930" y="11194"/>
+                </a:lnTo>
+                <a:lnTo>
+                  <a:pt x="9076" y="11121"/>
+                </a:lnTo>
+                <a:lnTo>
+                  <a:pt x="9125" y="11218"/>
+                </a:lnTo>
+                <a:lnTo>
+                  <a:pt x="8954" y="11291"/>
+                </a:lnTo>
+                <a:lnTo>
+                  <a:pt x="8760" y="11340"/>
+                </a:lnTo>
+                <a:lnTo>
+                  <a:pt x="8151" y="11461"/>
+                </a:lnTo>
+                <a:lnTo>
+                  <a:pt x="8127" y="11461"/>
+                </a:lnTo>
+                <a:lnTo>
+                  <a:pt x="8127" y="11486"/>
+                </a:lnTo>
+                <a:lnTo>
+                  <a:pt x="8151" y="11510"/>
+                </a:lnTo>
+                <a:lnTo>
+                  <a:pt x="8346" y="11583"/>
+                </a:lnTo>
+                <a:lnTo>
+                  <a:pt x="8589" y="11607"/>
+                </a:lnTo>
+                <a:lnTo>
+                  <a:pt x="8370" y="11656"/>
+                </a:lnTo>
+                <a:lnTo>
+                  <a:pt x="8151" y="11680"/>
+                </a:lnTo>
+                <a:lnTo>
+                  <a:pt x="7932" y="11680"/>
+                </a:lnTo>
+                <a:lnTo>
+                  <a:pt x="7713" y="11656"/>
+                </a:lnTo>
+                <a:lnTo>
+                  <a:pt x="7421" y="11632"/>
+                </a:lnTo>
+                <a:lnTo>
+                  <a:pt x="7129" y="11559"/>
+                </a:lnTo>
+                <a:lnTo>
+                  <a:pt x="6862" y="11461"/>
+                </a:lnTo>
+                <a:lnTo>
+                  <a:pt x="6740" y="11388"/>
+                </a:lnTo>
+                <a:lnTo>
+                  <a:pt x="6618" y="11291"/>
+                </a:lnTo>
+                <a:lnTo>
+                  <a:pt x="6594" y="11242"/>
+                </a:lnTo>
+                <a:lnTo>
+                  <a:pt x="6667" y="11194"/>
+                </a:lnTo>
+                <a:lnTo>
+                  <a:pt x="6716" y="11121"/>
+                </a:lnTo>
+                <a:lnTo>
+                  <a:pt x="6716" y="11023"/>
+                </a:lnTo>
+                <a:lnTo>
+                  <a:pt x="6716" y="10950"/>
+                </a:lnTo>
+                <a:lnTo>
+                  <a:pt x="6667" y="10804"/>
+                </a:lnTo>
+                <a:lnTo>
+                  <a:pt x="6618" y="10610"/>
+                </a:lnTo>
+                <a:lnTo>
+                  <a:pt x="6594" y="10415"/>
+                </a:lnTo>
+                <a:lnTo>
+                  <a:pt x="6594" y="10245"/>
+                </a:lnTo>
+                <a:lnTo>
+                  <a:pt x="6618" y="10074"/>
+                </a:lnTo>
+                <a:lnTo>
+                  <a:pt x="6643" y="9977"/>
+                </a:lnTo>
+                <a:lnTo>
+                  <a:pt x="6643" y="9953"/>
+                </a:lnTo>
+                <a:lnTo>
+                  <a:pt x="6618" y="10001"/>
+                </a:lnTo>
+                <a:lnTo>
+                  <a:pt x="6618" y="9928"/>
+                </a:lnTo>
+                <a:close/>
+                <a:moveTo>
+                  <a:pt x="9636" y="11218"/>
+                </a:moveTo>
+                <a:lnTo>
+                  <a:pt x="9782" y="11291"/>
+                </a:lnTo>
+                <a:lnTo>
+                  <a:pt x="9928" y="11364"/>
+                </a:lnTo>
+                <a:lnTo>
+                  <a:pt x="9855" y="11510"/>
+                </a:lnTo>
+                <a:lnTo>
+                  <a:pt x="9757" y="11632"/>
+                </a:lnTo>
+                <a:lnTo>
+                  <a:pt x="9636" y="11778"/>
+                </a:lnTo>
+                <a:lnTo>
+                  <a:pt x="9514" y="11875"/>
+                </a:lnTo>
+                <a:lnTo>
+                  <a:pt x="9246" y="12070"/>
+                </a:lnTo>
+                <a:lnTo>
+                  <a:pt x="8930" y="12240"/>
+                </a:lnTo>
+                <a:lnTo>
+                  <a:pt x="8589" y="12362"/>
+                </a:lnTo>
+                <a:lnTo>
+                  <a:pt x="8249" y="12435"/>
+                </a:lnTo>
+                <a:lnTo>
+                  <a:pt x="7908" y="12483"/>
+                </a:lnTo>
+                <a:lnTo>
+                  <a:pt x="7592" y="12508"/>
+                </a:lnTo>
+                <a:lnTo>
+                  <a:pt x="7227" y="12508"/>
+                </a:lnTo>
+                <a:lnTo>
+                  <a:pt x="6886" y="12459"/>
+                </a:lnTo>
+                <a:lnTo>
+                  <a:pt x="6521" y="12362"/>
+                </a:lnTo>
+                <a:lnTo>
+                  <a:pt x="6375" y="12289"/>
+                </a:lnTo>
+                <a:lnTo>
+                  <a:pt x="6205" y="12216"/>
+                </a:lnTo>
+                <a:lnTo>
+                  <a:pt x="6083" y="12118"/>
+                </a:lnTo>
+                <a:lnTo>
+                  <a:pt x="5986" y="12021"/>
+                </a:lnTo>
+                <a:lnTo>
+                  <a:pt x="5888" y="11924"/>
+                </a:lnTo>
+                <a:lnTo>
+                  <a:pt x="5815" y="11826"/>
+                </a:lnTo>
+                <a:lnTo>
+                  <a:pt x="5694" y="11583"/>
+                </a:lnTo>
+                <a:lnTo>
+                  <a:pt x="5572" y="11315"/>
+                </a:lnTo>
+                <a:lnTo>
+                  <a:pt x="5645" y="11291"/>
+                </a:lnTo>
+                <a:lnTo>
+                  <a:pt x="5840" y="11267"/>
+                </a:lnTo>
+                <a:lnTo>
+                  <a:pt x="6107" y="11242"/>
+                </a:lnTo>
+                <a:lnTo>
+                  <a:pt x="6180" y="11364"/>
+                </a:lnTo>
+                <a:lnTo>
+                  <a:pt x="6278" y="11486"/>
+                </a:lnTo>
+                <a:lnTo>
+                  <a:pt x="6448" y="11656"/>
+                </a:lnTo>
+                <a:lnTo>
+                  <a:pt x="6594" y="11753"/>
+                </a:lnTo>
+                <a:lnTo>
+                  <a:pt x="6764" y="11851"/>
+                </a:lnTo>
+                <a:lnTo>
+                  <a:pt x="7105" y="11972"/>
+                </a:lnTo>
+                <a:lnTo>
+                  <a:pt x="7446" y="12045"/>
+                </a:lnTo>
+                <a:lnTo>
+                  <a:pt x="7811" y="12094"/>
+                </a:lnTo>
+                <a:lnTo>
+                  <a:pt x="8151" y="12094"/>
+                </a:lnTo>
+                <a:lnTo>
+                  <a:pt x="8492" y="12070"/>
+                </a:lnTo>
+                <a:lnTo>
+                  <a:pt x="8833" y="11972"/>
+                </a:lnTo>
+                <a:lnTo>
+                  <a:pt x="9003" y="11924"/>
+                </a:lnTo>
+                <a:lnTo>
+                  <a:pt x="9173" y="11851"/>
+                </a:lnTo>
+                <a:lnTo>
+                  <a:pt x="9295" y="11753"/>
+                </a:lnTo>
+                <a:lnTo>
+                  <a:pt x="9441" y="11607"/>
+                </a:lnTo>
+                <a:lnTo>
+                  <a:pt x="9563" y="11461"/>
+                </a:lnTo>
+                <a:lnTo>
+                  <a:pt x="9587" y="11364"/>
+                </a:lnTo>
+                <a:lnTo>
+                  <a:pt x="9611" y="11291"/>
+                </a:lnTo>
+                <a:lnTo>
+                  <a:pt x="9636" y="11218"/>
+                </a:lnTo>
+                <a:close/>
+                <a:moveTo>
+                  <a:pt x="5231" y="11437"/>
+                </a:moveTo>
+                <a:lnTo>
+                  <a:pt x="5231" y="11583"/>
+                </a:lnTo>
+                <a:lnTo>
+                  <a:pt x="5280" y="11729"/>
+                </a:lnTo>
+                <a:lnTo>
+                  <a:pt x="5329" y="11875"/>
+                </a:lnTo>
+                <a:lnTo>
+                  <a:pt x="5402" y="12021"/>
+                </a:lnTo>
+                <a:lnTo>
+                  <a:pt x="5596" y="12264"/>
+                </a:lnTo>
+                <a:lnTo>
+                  <a:pt x="5815" y="12459"/>
+                </a:lnTo>
+                <a:lnTo>
+                  <a:pt x="6010" y="12581"/>
+                </a:lnTo>
+                <a:lnTo>
+                  <a:pt x="6205" y="12702"/>
+                </a:lnTo>
+                <a:lnTo>
+                  <a:pt x="6399" y="12775"/>
+                </a:lnTo>
+                <a:lnTo>
+                  <a:pt x="6618" y="12848"/>
+                </a:lnTo>
+                <a:lnTo>
+                  <a:pt x="6837" y="12897"/>
+                </a:lnTo>
+                <a:lnTo>
+                  <a:pt x="7056" y="12946"/>
+                </a:lnTo>
+                <a:lnTo>
+                  <a:pt x="7494" y="12970"/>
+                </a:lnTo>
+                <a:lnTo>
+                  <a:pt x="7908" y="12946"/>
+                </a:lnTo>
+                <a:lnTo>
+                  <a:pt x="8322" y="12897"/>
+                </a:lnTo>
+                <a:lnTo>
+                  <a:pt x="8760" y="12775"/>
+                </a:lnTo>
+                <a:lnTo>
+                  <a:pt x="9149" y="12629"/>
+                </a:lnTo>
+                <a:lnTo>
+                  <a:pt x="9344" y="12532"/>
+                </a:lnTo>
+                <a:lnTo>
+                  <a:pt x="9538" y="12410"/>
+                </a:lnTo>
+                <a:lnTo>
+                  <a:pt x="9709" y="12289"/>
+                </a:lnTo>
+                <a:lnTo>
+                  <a:pt x="9879" y="12143"/>
+                </a:lnTo>
+                <a:lnTo>
+                  <a:pt x="10025" y="11997"/>
+                </a:lnTo>
+                <a:lnTo>
+                  <a:pt x="10147" y="11851"/>
+                </a:lnTo>
+                <a:lnTo>
+                  <a:pt x="10268" y="11656"/>
+                </a:lnTo>
+                <a:lnTo>
+                  <a:pt x="10366" y="11486"/>
+                </a:lnTo>
+                <a:lnTo>
+                  <a:pt x="10950" y="11583"/>
+                </a:lnTo>
+                <a:lnTo>
+                  <a:pt x="10974" y="11583"/>
+                </a:lnTo>
+                <a:lnTo>
+                  <a:pt x="10828" y="11680"/>
+                </a:lnTo>
+                <a:lnTo>
+                  <a:pt x="10658" y="11778"/>
+                </a:lnTo>
+                <a:lnTo>
+                  <a:pt x="10512" y="11899"/>
+                </a:lnTo>
+                <a:lnTo>
+                  <a:pt x="10366" y="12045"/>
+                </a:lnTo>
+                <a:lnTo>
+                  <a:pt x="10317" y="12118"/>
+                </a:lnTo>
+                <a:lnTo>
+                  <a:pt x="10293" y="12216"/>
+                </a:lnTo>
+                <a:lnTo>
+                  <a:pt x="10439" y="12167"/>
+                </a:lnTo>
+                <a:lnTo>
+                  <a:pt x="10585" y="12094"/>
+                </a:lnTo>
+                <a:lnTo>
+                  <a:pt x="10852" y="11924"/>
+                </a:lnTo>
+                <a:lnTo>
+                  <a:pt x="11193" y="11778"/>
+                </a:lnTo>
+                <a:lnTo>
+                  <a:pt x="11315" y="11753"/>
+                </a:lnTo>
+                <a:lnTo>
+                  <a:pt x="11436" y="11705"/>
+                </a:lnTo>
+                <a:lnTo>
+                  <a:pt x="11461" y="11680"/>
+                </a:lnTo>
+                <a:lnTo>
+                  <a:pt x="12020" y="11851"/>
+                </a:lnTo>
+                <a:lnTo>
+                  <a:pt x="11728" y="11948"/>
+                </a:lnTo>
+                <a:lnTo>
+                  <a:pt x="11436" y="12070"/>
+                </a:lnTo>
+                <a:lnTo>
+                  <a:pt x="11144" y="12191"/>
+                </a:lnTo>
+                <a:lnTo>
+                  <a:pt x="10877" y="12362"/>
+                </a:lnTo>
+                <a:lnTo>
+                  <a:pt x="10633" y="12532"/>
+                </a:lnTo>
+                <a:lnTo>
+                  <a:pt x="10609" y="12556"/>
+                </a:lnTo>
+                <a:lnTo>
+                  <a:pt x="10633" y="12581"/>
+                </a:lnTo>
+                <a:lnTo>
+                  <a:pt x="11144" y="12386"/>
+                </a:lnTo>
+                <a:lnTo>
+                  <a:pt x="11655" y="12216"/>
+                </a:lnTo>
+                <a:lnTo>
+                  <a:pt x="11874" y="12167"/>
+                </a:lnTo>
+                <a:lnTo>
+                  <a:pt x="12093" y="12118"/>
+                </a:lnTo>
+                <a:lnTo>
+                  <a:pt x="12312" y="12094"/>
+                </a:lnTo>
+                <a:lnTo>
+                  <a:pt x="12531" y="12021"/>
+                </a:lnTo>
+                <a:lnTo>
+                  <a:pt x="12969" y="12216"/>
+                </a:lnTo>
+                <a:lnTo>
+                  <a:pt x="12726" y="12289"/>
+                </a:lnTo>
+                <a:lnTo>
+                  <a:pt x="12507" y="12386"/>
+                </a:lnTo>
+                <a:lnTo>
+                  <a:pt x="11874" y="12654"/>
+                </a:lnTo>
+                <a:lnTo>
+                  <a:pt x="11582" y="12800"/>
+                </a:lnTo>
+                <a:lnTo>
+                  <a:pt x="11266" y="12897"/>
+                </a:lnTo>
+                <a:lnTo>
+                  <a:pt x="11242" y="12921"/>
+                </a:lnTo>
+                <a:lnTo>
+                  <a:pt x="11217" y="12946"/>
+                </a:lnTo>
+                <a:lnTo>
+                  <a:pt x="11242" y="12970"/>
+                </a:lnTo>
+                <a:lnTo>
+                  <a:pt x="11266" y="12994"/>
+                </a:lnTo>
+                <a:lnTo>
+                  <a:pt x="11850" y="12873"/>
+                </a:lnTo>
+                <a:lnTo>
+                  <a:pt x="12458" y="12727"/>
+                </a:lnTo>
+                <a:lnTo>
+                  <a:pt x="12677" y="12678"/>
+                </a:lnTo>
+                <a:lnTo>
+                  <a:pt x="12920" y="12629"/>
+                </a:lnTo>
+                <a:lnTo>
+                  <a:pt x="13164" y="12556"/>
+                </a:lnTo>
+                <a:lnTo>
+                  <a:pt x="13285" y="12508"/>
+                </a:lnTo>
+                <a:lnTo>
+                  <a:pt x="13383" y="12459"/>
+                </a:lnTo>
+                <a:lnTo>
+                  <a:pt x="13626" y="12629"/>
+                </a:lnTo>
+                <a:lnTo>
+                  <a:pt x="13869" y="12824"/>
+                </a:lnTo>
+                <a:lnTo>
+                  <a:pt x="13602" y="12873"/>
+                </a:lnTo>
+                <a:lnTo>
+                  <a:pt x="12847" y="13067"/>
+                </a:lnTo>
+                <a:lnTo>
+                  <a:pt x="12482" y="13165"/>
+                </a:lnTo>
+                <a:lnTo>
+                  <a:pt x="12142" y="13286"/>
+                </a:lnTo>
+                <a:lnTo>
+                  <a:pt x="12093" y="13335"/>
+                </a:lnTo>
+                <a:lnTo>
+                  <a:pt x="12117" y="13359"/>
+                </a:lnTo>
+                <a:lnTo>
+                  <a:pt x="12263" y="13408"/>
+                </a:lnTo>
+                <a:lnTo>
+                  <a:pt x="12409" y="13432"/>
+                </a:lnTo>
+                <a:lnTo>
+                  <a:pt x="12531" y="13457"/>
+                </a:lnTo>
+                <a:lnTo>
+                  <a:pt x="12677" y="13432"/>
+                </a:lnTo>
+                <a:lnTo>
+                  <a:pt x="12969" y="13408"/>
+                </a:lnTo>
+                <a:lnTo>
+                  <a:pt x="13237" y="13335"/>
+                </a:lnTo>
+                <a:lnTo>
+                  <a:pt x="13675" y="13238"/>
+                </a:lnTo>
+                <a:lnTo>
+                  <a:pt x="13869" y="13189"/>
+                </a:lnTo>
+                <a:lnTo>
+                  <a:pt x="14088" y="13165"/>
+                </a:lnTo>
+                <a:lnTo>
+                  <a:pt x="14186" y="13140"/>
+                </a:lnTo>
+                <a:lnTo>
+                  <a:pt x="14356" y="13335"/>
+                </a:lnTo>
+                <a:lnTo>
+                  <a:pt x="14502" y="13530"/>
+                </a:lnTo>
+                <a:lnTo>
+                  <a:pt x="14186" y="13554"/>
+                </a:lnTo>
+                <a:lnTo>
+                  <a:pt x="13845" y="13578"/>
+                </a:lnTo>
+                <a:lnTo>
+                  <a:pt x="13529" y="13627"/>
+                </a:lnTo>
+                <a:lnTo>
+                  <a:pt x="13212" y="13676"/>
+                </a:lnTo>
+                <a:lnTo>
+                  <a:pt x="13042" y="13724"/>
+                </a:lnTo>
+                <a:lnTo>
+                  <a:pt x="12896" y="13773"/>
+                </a:lnTo>
+                <a:lnTo>
+                  <a:pt x="12872" y="13797"/>
+                </a:lnTo>
+                <a:lnTo>
+                  <a:pt x="12872" y="13822"/>
+                </a:lnTo>
+                <a:lnTo>
+                  <a:pt x="12896" y="13846"/>
+                </a:lnTo>
+                <a:lnTo>
+                  <a:pt x="12896" y="13870"/>
+                </a:lnTo>
+                <a:lnTo>
+                  <a:pt x="13188" y="13919"/>
+                </a:lnTo>
+                <a:lnTo>
+                  <a:pt x="13456" y="13943"/>
+                </a:lnTo>
+                <a:lnTo>
+                  <a:pt x="13991" y="13919"/>
+                </a:lnTo>
+                <a:lnTo>
+                  <a:pt x="14745" y="13919"/>
+                </a:lnTo>
+                <a:lnTo>
+                  <a:pt x="14916" y="14284"/>
+                </a:lnTo>
+                <a:lnTo>
+                  <a:pt x="14405" y="14308"/>
+                </a:lnTo>
+                <a:lnTo>
+                  <a:pt x="13821" y="14308"/>
+                </a:lnTo>
+                <a:lnTo>
+                  <a:pt x="13529" y="14333"/>
+                </a:lnTo>
+                <a:lnTo>
+                  <a:pt x="13383" y="14357"/>
+                </a:lnTo>
+                <a:lnTo>
+                  <a:pt x="13237" y="14381"/>
+                </a:lnTo>
+                <a:lnTo>
+                  <a:pt x="13212" y="14406"/>
+                </a:lnTo>
+                <a:lnTo>
+                  <a:pt x="13188" y="14454"/>
+                </a:lnTo>
+                <a:lnTo>
+                  <a:pt x="13212" y="14503"/>
+                </a:lnTo>
+                <a:lnTo>
+                  <a:pt x="13237" y="14527"/>
+                </a:lnTo>
+                <a:lnTo>
+                  <a:pt x="13529" y="14600"/>
+                </a:lnTo>
+                <a:lnTo>
+                  <a:pt x="13821" y="14625"/>
+                </a:lnTo>
+                <a:lnTo>
+                  <a:pt x="14721" y="14625"/>
+                </a:lnTo>
+                <a:lnTo>
+                  <a:pt x="15037" y="14600"/>
+                </a:lnTo>
+                <a:lnTo>
+                  <a:pt x="15110" y="14868"/>
+                </a:lnTo>
+                <a:lnTo>
+                  <a:pt x="15159" y="15136"/>
+                </a:lnTo>
+                <a:lnTo>
+                  <a:pt x="14989" y="15087"/>
+                </a:lnTo>
+                <a:lnTo>
+                  <a:pt x="14818" y="15087"/>
+                </a:lnTo>
+                <a:lnTo>
+                  <a:pt x="14453" y="15063"/>
+                </a:lnTo>
+                <a:lnTo>
+                  <a:pt x="14234" y="15063"/>
+                </a:lnTo>
+                <a:lnTo>
+                  <a:pt x="13991" y="15087"/>
+                </a:lnTo>
+                <a:lnTo>
+                  <a:pt x="13772" y="15111"/>
+                </a:lnTo>
+                <a:lnTo>
+                  <a:pt x="13529" y="15184"/>
+                </a:lnTo>
+                <a:lnTo>
+                  <a:pt x="13504" y="15209"/>
+                </a:lnTo>
+                <a:lnTo>
+                  <a:pt x="13504" y="15233"/>
+                </a:lnTo>
+                <a:lnTo>
+                  <a:pt x="13504" y="15282"/>
+                </a:lnTo>
+                <a:lnTo>
+                  <a:pt x="13553" y="15282"/>
+                </a:lnTo>
+                <a:lnTo>
+                  <a:pt x="14015" y="15306"/>
+                </a:lnTo>
+                <a:lnTo>
+                  <a:pt x="14453" y="15330"/>
+                </a:lnTo>
+                <a:lnTo>
+                  <a:pt x="14843" y="15355"/>
+                </a:lnTo>
+                <a:lnTo>
+                  <a:pt x="15013" y="15355"/>
+                </a:lnTo>
+                <a:lnTo>
+                  <a:pt x="15183" y="15330"/>
+                </a:lnTo>
+                <a:lnTo>
+                  <a:pt x="15183" y="15330"/>
+                </a:lnTo>
+                <a:lnTo>
+                  <a:pt x="15086" y="15355"/>
+                </a:lnTo>
+                <a:lnTo>
+                  <a:pt x="14794" y="15452"/>
+                </a:lnTo>
+                <a:lnTo>
+                  <a:pt x="14502" y="15549"/>
+                </a:lnTo>
+                <a:lnTo>
+                  <a:pt x="13918" y="15671"/>
+                </a:lnTo>
+                <a:lnTo>
+                  <a:pt x="13310" y="15768"/>
+                </a:lnTo>
+                <a:lnTo>
+                  <a:pt x="12701" y="15841"/>
+                </a:lnTo>
+                <a:lnTo>
+                  <a:pt x="12677" y="15720"/>
+                </a:lnTo>
+                <a:lnTo>
+                  <a:pt x="12653" y="15525"/>
+                </a:lnTo>
+                <a:lnTo>
+                  <a:pt x="12628" y="15428"/>
+                </a:lnTo>
+                <a:lnTo>
+                  <a:pt x="12555" y="15330"/>
+                </a:lnTo>
+                <a:lnTo>
+                  <a:pt x="12482" y="15257"/>
+                </a:lnTo>
+                <a:lnTo>
+                  <a:pt x="12385" y="15233"/>
+                </a:lnTo>
+                <a:lnTo>
+                  <a:pt x="12288" y="15257"/>
+                </a:lnTo>
+                <a:lnTo>
+                  <a:pt x="12215" y="15330"/>
+                </a:lnTo>
+                <a:lnTo>
+                  <a:pt x="12166" y="15428"/>
+                </a:lnTo>
+                <a:lnTo>
+                  <a:pt x="12142" y="15525"/>
+                </a:lnTo>
+                <a:lnTo>
+                  <a:pt x="12142" y="15720"/>
+                </a:lnTo>
+                <a:lnTo>
+                  <a:pt x="12142" y="15890"/>
+                </a:lnTo>
+                <a:lnTo>
+                  <a:pt x="11801" y="15939"/>
+                </a:lnTo>
+                <a:lnTo>
+                  <a:pt x="11290" y="15987"/>
+                </a:lnTo>
+                <a:lnTo>
+                  <a:pt x="10755" y="16036"/>
+                </a:lnTo>
+                <a:lnTo>
+                  <a:pt x="9709" y="16085"/>
+                </a:lnTo>
+                <a:lnTo>
+                  <a:pt x="7592" y="16085"/>
+                </a:lnTo>
+                <a:lnTo>
+                  <a:pt x="6521" y="16060"/>
+                </a:lnTo>
+                <a:lnTo>
+                  <a:pt x="5475" y="16012"/>
+                </a:lnTo>
+                <a:lnTo>
+                  <a:pt x="4428" y="15939"/>
+                </a:lnTo>
+                <a:lnTo>
+                  <a:pt x="3382" y="15841"/>
+                </a:lnTo>
+                <a:lnTo>
+                  <a:pt x="3236" y="15817"/>
+                </a:lnTo>
+                <a:lnTo>
+                  <a:pt x="3236" y="15768"/>
+                </a:lnTo>
+                <a:lnTo>
+                  <a:pt x="3236" y="15671"/>
+                </a:lnTo>
+                <a:lnTo>
+                  <a:pt x="3212" y="15622"/>
+                </a:lnTo>
+                <a:lnTo>
+                  <a:pt x="3212" y="15574"/>
+                </a:lnTo>
+                <a:lnTo>
+                  <a:pt x="3236" y="15403"/>
+                </a:lnTo>
+                <a:lnTo>
+                  <a:pt x="3236" y="15306"/>
+                </a:lnTo>
+                <a:lnTo>
+                  <a:pt x="3212" y="15209"/>
+                </a:lnTo>
+                <a:lnTo>
+                  <a:pt x="3163" y="15136"/>
+                </a:lnTo>
+                <a:lnTo>
+                  <a:pt x="3090" y="15087"/>
+                </a:lnTo>
+                <a:lnTo>
+                  <a:pt x="3017" y="15087"/>
+                </a:lnTo>
+                <a:lnTo>
+                  <a:pt x="2920" y="15111"/>
+                </a:lnTo>
+                <a:lnTo>
+                  <a:pt x="2823" y="15209"/>
+                </a:lnTo>
+                <a:lnTo>
+                  <a:pt x="2750" y="15330"/>
+                </a:lnTo>
+                <a:lnTo>
+                  <a:pt x="2725" y="15452"/>
+                </a:lnTo>
+                <a:lnTo>
+                  <a:pt x="2701" y="15598"/>
+                </a:lnTo>
+                <a:lnTo>
+                  <a:pt x="2701" y="15695"/>
+                </a:lnTo>
+                <a:lnTo>
+                  <a:pt x="2141" y="15525"/>
+                </a:lnTo>
+                <a:lnTo>
+                  <a:pt x="1582" y="15355"/>
+                </a:lnTo>
+                <a:lnTo>
+                  <a:pt x="1314" y="15282"/>
+                </a:lnTo>
+                <a:lnTo>
+                  <a:pt x="1046" y="15257"/>
+                </a:lnTo>
+                <a:lnTo>
+                  <a:pt x="754" y="15233"/>
+                </a:lnTo>
+                <a:lnTo>
+                  <a:pt x="487" y="15257"/>
+                </a:lnTo>
+                <a:lnTo>
+                  <a:pt x="462" y="15038"/>
+                </a:lnTo>
+                <a:lnTo>
+                  <a:pt x="487" y="14844"/>
+                </a:lnTo>
+                <a:lnTo>
+                  <a:pt x="511" y="14625"/>
+                </a:lnTo>
+                <a:lnTo>
+                  <a:pt x="584" y="14430"/>
+                </a:lnTo>
+                <a:lnTo>
+                  <a:pt x="657" y="14235"/>
+                </a:lnTo>
+                <a:lnTo>
+                  <a:pt x="754" y="14041"/>
+                </a:lnTo>
+                <a:lnTo>
+                  <a:pt x="852" y="13870"/>
+                </a:lnTo>
+                <a:lnTo>
+                  <a:pt x="973" y="13676"/>
+                </a:lnTo>
+                <a:lnTo>
+                  <a:pt x="1241" y="13359"/>
+                </a:lnTo>
+                <a:lnTo>
+                  <a:pt x="1557" y="13043"/>
+                </a:lnTo>
+                <a:lnTo>
+                  <a:pt x="1874" y="12775"/>
+                </a:lnTo>
+                <a:lnTo>
+                  <a:pt x="2190" y="12532"/>
+                </a:lnTo>
+                <a:lnTo>
+                  <a:pt x="2409" y="12386"/>
+                </a:lnTo>
+                <a:lnTo>
+                  <a:pt x="2604" y="12289"/>
+                </a:lnTo>
+                <a:lnTo>
+                  <a:pt x="3042" y="12070"/>
+                </a:lnTo>
+                <a:lnTo>
+                  <a:pt x="3480" y="11924"/>
+                </a:lnTo>
+                <a:lnTo>
+                  <a:pt x="3942" y="11778"/>
+                </a:lnTo>
+                <a:lnTo>
+                  <a:pt x="4234" y="11680"/>
+                </a:lnTo>
+                <a:lnTo>
+                  <a:pt x="4574" y="11607"/>
+                </a:lnTo>
+                <a:lnTo>
+                  <a:pt x="5231" y="11437"/>
+                </a:lnTo>
+                <a:close/>
+                <a:moveTo>
+                  <a:pt x="8200" y="1"/>
+                </a:moveTo>
+                <a:lnTo>
+                  <a:pt x="7811" y="50"/>
+                </a:lnTo>
+                <a:lnTo>
+                  <a:pt x="7470" y="123"/>
+                </a:lnTo>
+                <a:lnTo>
+                  <a:pt x="7154" y="244"/>
+                </a:lnTo>
+                <a:lnTo>
+                  <a:pt x="6667" y="463"/>
+                </a:lnTo>
+                <a:lnTo>
+                  <a:pt x="6424" y="609"/>
+                </a:lnTo>
+                <a:lnTo>
+                  <a:pt x="6278" y="731"/>
+                </a:lnTo>
+                <a:lnTo>
+                  <a:pt x="6205" y="804"/>
+                </a:lnTo>
+                <a:lnTo>
+                  <a:pt x="6180" y="853"/>
+                </a:lnTo>
+                <a:lnTo>
+                  <a:pt x="6205" y="926"/>
+                </a:lnTo>
+                <a:lnTo>
+                  <a:pt x="6253" y="974"/>
+                </a:lnTo>
+                <a:lnTo>
+                  <a:pt x="6302" y="999"/>
+                </a:lnTo>
+                <a:lnTo>
+                  <a:pt x="6472" y="999"/>
+                </a:lnTo>
+                <a:lnTo>
+                  <a:pt x="6594" y="950"/>
+                </a:lnTo>
+                <a:lnTo>
+                  <a:pt x="6716" y="877"/>
+                </a:lnTo>
+                <a:lnTo>
+                  <a:pt x="7178" y="682"/>
+                </a:lnTo>
+                <a:lnTo>
+                  <a:pt x="7421" y="585"/>
+                </a:lnTo>
+                <a:lnTo>
+                  <a:pt x="7665" y="488"/>
+                </a:lnTo>
+                <a:lnTo>
+                  <a:pt x="8005" y="439"/>
+                </a:lnTo>
+                <a:lnTo>
+                  <a:pt x="8346" y="415"/>
+                </a:lnTo>
+                <a:lnTo>
+                  <a:pt x="8735" y="439"/>
+                </a:lnTo>
+                <a:lnTo>
+                  <a:pt x="9125" y="488"/>
+                </a:lnTo>
+                <a:lnTo>
+                  <a:pt x="9490" y="585"/>
+                </a:lnTo>
+                <a:lnTo>
+                  <a:pt x="9855" y="707"/>
+                </a:lnTo>
+                <a:lnTo>
+                  <a:pt x="10195" y="828"/>
+                </a:lnTo>
+                <a:lnTo>
+                  <a:pt x="10487" y="974"/>
+                </a:lnTo>
+                <a:lnTo>
+                  <a:pt x="10706" y="1096"/>
+                </a:lnTo>
+                <a:lnTo>
+                  <a:pt x="10877" y="1242"/>
+                </a:lnTo>
+                <a:lnTo>
+                  <a:pt x="11023" y="1412"/>
+                </a:lnTo>
+                <a:lnTo>
+                  <a:pt x="11169" y="1583"/>
+                </a:lnTo>
+                <a:lnTo>
+                  <a:pt x="11290" y="1801"/>
+                </a:lnTo>
+                <a:lnTo>
+                  <a:pt x="11388" y="1996"/>
+                </a:lnTo>
+                <a:lnTo>
+                  <a:pt x="11485" y="2215"/>
+                </a:lnTo>
+                <a:lnTo>
+                  <a:pt x="11558" y="2458"/>
+                </a:lnTo>
+                <a:lnTo>
+                  <a:pt x="11655" y="2921"/>
+                </a:lnTo>
+                <a:lnTo>
+                  <a:pt x="11728" y="3407"/>
+                </a:lnTo>
+                <a:lnTo>
+                  <a:pt x="11753" y="3894"/>
+                </a:lnTo>
+                <a:lnTo>
+                  <a:pt x="11753" y="4356"/>
+                </a:lnTo>
+                <a:lnTo>
+                  <a:pt x="11217" y="4356"/>
+                </a:lnTo>
+                <a:lnTo>
+                  <a:pt x="10974" y="4332"/>
+                </a:lnTo>
+                <a:lnTo>
+                  <a:pt x="10731" y="4259"/>
+                </a:lnTo>
+                <a:lnTo>
+                  <a:pt x="10487" y="4210"/>
+                </a:lnTo>
+                <a:lnTo>
+                  <a:pt x="10244" y="4113"/>
+                </a:lnTo>
+                <a:lnTo>
+                  <a:pt x="9782" y="3918"/>
+                </a:lnTo>
+                <a:lnTo>
+                  <a:pt x="9319" y="3675"/>
+                </a:lnTo>
+                <a:lnTo>
+                  <a:pt x="8881" y="3432"/>
+                </a:lnTo>
+                <a:lnTo>
+                  <a:pt x="8419" y="3164"/>
+                </a:lnTo>
+                <a:lnTo>
+                  <a:pt x="7981" y="2921"/>
+                </a:lnTo>
+                <a:lnTo>
+                  <a:pt x="7908" y="2896"/>
+                </a:lnTo>
+                <a:lnTo>
+                  <a:pt x="7835" y="2896"/>
+                </a:lnTo>
+                <a:lnTo>
+                  <a:pt x="7786" y="2921"/>
+                </a:lnTo>
+                <a:lnTo>
+                  <a:pt x="7738" y="2945"/>
+                </a:lnTo>
+                <a:lnTo>
+                  <a:pt x="7689" y="2994"/>
+                </a:lnTo>
+                <a:lnTo>
+                  <a:pt x="7665" y="3042"/>
+                </a:lnTo>
+                <a:lnTo>
+                  <a:pt x="7640" y="3115"/>
+                </a:lnTo>
+                <a:lnTo>
+                  <a:pt x="7640" y="3164"/>
+                </a:lnTo>
+                <a:lnTo>
+                  <a:pt x="7713" y="3529"/>
+                </a:lnTo>
+                <a:lnTo>
+                  <a:pt x="7786" y="3894"/>
+                </a:lnTo>
+                <a:lnTo>
+                  <a:pt x="7640" y="3797"/>
+                </a:lnTo>
+                <a:lnTo>
+                  <a:pt x="7494" y="3699"/>
+                </a:lnTo>
+                <a:lnTo>
+                  <a:pt x="7202" y="3432"/>
+                </a:lnTo>
+                <a:lnTo>
+                  <a:pt x="6959" y="3140"/>
+                </a:lnTo>
+                <a:lnTo>
+                  <a:pt x="6740" y="2799"/>
+                </a:lnTo>
+                <a:lnTo>
+                  <a:pt x="6545" y="2458"/>
+                </a:lnTo>
+                <a:lnTo>
+                  <a:pt x="6424" y="2118"/>
+                </a:lnTo>
+                <a:lnTo>
+                  <a:pt x="6399" y="1947"/>
+                </a:lnTo>
+                <a:lnTo>
+                  <a:pt x="6375" y="1777"/>
+                </a:lnTo>
+                <a:lnTo>
+                  <a:pt x="6375" y="1607"/>
+                </a:lnTo>
+                <a:lnTo>
+                  <a:pt x="6399" y="1461"/>
+                </a:lnTo>
+                <a:lnTo>
+                  <a:pt x="6399" y="1388"/>
+                </a:lnTo>
+                <a:lnTo>
+                  <a:pt x="6399" y="1339"/>
+                </a:lnTo>
+                <a:lnTo>
+                  <a:pt x="6351" y="1291"/>
+                </a:lnTo>
+                <a:lnTo>
+                  <a:pt x="6302" y="1266"/>
+                </a:lnTo>
+                <a:lnTo>
+                  <a:pt x="6205" y="1266"/>
+                </a:lnTo>
+                <a:lnTo>
+                  <a:pt x="6156" y="1291"/>
+                </a:lnTo>
+                <a:lnTo>
+                  <a:pt x="6107" y="1339"/>
+                </a:lnTo>
+                <a:lnTo>
+                  <a:pt x="6034" y="1485"/>
+                </a:lnTo>
+                <a:lnTo>
+                  <a:pt x="6010" y="1655"/>
+                </a:lnTo>
+                <a:lnTo>
+                  <a:pt x="5815" y="1680"/>
+                </a:lnTo>
+                <a:lnTo>
+                  <a:pt x="5645" y="1728"/>
+                </a:lnTo>
+                <a:lnTo>
+                  <a:pt x="5475" y="1826"/>
+                </a:lnTo>
+                <a:lnTo>
+                  <a:pt x="5304" y="1923"/>
+                </a:lnTo>
+                <a:lnTo>
+                  <a:pt x="5085" y="2069"/>
+                </a:lnTo>
+                <a:lnTo>
+                  <a:pt x="4891" y="2215"/>
+                </a:lnTo>
+                <a:lnTo>
+                  <a:pt x="4720" y="2337"/>
+                </a:lnTo>
+                <a:lnTo>
+                  <a:pt x="4647" y="2410"/>
+                </a:lnTo>
+                <a:lnTo>
+                  <a:pt x="4599" y="2507"/>
+                </a:lnTo>
+                <a:lnTo>
+                  <a:pt x="4574" y="2531"/>
+                </a:lnTo>
+                <a:lnTo>
+                  <a:pt x="4599" y="2556"/>
+                </a:lnTo>
+                <a:lnTo>
+                  <a:pt x="4623" y="2580"/>
+                </a:lnTo>
+                <a:lnTo>
+                  <a:pt x="4647" y="2604"/>
+                </a:lnTo>
+                <a:lnTo>
+                  <a:pt x="4745" y="2580"/>
+                </a:lnTo>
+                <a:lnTo>
+                  <a:pt x="4818" y="2556"/>
+                </a:lnTo>
+                <a:lnTo>
+                  <a:pt x="4988" y="2458"/>
+                </a:lnTo>
+                <a:lnTo>
+                  <a:pt x="5280" y="2239"/>
+                </a:lnTo>
+                <a:lnTo>
+                  <a:pt x="5621" y="1996"/>
+                </a:lnTo>
+                <a:lnTo>
+                  <a:pt x="5986" y="1801"/>
+                </a:lnTo>
+                <a:lnTo>
+                  <a:pt x="5986" y="1996"/>
+                </a:lnTo>
+                <a:lnTo>
+                  <a:pt x="6034" y="2166"/>
+                </a:lnTo>
+                <a:lnTo>
+                  <a:pt x="6083" y="2337"/>
+                </a:lnTo>
+                <a:lnTo>
+                  <a:pt x="6156" y="2531"/>
+                </a:lnTo>
+                <a:lnTo>
+                  <a:pt x="6302" y="2872"/>
+                </a:lnTo>
+                <a:lnTo>
+                  <a:pt x="6472" y="3164"/>
+                </a:lnTo>
+                <a:lnTo>
+                  <a:pt x="6618" y="3359"/>
+                </a:lnTo>
+                <a:lnTo>
+                  <a:pt x="6764" y="3578"/>
+                </a:lnTo>
+                <a:lnTo>
+                  <a:pt x="6959" y="3772"/>
+                </a:lnTo>
+                <a:lnTo>
+                  <a:pt x="7129" y="3967"/>
+                </a:lnTo>
+                <a:lnTo>
+                  <a:pt x="7348" y="4137"/>
+                </a:lnTo>
+                <a:lnTo>
+                  <a:pt x="7567" y="4283"/>
+                </a:lnTo>
+                <a:lnTo>
+                  <a:pt x="7811" y="4381"/>
+                </a:lnTo>
+                <a:lnTo>
+                  <a:pt x="8054" y="4454"/>
+                </a:lnTo>
+                <a:lnTo>
+                  <a:pt x="8151" y="4454"/>
+                </a:lnTo>
+                <a:lnTo>
+                  <a:pt x="8249" y="4381"/>
+                </a:lnTo>
+                <a:lnTo>
+                  <a:pt x="8297" y="4356"/>
+                </a:lnTo>
+                <a:lnTo>
+                  <a:pt x="8322" y="4308"/>
+                </a:lnTo>
+                <a:lnTo>
+                  <a:pt x="8322" y="4235"/>
+                </a:lnTo>
+                <a:lnTo>
+                  <a:pt x="8322" y="4186"/>
+                </a:lnTo>
+                <a:lnTo>
+                  <a:pt x="8151" y="3505"/>
+                </a:lnTo>
+                <a:lnTo>
+                  <a:pt x="8151" y="3505"/>
+                </a:lnTo>
+                <a:lnTo>
+                  <a:pt x="8881" y="3918"/>
+                </a:lnTo>
+                <a:lnTo>
+                  <a:pt x="9587" y="4283"/>
+                </a:lnTo>
+                <a:lnTo>
+                  <a:pt x="9952" y="4429"/>
+                </a:lnTo>
+                <a:lnTo>
+                  <a:pt x="10317" y="4575"/>
+                </a:lnTo>
+                <a:lnTo>
+                  <a:pt x="10682" y="4697"/>
+                </a:lnTo>
+                <a:lnTo>
+                  <a:pt x="11071" y="4746"/>
+                </a:lnTo>
+                <a:lnTo>
+                  <a:pt x="11169" y="4940"/>
+                </a:lnTo>
+                <a:lnTo>
+                  <a:pt x="11242" y="5111"/>
+                </a:lnTo>
+                <a:lnTo>
+                  <a:pt x="11266" y="5281"/>
+                </a:lnTo>
+                <a:lnTo>
+                  <a:pt x="11266" y="5451"/>
+                </a:lnTo>
+                <a:lnTo>
+                  <a:pt x="11242" y="5792"/>
+                </a:lnTo>
+                <a:lnTo>
+                  <a:pt x="11266" y="5865"/>
+                </a:lnTo>
+                <a:lnTo>
+                  <a:pt x="11315" y="5938"/>
+                </a:lnTo>
+                <a:lnTo>
+                  <a:pt x="11363" y="5987"/>
+                </a:lnTo>
+                <a:lnTo>
+                  <a:pt x="11509" y="5987"/>
+                </a:lnTo>
+                <a:lnTo>
+                  <a:pt x="11582" y="5962"/>
+                </a:lnTo>
+                <a:lnTo>
+                  <a:pt x="11631" y="5914"/>
+                </a:lnTo>
+                <a:lnTo>
+                  <a:pt x="11655" y="5841"/>
+                </a:lnTo>
+                <a:lnTo>
+                  <a:pt x="11704" y="5622"/>
+                </a:lnTo>
+                <a:lnTo>
+                  <a:pt x="11704" y="5354"/>
+                </a:lnTo>
+                <a:lnTo>
+                  <a:pt x="11680" y="5135"/>
+                </a:lnTo>
+                <a:lnTo>
+                  <a:pt x="11607" y="4892"/>
+                </a:lnTo>
+                <a:lnTo>
+                  <a:pt x="11558" y="4794"/>
+                </a:lnTo>
+                <a:lnTo>
+                  <a:pt x="11680" y="4770"/>
+                </a:lnTo>
+                <a:lnTo>
+                  <a:pt x="11801" y="4940"/>
+                </a:lnTo>
+                <a:lnTo>
+                  <a:pt x="11923" y="5111"/>
+                </a:lnTo>
+                <a:lnTo>
+                  <a:pt x="11996" y="5305"/>
+                </a:lnTo>
+                <a:lnTo>
+                  <a:pt x="12044" y="5500"/>
+                </a:lnTo>
+                <a:lnTo>
+                  <a:pt x="12069" y="5695"/>
+                </a:lnTo>
+                <a:lnTo>
+                  <a:pt x="12093" y="5889"/>
+                </a:lnTo>
+                <a:lnTo>
+                  <a:pt x="12069" y="6108"/>
+                </a:lnTo>
+                <a:lnTo>
+                  <a:pt x="12044" y="6303"/>
+                </a:lnTo>
+                <a:lnTo>
+                  <a:pt x="11996" y="6522"/>
+                </a:lnTo>
+                <a:lnTo>
+                  <a:pt x="11899" y="6692"/>
+                </a:lnTo>
+                <a:lnTo>
+                  <a:pt x="11801" y="6887"/>
+                </a:lnTo>
+                <a:lnTo>
+                  <a:pt x="11655" y="7033"/>
+                </a:lnTo>
+                <a:lnTo>
+                  <a:pt x="11631" y="7082"/>
+                </a:lnTo>
+                <a:lnTo>
+                  <a:pt x="11631" y="6936"/>
+                </a:lnTo>
+                <a:lnTo>
+                  <a:pt x="11631" y="6814"/>
+                </a:lnTo>
+                <a:lnTo>
+                  <a:pt x="11582" y="6717"/>
+                </a:lnTo>
+                <a:lnTo>
+                  <a:pt x="11509" y="6619"/>
+                </a:lnTo>
+                <a:lnTo>
+                  <a:pt x="11436" y="6571"/>
+                </a:lnTo>
+                <a:lnTo>
+                  <a:pt x="11290" y="6571"/>
+                </a:lnTo>
+                <a:lnTo>
+                  <a:pt x="11242" y="6619"/>
+                </a:lnTo>
+                <a:lnTo>
+                  <a:pt x="11193" y="6668"/>
+                </a:lnTo>
+                <a:lnTo>
+                  <a:pt x="11169" y="6717"/>
+                </a:lnTo>
+                <a:lnTo>
+                  <a:pt x="11169" y="6790"/>
+                </a:lnTo>
+                <a:lnTo>
+                  <a:pt x="11193" y="6863"/>
+                </a:lnTo>
+                <a:lnTo>
+                  <a:pt x="11169" y="6838"/>
+                </a:lnTo>
+                <a:lnTo>
+                  <a:pt x="11144" y="6863"/>
+                </a:lnTo>
+                <a:lnTo>
+                  <a:pt x="11144" y="6984"/>
+                </a:lnTo>
+                <a:lnTo>
+                  <a:pt x="11071" y="7228"/>
+                </a:lnTo>
+                <a:lnTo>
+                  <a:pt x="10974" y="7447"/>
+                </a:lnTo>
+                <a:lnTo>
+                  <a:pt x="10755" y="7933"/>
+                </a:lnTo>
+                <a:lnTo>
+                  <a:pt x="10487" y="8396"/>
+                </a:lnTo>
+                <a:lnTo>
+                  <a:pt x="10317" y="8663"/>
+                </a:lnTo>
+                <a:lnTo>
+                  <a:pt x="10098" y="8907"/>
+                </a:lnTo>
+                <a:lnTo>
+                  <a:pt x="9879" y="9126"/>
+                </a:lnTo>
+                <a:lnTo>
+                  <a:pt x="9611" y="9320"/>
+                </a:lnTo>
+                <a:lnTo>
+                  <a:pt x="9344" y="9491"/>
+                </a:lnTo>
+                <a:lnTo>
+                  <a:pt x="9052" y="9637"/>
+                </a:lnTo>
+                <a:lnTo>
+                  <a:pt x="8735" y="9734"/>
+                </a:lnTo>
+                <a:lnTo>
+                  <a:pt x="8419" y="9782"/>
+                </a:lnTo>
+                <a:lnTo>
+                  <a:pt x="8078" y="9807"/>
+                </a:lnTo>
+                <a:lnTo>
+                  <a:pt x="7738" y="9782"/>
+                </a:lnTo>
+                <a:lnTo>
+                  <a:pt x="7397" y="9709"/>
+                </a:lnTo>
+                <a:lnTo>
+                  <a:pt x="7056" y="9612"/>
+                </a:lnTo>
+                <a:lnTo>
+                  <a:pt x="6716" y="9466"/>
+                </a:lnTo>
+                <a:lnTo>
+                  <a:pt x="6424" y="9296"/>
+                </a:lnTo>
+                <a:lnTo>
+                  <a:pt x="6107" y="9126"/>
+                </a:lnTo>
+                <a:lnTo>
+                  <a:pt x="5840" y="8907"/>
+                </a:lnTo>
+                <a:lnTo>
+                  <a:pt x="5596" y="8712"/>
+                </a:lnTo>
+                <a:lnTo>
+                  <a:pt x="5377" y="8469"/>
+                </a:lnTo>
+                <a:lnTo>
+                  <a:pt x="5158" y="8225"/>
+                </a:lnTo>
+                <a:lnTo>
+                  <a:pt x="4988" y="7958"/>
+                </a:lnTo>
+                <a:lnTo>
+                  <a:pt x="4891" y="7787"/>
+                </a:lnTo>
+                <a:lnTo>
+                  <a:pt x="4818" y="7641"/>
+                </a:lnTo>
+                <a:lnTo>
+                  <a:pt x="4696" y="7301"/>
+                </a:lnTo>
+                <a:lnTo>
+                  <a:pt x="4599" y="6960"/>
+                </a:lnTo>
+                <a:lnTo>
+                  <a:pt x="4477" y="6644"/>
+                </a:lnTo>
+                <a:lnTo>
+                  <a:pt x="4428" y="6571"/>
+                </a:lnTo>
+                <a:lnTo>
+                  <a:pt x="4355" y="6546"/>
+                </a:lnTo>
+                <a:lnTo>
+                  <a:pt x="4282" y="6571"/>
+                </a:lnTo>
+                <a:lnTo>
+                  <a:pt x="4258" y="6595"/>
+                </a:lnTo>
+                <a:lnTo>
+                  <a:pt x="4234" y="6644"/>
+                </a:lnTo>
+                <a:lnTo>
+                  <a:pt x="4209" y="6936"/>
+                </a:lnTo>
+                <a:lnTo>
+                  <a:pt x="4234" y="7228"/>
+                </a:lnTo>
+                <a:lnTo>
+                  <a:pt x="4088" y="7130"/>
+                </a:lnTo>
+                <a:lnTo>
+                  <a:pt x="3966" y="7033"/>
+                </a:lnTo>
+                <a:lnTo>
+                  <a:pt x="3845" y="6911"/>
+                </a:lnTo>
+                <a:lnTo>
+                  <a:pt x="3772" y="6790"/>
+                </a:lnTo>
+                <a:lnTo>
+                  <a:pt x="3699" y="6644"/>
+                </a:lnTo>
+                <a:lnTo>
+                  <a:pt x="3650" y="6473"/>
+                </a:lnTo>
+                <a:lnTo>
+                  <a:pt x="3577" y="6133"/>
+                </a:lnTo>
+                <a:lnTo>
+                  <a:pt x="3553" y="5816"/>
+                </a:lnTo>
+                <a:lnTo>
+                  <a:pt x="3577" y="5670"/>
+                </a:lnTo>
+                <a:lnTo>
+                  <a:pt x="3601" y="5524"/>
+                </a:lnTo>
+                <a:lnTo>
+                  <a:pt x="3650" y="5378"/>
+                </a:lnTo>
+                <a:lnTo>
+                  <a:pt x="3699" y="5232"/>
+                </a:lnTo>
+                <a:lnTo>
+                  <a:pt x="3772" y="5111"/>
+                </a:lnTo>
+                <a:lnTo>
+                  <a:pt x="3893" y="5013"/>
+                </a:lnTo>
+                <a:lnTo>
+                  <a:pt x="3942" y="5013"/>
+                </a:lnTo>
+                <a:lnTo>
+                  <a:pt x="3918" y="5208"/>
+                </a:lnTo>
+                <a:lnTo>
+                  <a:pt x="3942" y="5403"/>
+                </a:lnTo>
+                <a:lnTo>
+                  <a:pt x="3966" y="5476"/>
+                </a:lnTo>
+                <a:lnTo>
+                  <a:pt x="4015" y="5549"/>
+                </a:lnTo>
+                <a:lnTo>
+                  <a:pt x="4063" y="5622"/>
+                </a:lnTo>
+                <a:lnTo>
+                  <a:pt x="4136" y="5670"/>
+                </a:lnTo>
+                <a:lnTo>
+                  <a:pt x="4209" y="5695"/>
+                </a:lnTo>
+                <a:lnTo>
+                  <a:pt x="4258" y="5670"/>
+                </a:lnTo>
+                <a:lnTo>
+                  <a:pt x="4307" y="5646"/>
+                </a:lnTo>
+                <a:lnTo>
+                  <a:pt x="4355" y="5597"/>
+                </a:lnTo>
+                <a:lnTo>
+                  <a:pt x="4355" y="5476"/>
+                </a:lnTo>
+                <a:lnTo>
+                  <a:pt x="4355" y="5403"/>
+                </a:lnTo>
+                <a:lnTo>
+                  <a:pt x="4307" y="5208"/>
+                </a:lnTo>
+                <a:lnTo>
+                  <a:pt x="4331" y="5086"/>
+                </a:lnTo>
+                <a:lnTo>
+                  <a:pt x="4355" y="4965"/>
+                </a:lnTo>
+                <a:lnTo>
+                  <a:pt x="4453" y="4746"/>
+                </a:lnTo>
+                <a:lnTo>
+                  <a:pt x="4550" y="4575"/>
+                </a:lnTo>
+                <a:lnTo>
+                  <a:pt x="4647" y="4405"/>
+                </a:lnTo>
+                <a:lnTo>
+                  <a:pt x="5085" y="4016"/>
+                </a:lnTo>
+                <a:lnTo>
+                  <a:pt x="5377" y="3748"/>
+                </a:lnTo>
+                <a:lnTo>
+                  <a:pt x="5669" y="3432"/>
+                </a:lnTo>
+                <a:lnTo>
+                  <a:pt x="5791" y="3237"/>
+                </a:lnTo>
+                <a:lnTo>
+                  <a:pt x="5888" y="3067"/>
+                </a:lnTo>
+                <a:lnTo>
+                  <a:pt x="5961" y="2872"/>
+                </a:lnTo>
+                <a:lnTo>
+                  <a:pt x="6010" y="2677"/>
+                </a:lnTo>
+                <a:lnTo>
+                  <a:pt x="5986" y="2629"/>
+                </a:lnTo>
+                <a:lnTo>
+                  <a:pt x="5937" y="2604"/>
+                </a:lnTo>
+                <a:lnTo>
+                  <a:pt x="5888" y="2604"/>
+                </a:lnTo>
+                <a:lnTo>
+                  <a:pt x="5864" y="2629"/>
+                </a:lnTo>
+                <a:lnTo>
+                  <a:pt x="5718" y="2750"/>
+                </a:lnTo>
+                <a:lnTo>
+                  <a:pt x="5596" y="2921"/>
+                </a:lnTo>
+                <a:lnTo>
+                  <a:pt x="5377" y="3237"/>
+                </a:lnTo>
+                <a:lnTo>
+                  <a:pt x="5110" y="3505"/>
+                </a:lnTo>
+                <a:lnTo>
+                  <a:pt x="4818" y="3772"/>
+                </a:lnTo>
+                <a:lnTo>
+                  <a:pt x="4647" y="3894"/>
+                </a:lnTo>
+                <a:lnTo>
+                  <a:pt x="4453" y="4040"/>
+                </a:lnTo>
+                <a:lnTo>
+                  <a:pt x="4063" y="4332"/>
+                </a:lnTo>
+                <a:lnTo>
+                  <a:pt x="4112" y="3894"/>
+                </a:lnTo>
+                <a:lnTo>
+                  <a:pt x="4209" y="3456"/>
+                </a:lnTo>
+                <a:lnTo>
+                  <a:pt x="4331" y="3042"/>
+                </a:lnTo>
+                <a:lnTo>
+                  <a:pt x="4477" y="2629"/>
+                </a:lnTo>
+                <a:lnTo>
+                  <a:pt x="4599" y="2337"/>
+                </a:lnTo>
+                <a:lnTo>
+                  <a:pt x="4769" y="2045"/>
+                </a:lnTo>
+                <a:lnTo>
+                  <a:pt x="4939" y="1777"/>
+                </a:lnTo>
+                <a:lnTo>
+                  <a:pt x="5158" y="1558"/>
+                </a:lnTo>
+                <a:lnTo>
+                  <a:pt x="5256" y="1485"/>
+                </a:lnTo>
+                <a:lnTo>
+                  <a:pt x="5377" y="1412"/>
+                </a:lnTo>
+                <a:lnTo>
+                  <a:pt x="5596" y="1364"/>
+                </a:lnTo>
+                <a:lnTo>
+                  <a:pt x="5815" y="1315"/>
+                </a:lnTo>
+                <a:lnTo>
+                  <a:pt x="5913" y="1291"/>
+                </a:lnTo>
+                <a:lnTo>
+                  <a:pt x="6034" y="1242"/>
+                </a:lnTo>
+                <a:lnTo>
+                  <a:pt x="6034" y="1218"/>
+                </a:lnTo>
+                <a:lnTo>
+                  <a:pt x="6034" y="1193"/>
+                </a:lnTo>
+                <a:lnTo>
+                  <a:pt x="5961" y="1096"/>
+                </a:lnTo>
+                <a:lnTo>
+                  <a:pt x="5888" y="1023"/>
+                </a:lnTo>
+                <a:lnTo>
+                  <a:pt x="5767" y="974"/>
+                </a:lnTo>
+                <a:lnTo>
+                  <a:pt x="5523" y="974"/>
+                </a:lnTo>
+                <a:lnTo>
+                  <a:pt x="5402" y="999"/>
+                </a:lnTo>
+                <a:lnTo>
+                  <a:pt x="5183" y="1072"/>
+                </a:lnTo>
+                <a:lnTo>
+                  <a:pt x="5037" y="1145"/>
+                </a:lnTo>
+                <a:lnTo>
+                  <a:pt x="4915" y="1242"/>
+                </a:lnTo>
+                <a:lnTo>
+                  <a:pt x="4793" y="1364"/>
+                </a:lnTo>
+                <a:lnTo>
+                  <a:pt x="4672" y="1485"/>
+                </a:lnTo>
+                <a:lnTo>
+                  <a:pt x="4477" y="1728"/>
+                </a:lnTo>
+                <a:lnTo>
+                  <a:pt x="4307" y="2020"/>
+                </a:lnTo>
+                <a:lnTo>
+                  <a:pt x="4161" y="2312"/>
+                </a:lnTo>
+                <a:lnTo>
+                  <a:pt x="4015" y="2653"/>
+                </a:lnTo>
+                <a:lnTo>
+                  <a:pt x="3893" y="3018"/>
+                </a:lnTo>
+                <a:lnTo>
+                  <a:pt x="3772" y="3359"/>
+                </a:lnTo>
+                <a:lnTo>
+                  <a:pt x="3699" y="3724"/>
+                </a:lnTo>
+                <a:lnTo>
+                  <a:pt x="3650" y="4113"/>
+                </a:lnTo>
+                <a:lnTo>
+                  <a:pt x="3650" y="4454"/>
+                </a:lnTo>
+                <a:lnTo>
+                  <a:pt x="3674" y="4819"/>
+                </a:lnTo>
+                <a:lnTo>
+                  <a:pt x="3553" y="4892"/>
+                </a:lnTo>
+                <a:lnTo>
+                  <a:pt x="3455" y="5038"/>
+                </a:lnTo>
+                <a:lnTo>
+                  <a:pt x="3382" y="5184"/>
+                </a:lnTo>
+                <a:lnTo>
+                  <a:pt x="3334" y="5378"/>
+                </a:lnTo>
+                <a:lnTo>
+                  <a:pt x="3236" y="5719"/>
+                </a:lnTo>
+                <a:lnTo>
+                  <a:pt x="3212" y="5962"/>
+                </a:lnTo>
+                <a:lnTo>
+                  <a:pt x="3236" y="6230"/>
+                </a:lnTo>
+                <a:lnTo>
+                  <a:pt x="3285" y="6522"/>
+                </a:lnTo>
+                <a:lnTo>
+                  <a:pt x="3358" y="6814"/>
+                </a:lnTo>
+                <a:lnTo>
+                  <a:pt x="3480" y="7082"/>
+                </a:lnTo>
+                <a:lnTo>
+                  <a:pt x="3626" y="7325"/>
+                </a:lnTo>
+                <a:lnTo>
+                  <a:pt x="3723" y="7422"/>
+                </a:lnTo>
+                <a:lnTo>
+                  <a:pt x="3845" y="7520"/>
+                </a:lnTo>
+                <a:lnTo>
+                  <a:pt x="3942" y="7593"/>
+                </a:lnTo>
+                <a:lnTo>
+                  <a:pt x="4063" y="7641"/>
+                </a:lnTo>
+                <a:lnTo>
+                  <a:pt x="4209" y="7690"/>
+                </a:lnTo>
+                <a:lnTo>
+                  <a:pt x="4355" y="7690"/>
+                </a:lnTo>
+                <a:lnTo>
+                  <a:pt x="4477" y="7933"/>
+                </a:lnTo>
+                <a:lnTo>
+                  <a:pt x="4599" y="8177"/>
+                </a:lnTo>
+                <a:lnTo>
+                  <a:pt x="4745" y="8396"/>
+                </a:lnTo>
+                <a:lnTo>
+                  <a:pt x="4915" y="8615"/>
+                </a:lnTo>
+                <a:lnTo>
+                  <a:pt x="5085" y="8809"/>
+                </a:lnTo>
+                <a:lnTo>
+                  <a:pt x="5256" y="8980"/>
+                </a:lnTo>
+                <a:lnTo>
+                  <a:pt x="5645" y="9320"/>
+                </a:lnTo>
+                <a:lnTo>
+                  <a:pt x="6010" y="9588"/>
+                </a:lnTo>
+                <a:lnTo>
+                  <a:pt x="6424" y="9831"/>
+                </a:lnTo>
+                <a:lnTo>
+                  <a:pt x="6351" y="9855"/>
+                </a:lnTo>
+                <a:lnTo>
+                  <a:pt x="6278" y="9928"/>
+                </a:lnTo>
+                <a:lnTo>
+                  <a:pt x="6253" y="10001"/>
+                </a:lnTo>
+                <a:lnTo>
+                  <a:pt x="6205" y="10074"/>
+                </a:lnTo>
+                <a:lnTo>
+                  <a:pt x="6180" y="10269"/>
+                </a:lnTo>
+                <a:lnTo>
+                  <a:pt x="6156" y="10464"/>
+                </a:lnTo>
+                <a:lnTo>
+                  <a:pt x="6156" y="10610"/>
+                </a:lnTo>
+                <a:lnTo>
+                  <a:pt x="6180" y="10804"/>
+                </a:lnTo>
+                <a:lnTo>
+                  <a:pt x="6010" y="10829"/>
+                </a:lnTo>
+                <a:lnTo>
+                  <a:pt x="5864" y="10853"/>
+                </a:lnTo>
+                <a:lnTo>
+                  <a:pt x="5596" y="10902"/>
+                </a:lnTo>
+                <a:lnTo>
+                  <a:pt x="5231" y="10975"/>
+                </a:lnTo>
+                <a:lnTo>
+                  <a:pt x="4866" y="11072"/>
+                </a:lnTo>
+                <a:lnTo>
+                  <a:pt x="4161" y="11242"/>
+                </a:lnTo>
+                <a:lnTo>
+                  <a:pt x="3480" y="11437"/>
+                </a:lnTo>
+                <a:lnTo>
+                  <a:pt x="2993" y="11632"/>
+                </a:lnTo>
+                <a:lnTo>
+                  <a:pt x="2531" y="11826"/>
+                </a:lnTo>
+                <a:lnTo>
+                  <a:pt x="2068" y="12070"/>
+                </a:lnTo>
+                <a:lnTo>
+                  <a:pt x="1655" y="12362"/>
+                </a:lnTo>
+                <a:lnTo>
+                  <a:pt x="1314" y="12654"/>
+                </a:lnTo>
+                <a:lnTo>
+                  <a:pt x="973" y="12970"/>
+                </a:lnTo>
+                <a:lnTo>
+                  <a:pt x="681" y="13335"/>
+                </a:lnTo>
+                <a:lnTo>
+                  <a:pt x="414" y="13700"/>
+                </a:lnTo>
+                <a:lnTo>
+                  <a:pt x="316" y="13919"/>
+                </a:lnTo>
+                <a:lnTo>
+                  <a:pt x="219" y="14114"/>
+                </a:lnTo>
+                <a:lnTo>
+                  <a:pt x="122" y="14333"/>
+                </a:lnTo>
+                <a:lnTo>
+                  <a:pt x="73" y="14552"/>
+                </a:lnTo>
+                <a:lnTo>
+                  <a:pt x="24" y="14771"/>
+                </a:lnTo>
+                <a:lnTo>
+                  <a:pt x="0" y="14990"/>
+                </a:lnTo>
+                <a:lnTo>
+                  <a:pt x="24" y="15209"/>
+                </a:lnTo>
+                <a:lnTo>
+                  <a:pt x="49" y="15428"/>
+                </a:lnTo>
+                <a:lnTo>
+                  <a:pt x="73" y="15525"/>
+                </a:lnTo>
+                <a:lnTo>
+                  <a:pt x="122" y="15574"/>
+                </a:lnTo>
+                <a:lnTo>
+                  <a:pt x="170" y="15598"/>
+                </a:lnTo>
+                <a:lnTo>
+                  <a:pt x="243" y="15598"/>
+                </a:lnTo>
+                <a:lnTo>
+                  <a:pt x="316" y="15671"/>
+                </a:lnTo>
+                <a:lnTo>
+                  <a:pt x="414" y="15695"/>
+                </a:lnTo>
+                <a:lnTo>
+                  <a:pt x="803" y="15720"/>
+                </a:lnTo>
+                <a:lnTo>
+                  <a:pt x="1217" y="15793"/>
+                </a:lnTo>
+                <a:lnTo>
+                  <a:pt x="1606" y="15890"/>
+                </a:lnTo>
+                <a:lnTo>
+                  <a:pt x="1995" y="15987"/>
+                </a:lnTo>
+                <a:lnTo>
+                  <a:pt x="2774" y="16231"/>
+                </a:lnTo>
+                <a:lnTo>
+                  <a:pt x="3163" y="16328"/>
+                </a:lnTo>
+                <a:lnTo>
+                  <a:pt x="3553" y="16401"/>
+                </a:lnTo>
+                <a:lnTo>
+                  <a:pt x="4599" y="16498"/>
+                </a:lnTo>
+                <a:lnTo>
+                  <a:pt x="5669" y="16547"/>
+                </a:lnTo>
+                <a:lnTo>
+                  <a:pt x="6716" y="16596"/>
+                </a:lnTo>
+                <a:lnTo>
+                  <a:pt x="7762" y="16620"/>
+                </a:lnTo>
+                <a:lnTo>
+                  <a:pt x="9879" y="16620"/>
+                </a:lnTo>
+                <a:lnTo>
+                  <a:pt x="10950" y="16547"/>
+                </a:lnTo>
+                <a:lnTo>
+                  <a:pt x="11996" y="16450"/>
+                </a:lnTo>
+                <a:lnTo>
+                  <a:pt x="12823" y="16352"/>
+                </a:lnTo>
+                <a:lnTo>
+                  <a:pt x="13626" y="16255"/>
+                </a:lnTo>
+                <a:lnTo>
+                  <a:pt x="14040" y="16206"/>
+                </a:lnTo>
+                <a:lnTo>
+                  <a:pt x="14453" y="16109"/>
+                </a:lnTo>
+                <a:lnTo>
+                  <a:pt x="14843" y="16012"/>
+                </a:lnTo>
+                <a:lnTo>
+                  <a:pt x="15232" y="15890"/>
+                </a:lnTo>
+                <a:lnTo>
+                  <a:pt x="15305" y="15841"/>
+                </a:lnTo>
+                <a:lnTo>
+                  <a:pt x="15378" y="15768"/>
+                </a:lnTo>
+                <a:lnTo>
+                  <a:pt x="15402" y="15695"/>
+                </a:lnTo>
+                <a:lnTo>
+                  <a:pt x="15427" y="15622"/>
+                </a:lnTo>
+                <a:lnTo>
+                  <a:pt x="15524" y="15622"/>
+                </a:lnTo>
+                <a:lnTo>
+                  <a:pt x="15621" y="15574"/>
+                </a:lnTo>
+                <a:lnTo>
+                  <a:pt x="15670" y="15549"/>
+                </a:lnTo>
+                <a:lnTo>
+                  <a:pt x="15694" y="15501"/>
+                </a:lnTo>
+                <a:lnTo>
+                  <a:pt x="15694" y="15452"/>
+                </a:lnTo>
+                <a:lnTo>
+                  <a:pt x="15694" y="15379"/>
+                </a:lnTo>
+                <a:lnTo>
+                  <a:pt x="15646" y="14965"/>
+                </a:lnTo>
+                <a:lnTo>
+                  <a:pt x="15548" y="14576"/>
+                </a:lnTo>
+                <a:lnTo>
+                  <a:pt x="15427" y="14187"/>
+                </a:lnTo>
+                <a:lnTo>
+                  <a:pt x="15256" y="13822"/>
+                </a:lnTo>
+                <a:lnTo>
+                  <a:pt x="15281" y="13822"/>
+                </a:lnTo>
+                <a:lnTo>
+                  <a:pt x="15329" y="13797"/>
+                </a:lnTo>
+                <a:lnTo>
+                  <a:pt x="15354" y="13724"/>
+                </a:lnTo>
+                <a:lnTo>
+                  <a:pt x="15354" y="13676"/>
+                </a:lnTo>
+                <a:lnTo>
+                  <a:pt x="15305" y="13627"/>
+                </a:lnTo>
+                <a:lnTo>
+                  <a:pt x="15110" y="13554"/>
+                </a:lnTo>
+                <a:lnTo>
+                  <a:pt x="14989" y="13359"/>
+                </a:lnTo>
+                <a:lnTo>
+                  <a:pt x="14843" y="13140"/>
+                </a:lnTo>
+                <a:lnTo>
+                  <a:pt x="14502" y="12751"/>
+                </a:lnTo>
+                <a:lnTo>
+                  <a:pt x="14113" y="12386"/>
+                </a:lnTo>
+                <a:lnTo>
+                  <a:pt x="13699" y="12070"/>
+                </a:lnTo>
+                <a:lnTo>
+                  <a:pt x="13456" y="11924"/>
+                </a:lnTo>
+                <a:lnTo>
+                  <a:pt x="13237" y="11778"/>
+                </a:lnTo>
+                <a:lnTo>
+                  <a:pt x="12726" y="11559"/>
+                </a:lnTo>
+                <a:lnTo>
+                  <a:pt x="12215" y="11388"/>
+                </a:lnTo>
+                <a:lnTo>
+                  <a:pt x="11680" y="11242"/>
+                </a:lnTo>
+                <a:lnTo>
+                  <a:pt x="11071" y="11121"/>
+                </a:lnTo>
+                <a:lnTo>
+                  <a:pt x="10463" y="11023"/>
+                </a:lnTo>
+                <a:lnTo>
+                  <a:pt x="10341" y="10999"/>
+                </a:lnTo>
+                <a:lnTo>
+                  <a:pt x="10244" y="10975"/>
+                </a:lnTo>
+                <a:lnTo>
+                  <a:pt x="9879" y="10902"/>
+                </a:lnTo>
+                <a:lnTo>
+                  <a:pt x="9684" y="10877"/>
+                </a:lnTo>
+                <a:lnTo>
+                  <a:pt x="9490" y="10877"/>
+                </a:lnTo>
+                <a:lnTo>
+                  <a:pt x="9490" y="10780"/>
+                </a:lnTo>
+                <a:lnTo>
+                  <a:pt x="9490" y="10658"/>
+                </a:lnTo>
+                <a:lnTo>
+                  <a:pt x="9490" y="10415"/>
+                </a:lnTo>
+                <a:lnTo>
+                  <a:pt x="9490" y="10172"/>
+                </a:lnTo>
+                <a:lnTo>
+                  <a:pt x="9465" y="10050"/>
+                </a:lnTo>
+                <a:lnTo>
+                  <a:pt x="9441" y="9977"/>
+                </a:lnTo>
+                <a:lnTo>
+                  <a:pt x="9660" y="9831"/>
+                </a:lnTo>
+                <a:lnTo>
+                  <a:pt x="9879" y="9709"/>
+                </a:lnTo>
+                <a:lnTo>
+                  <a:pt x="10098" y="9539"/>
+                </a:lnTo>
+                <a:lnTo>
+                  <a:pt x="10293" y="9369"/>
+                </a:lnTo>
+                <a:lnTo>
+                  <a:pt x="10463" y="9174"/>
+                </a:lnTo>
+                <a:lnTo>
+                  <a:pt x="10633" y="8980"/>
+                </a:lnTo>
+                <a:lnTo>
+                  <a:pt x="10804" y="8761"/>
+                </a:lnTo>
+                <a:lnTo>
+                  <a:pt x="10950" y="8542"/>
+                </a:lnTo>
+                <a:lnTo>
+                  <a:pt x="11193" y="8128"/>
+                </a:lnTo>
+                <a:lnTo>
+                  <a:pt x="11363" y="7812"/>
+                </a:lnTo>
+                <a:lnTo>
+                  <a:pt x="11509" y="7495"/>
+                </a:lnTo>
+                <a:lnTo>
+                  <a:pt x="11582" y="7495"/>
+                </a:lnTo>
+                <a:lnTo>
+                  <a:pt x="11655" y="7471"/>
+                </a:lnTo>
+                <a:lnTo>
+                  <a:pt x="11801" y="7398"/>
+                </a:lnTo>
+                <a:lnTo>
+                  <a:pt x="11947" y="7252"/>
+                </a:lnTo>
+                <a:lnTo>
+                  <a:pt x="12093" y="7082"/>
+                </a:lnTo>
+                <a:lnTo>
+                  <a:pt x="12215" y="6887"/>
+                </a:lnTo>
+                <a:lnTo>
+                  <a:pt x="12288" y="6717"/>
+                </a:lnTo>
+                <a:lnTo>
+                  <a:pt x="12409" y="6425"/>
+                </a:lnTo>
+                <a:lnTo>
+                  <a:pt x="12458" y="6206"/>
+                </a:lnTo>
+                <a:lnTo>
+                  <a:pt x="12482" y="5987"/>
+                </a:lnTo>
+                <a:lnTo>
+                  <a:pt x="12482" y="5768"/>
+                </a:lnTo>
+                <a:lnTo>
+                  <a:pt x="12458" y="5549"/>
+                </a:lnTo>
+                <a:lnTo>
+                  <a:pt x="12434" y="5330"/>
+                </a:lnTo>
+                <a:lnTo>
+                  <a:pt x="12361" y="5111"/>
+                </a:lnTo>
+                <a:lnTo>
+                  <a:pt x="12263" y="4916"/>
+                </a:lnTo>
+                <a:lnTo>
+                  <a:pt x="12142" y="4721"/>
+                </a:lnTo>
+                <a:lnTo>
+                  <a:pt x="12190" y="4697"/>
+                </a:lnTo>
+                <a:lnTo>
+                  <a:pt x="12239" y="4648"/>
+                </a:lnTo>
+                <a:lnTo>
+                  <a:pt x="12263" y="4551"/>
+                </a:lnTo>
+                <a:lnTo>
+                  <a:pt x="12239" y="4454"/>
+                </a:lnTo>
+                <a:lnTo>
+                  <a:pt x="12166" y="4356"/>
+                </a:lnTo>
+                <a:lnTo>
+                  <a:pt x="12166" y="3797"/>
+                </a:lnTo>
+                <a:lnTo>
+                  <a:pt x="12142" y="3237"/>
+                </a:lnTo>
+                <a:lnTo>
+                  <a:pt x="12093" y="2969"/>
+                </a:lnTo>
+                <a:lnTo>
+                  <a:pt x="12044" y="2677"/>
+                </a:lnTo>
+                <a:lnTo>
+                  <a:pt x="11971" y="2410"/>
+                </a:lnTo>
+                <a:lnTo>
+                  <a:pt x="11899" y="2142"/>
+                </a:lnTo>
+                <a:lnTo>
+                  <a:pt x="11801" y="1874"/>
+                </a:lnTo>
+                <a:lnTo>
+                  <a:pt x="11680" y="1631"/>
+                </a:lnTo>
+                <a:lnTo>
+                  <a:pt x="11534" y="1412"/>
+                </a:lnTo>
+                <a:lnTo>
+                  <a:pt x="11363" y="1193"/>
+                </a:lnTo>
+                <a:lnTo>
+                  <a:pt x="11193" y="974"/>
+                </a:lnTo>
+                <a:lnTo>
+                  <a:pt x="10974" y="804"/>
+                </a:lnTo>
+                <a:lnTo>
+                  <a:pt x="10755" y="634"/>
+                </a:lnTo>
+                <a:lnTo>
+                  <a:pt x="10487" y="488"/>
+                </a:lnTo>
+                <a:lnTo>
+                  <a:pt x="10171" y="342"/>
+                </a:lnTo>
+                <a:lnTo>
+                  <a:pt x="9782" y="220"/>
+                </a:lnTo>
+                <a:lnTo>
+                  <a:pt x="9417" y="123"/>
+                </a:lnTo>
+                <a:lnTo>
+                  <a:pt x="9003" y="50"/>
+                </a:lnTo>
+                <a:lnTo>
+                  <a:pt x="8589" y="25"/>
+                </a:lnTo>
+                <a:lnTo>
+                  <a:pt x="8200" y="1"/>
+                </a:lnTo>
+                <a:close/>
+              </a:path>
+            </a:pathLst>
+          </a:custGeom>
+          <a:solidFill>
+            <a:srgbClr val="FFFFFF"/>
+          </a:solidFill>
+          <a:ln>
+            <a:noFill/>
+          </a:ln>
+        </p:spPr>
+        <p:txBody>
+          <a:bodyPr lIns="91425" tIns="91425" rIns="91425" bIns="91425" anchor="ctr" anchorCtr="0">
+            <a:noAutofit/>
+          </a:bodyPr>
+          <a:lstStyle/>
+          <a:p>
+            <a:pPr lvl="0">
+              <a:spcBef>
+                <a:spcPts val="0"/>
+              </a:spcBef>
+              <a:buNone/>
+            </a:pPr>
+            <a:endParaRPr/>
+          </a:p>
+        </p:txBody>
+      </p:sp>
+      <p:pic>
+        <p:nvPicPr>
+          <p:cNvPr id="3" name="圖片 2"/>
+          <p:cNvPicPr>
+            <a:picLocks noChangeAspect="1"/>
+          </p:cNvPicPr>
+          <p:nvPr/>
+        </p:nvPicPr>
+        <p:blipFill>
           <a:blip r:embed="rId3"/>
           <a:stretch>
             <a:fillRect/>
@@ -51338,7 +57894,7 @@
 </p:sld>
 </file>
 
-<file path=ppt/slides/slide8.xml><?xml version="1.0" encoding="utf-8"?>
+<file path=ppt/slides/slide9.xml><?xml version="1.0" encoding="utf-8"?>
 <p:sld xmlns:a="http://schemas.openxmlformats.org/drawingml/2006/main" xmlns:r="http://schemas.openxmlformats.org/officeDocument/2006/relationships" xmlns:p="http://schemas.openxmlformats.org/presentationml/2006/main">
   <p:cSld>
     <p:spTree>
@@ -54567,3225 +61123,6 @@
     <p:extLst>
       <p:ext uri="{BB962C8B-B14F-4D97-AF65-F5344CB8AC3E}">
         <p14:creationId xmlns:p14="http://schemas.microsoft.com/office/powerpoint/2010/main" val="1118576899"/>
-      </p:ext>
-    </p:extLst>
-  </p:cSld>
-  <p:clrMapOvr>
-    <a:masterClrMapping/>
-  </p:clrMapOvr>
-</p:sld>
-</file>
-
-<file path=ppt/slides/slide9.xml><?xml version="1.0" encoding="utf-8"?>
-<p:sld xmlns:a="http://schemas.openxmlformats.org/drawingml/2006/main" xmlns:r="http://schemas.openxmlformats.org/officeDocument/2006/relationships" xmlns:p="http://schemas.openxmlformats.org/presentationml/2006/main">
-  <p:cSld>
-    <p:spTree>
-      <p:nvGrpSpPr>
-        <p:cNvPr id="1" name="Shape 61"/>
-        <p:cNvGrpSpPr/>
-        <p:nvPr/>
-      </p:nvGrpSpPr>
-      <p:grpSpPr>
-        <a:xfrm>
-          <a:off x="0" y="0"/>
-          <a:ext cx="0" cy="0"/>
-          <a:chOff x="0" y="0"/>
-          <a:chExt cx="0" cy="0"/>
-        </a:xfrm>
-      </p:grpSpPr>
-      <p:sp>
-        <p:nvSpPr>
-          <p:cNvPr id="65" name="Shape 65"/>
-          <p:cNvSpPr/>
-          <p:nvPr/>
-        </p:nvSpPr>
-        <p:spPr>
-          <a:xfrm>
-            <a:off x="4249880" y="630378"/>
-            <a:ext cx="602256" cy="637792"/>
-          </a:xfrm>
-          <a:custGeom>
-            <a:avLst/>
-            <a:gdLst/>
-            <a:ahLst/>
-            <a:cxnLst/>
-            <a:rect l="0" t="0" r="0" b="0"/>
-            <a:pathLst>
-              <a:path w="15695" h="16620" extrusionOk="0">
-                <a:moveTo>
-                  <a:pt x="7786" y="755"/>
-                </a:moveTo>
-                <a:lnTo>
-                  <a:pt x="7567" y="780"/>
-                </a:lnTo>
-                <a:lnTo>
-                  <a:pt x="7324" y="804"/>
-                </a:lnTo>
-                <a:lnTo>
-                  <a:pt x="7105" y="877"/>
-                </a:lnTo>
-                <a:lnTo>
-                  <a:pt x="6910" y="999"/>
-                </a:lnTo>
-                <a:lnTo>
-                  <a:pt x="6813" y="1072"/>
-                </a:lnTo>
-                <a:lnTo>
-                  <a:pt x="6740" y="1145"/>
-                </a:lnTo>
-                <a:lnTo>
-                  <a:pt x="6691" y="1242"/>
-                </a:lnTo>
-                <a:lnTo>
-                  <a:pt x="6643" y="1364"/>
-                </a:lnTo>
-                <a:lnTo>
-                  <a:pt x="6667" y="1388"/>
-                </a:lnTo>
-                <a:lnTo>
-                  <a:pt x="6691" y="1412"/>
-                </a:lnTo>
-                <a:lnTo>
-                  <a:pt x="6740" y="1388"/>
-                </a:lnTo>
-                <a:lnTo>
-                  <a:pt x="6764" y="1412"/>
-                </a:lnTo>
-                <a:lnTo>
-                  <a:pt x="6716" y="1461"/>
-                </a:lnTo>
-                <a:lnTo>
-                  <a:pt x="6691" y="1510"/>
-                </a:lnTo>
-                <a:lnTo>
-                  <a:pt x="6691" y="1680"/>
-                </a:lnTo>
-                <a:lnTo>
-                  <a:pt x="6716" y="1826"/>
-                </a:lnTo>
-                <a:lnTo>
-                  <a:pt x="6764" y="1996"/>
-                </a:lnTo>
-                <a:lnTo>
-                  <a:pt x="6813" y="2166"/>
-                </a:lnTo>
-                <a:lnTo>
-                  <a:pt x="6886" y="2312"/>
-                </a:lnTo>
-                <a:lnTo>
-                  <a:pt x="7008" y="2434"/>
-                </a:lnTo>
-                <a:lnTo>
-                  <a:pt x="7129" y="2556"/>
-                </a:lnTo>
-                <a:lnTo>
-                  <a:pt x="7251" y="2629"/>
-                </a:lnTo>
-                <a:lnTo>
-                  <a:pt x="7300" y="2629"/>
-                </a:lnTo>
-                <a:lnTo>
-                  <a:pt x="7324" y="2604"/>
-                </a:lnTo>
-                <a:lnTo>
-                  <a:pt x="7324" y="2580"/>
-                </a:lnTo>
-                <a:lnTo>
-                  <a:pt x="7324" y="2556"/>
-                </a:lnTo>
-                <a:lnTo>
-                  <a:pt x="7056" y="2069"/>
-                </a:lnTo>
-                <a:lnTo>
-                  <a:pt x="6983" y="1826"/>
-                </a:lnTo>
-                <a:lnTo>
-                  <a:pt x="6910" y="1583"/>
-                </a:lnTo>
-                <a:lnTo>
-                  <a:pt x="7202" y="1874"/>
-                </a:lnTo>
-                <a:lnTo>
-                  <a:pt x="7543" y="2142"/>
-                </a:lnTo>
-                <a:lnTo>
-                  <a:pt x="7884" y="2385"/>
-                </a:lnTo>
-                <a:lnTo>
-                  <a:pt x="8273" y="2580"/>
-                </a:lnTo>
-                <a:lnTo>
-                  <a:pt x="8468" y="2677"/>
-                </a:lnTo>
-                <a:lnTo>
-                  <a:pt x="8662" y="2726"/>
-                </a:lnTo>
-                <a:lnTo>
-                  <a:pt x="8857" y="2775"/>
-                </a:lnTo>
-                <a:lnTo>
-                  <a:pt x="9076" y="2823"/>
-                </a:lnTo>
-                <a:lnTo>
-                  <a:pt x="9490" y="2823"/>
-                </a:lnTo>
-                <a:lnTo>
-                  <a:pt x="9709" y="2799"/>
-                </a:lnTo>
-                <a:lnTo>
-                  <a:pt x="9928" y="2750"/>
-                </a:lnTo>
-                <a:lnTo>
-                  <a:pt x="9952" y="2726"/>
-                </a:lnTo>
-                <a:lnTo>
-                  <a:pt x="9976" y="2677"/>
-                </a:lnTo>
-                <a:lnTo>
-                  <a:pt x="9952" y="2629"/>
-                </a:lnTo>
-                <a:lnTo>
-                  <a:pt x="9928" y="2604"/>
-                </a:lnTo>
-                <a:lnTo>
-                  <a:pt x="9538" y="2531"/>
-                </a:lnTo>
-                <a:lnTo>
-                  <a:pt x="9173" y="2458"/>
-                </a:lnTo>
-                <a:lnTo>
-                  <a:pt x="8784" y="2410"/>
-                </a:lnTo>
-                <a:lnTo>
-                  <a:pt x="8419" y="2312"/>
-                </a:lnTo>
-                <a:lnTo>
-                  <a:pt x="8224" y="2239"/>
-                </a:lnTo>
-                <a:lnTo>
-                  <a:pt x="8054" y="2142"/>
-                </a:lnTo>
-                <a:lnTo>
-                  <a:pt x="7689" y="1947"/>
-                </a:lnTo>
-                <a:lnTo>
-                  <a:pt x="7348" y="1728"/>
-                </a:lnTo>
-                <a:lnTo>
-                  <a:pt x="7008" y="1510"/>
-                </a:lnTo>
-                <a:lnTo>
-                  <a:pt x="7251" y="1583"/>
-                </a:lnTo>
-                <a:lnTo>
-                  <a:pt x="7494" y="1631"/>
-                </a:lnTo>
-                <a:lnTo>
-                  <a:pt x="7981" y="1753"/>
-                </a:lnTo>
-                <a:lnTo>
-                  <a:pt x="8297" y="1826"/>
-                </a:lnTo>
-                <a:lnTo>
-                  <a:pt x="8638" y="1923"/>
-                </a:lnTo>
-                <a:lnTo>
-                  <a:pt x="8954" y="1947"/>
-                </a:lnTo>
-                <a:lnTo>
-                  <a:pt x="9125" y="1947"/>
-                </a:lnTo>
-                <a:lnTo>
-                  <a:pt x="9295" y="1923"/>
-                </a:lnTo>
-                <a:lnTo>
-                  <a:pt x="9344" y="1899"/>
-                </a:lnTo>
-                <a:lnTo>
-                  <a:pt x="9344" y="1850"/>
-                </a:lnTo>
-                <a:lnTo>
-                  <a:pt x="9344" y="1826"/>
-                </a:lnTo>
-                <a:lnTo>
-                  <a:pt x="9319" y="1777"/>
-                </a:lnTo>
-                <a:lnTo>
-                  <a:pt x="9027" y="1655"/>
-                </a:lnTo>
-                <a:lnTo>
-                  <a:pt x="8711" y="1558"/>
-                </a:lnTo>
-                <a:lnTo>
-                  <a:pt x="8078" y="1437"/>
-                </a:lnTo>
-                <a:lnTo>
-                  <a:pt x="7567" y="1315"/>
-                </a:lnTo>
-                <a:lnTo>
-                  <a:pt x="7300" y="1266"/>
-                </a:lnTo>
-                <a:lnTo>
-                  <a:pt x="7032" y="1266"/>
-                </a:lnTo>
-                <a:lnTo>
-                  <a:pt x="7251" y="1145"/>
-                </a:lnTo>
-                <a:lnTo>
-                  <a:pt x="7470" y="1072"/>
-                </a:lnTo>
-                <a:lnTo>
-                  <a:pt x="7738" y="1047"/>
-                </a:lnTo>
-                <a:lnTo>
-                  <a:pt x="8005" y="1072"/>
-                </a:lnTo>
-                <a:lnTo>
-                  <a:pt x="8273" y="1120"/>
-                </a:lnTo>
-                <a:lnTo>
-                  <a:pt x="8541" y="1193"/>
-                </a:lnTo>
-                <a:lnTo>
-                  <a:pt x="8760" y="1266"/>
-                </a:lnTo>
-                <a:lnTo>
-                  <a:pt x="8954" y="1339"/>
-                </a:lnTo>
-                <a:lnTo>
-                  <a:pt x="9368" y="1558"/>
-                </a:lnTo>
-                <a:lnTo>
-                  <a:pt x="9806" y="1753"/>
-                </a:lnTo>
-                <a:lnTo>
-                  <a:pt x="10001" y="1826"/>
-                </a:lnTo>
-                <a:lnTo>
-                  <a:pt x="10220" y="1874"/>
-                </a:lnTo>
-                <a:lnTo>
-                  <a:pt x="10268" y="1850"/>
-                </a:lnTo>
-                <a:lnTo>
-                  <a:pt x="10293" y="1826"/>
-                </a:lnTo>
-                <a:lnTo>
-                  <a:pt x="10317" y="1801"/>
-                </a:lnTo>
-                <a:lnTo>
-                  <a:pt x="10293" y="1753"/>
-                </a:lnTo>
-                <a:lnTo>
-                  <a:pt x="10098" y="1558"/>
-                </a:lnTo>
-                <a:lnTo>
-                  <a:pt x="9879" y="1388"/>
-                </a:lnTo>
-                <a:lnTo>
-                  <a:pt x="9611" y="1242"/>
-                </a:lnTo>
-                <a:lnTo>
-                  <a:pt x="9344" y="1120"/>
-                </a:lnTo>
-                <a:lnTo>
-                  <a:pt x="9052" y="1023"/>
-                </a:lnTo>
-                <a:lnTo>
-                  <a:pt x="8760" y="926"/>
-                </a:lnTo>
-                <a:lnTo>
-                  <a:pt x="8224" y="804"/>
-                </a:lnTo>
-                <a:lnTo>
-                  <a:pt x="8030" y="755"/>
-                </a:lnTo>
-                <a:close/>
-                <a:moveTo>
-                  <a:pt x="5888" y="1996"/>
-                </a:moveTo>
-                <a:lnTo>
-                  <a:pt x="5864" y="2020"/>
-                </a:lnTo>
-                <a:lnTo>
-                  <a:pt x="5694" y="2142"/>
-                </a:lnTo>
-                <a:lnTo>
-                  <a:pt x="5523" y="2264"/>
-                </a:lnTo>
-                <a:lnTo>
-                  <a:pt x="5207" y="2556"/>
-                </a:lnTo>
-                <a:lnTo>
-                  <a:pt x="4891" y="2823"/>
-                </a:lnTo>
-                <a:lnTo>
-                  <a:pt x="4745" y="2969"/>
-                </a:lnTo>
-                <a:lnTo>
-                  <a:pt x="4623" y="3140"/>
-                </a:lnTo>
-                <a:lnTo>
-                  <a:pt x="4623" y="3188"/>
-                </a:lnTo>
-                <a:lnTo>
-                  <a:pt x="4647" y="3213"/>
-                </a:lnTo>
-                <a:lnTo>
-                  <a:pt x="4842" y="3115"/>
-                </a:lnTo>
-                <a:lnTo>
-                  <a:pt x="4988" y="3018"/>
-                </a:lnTo>
-                <a:lnTo>
-                  <a:pt x="5280" y="2775"/>
-                </a:lnTo>
-                <a:lnTo>
-                  <a:pt x="5645" y="2458"/>
-                </a:lnTo>
-                <a:lnTo>
-                  <a:pt x="5986" y="2166"/>
-                </a:lnTo>
-                <a:lnTo>
-                  <a:pt x="6010" y="2093"/>
-                </a:lnTo>
-                <a:lnTo>
-                  <a:pt x="5986" y="2045"/>
-                </a:lnTo>
-                <a:lnTo>
-                  <a:pt x="5937" y="1996"/>
-                </a:lnTo>
-                <a:close/>
-                <a:moveTo>
-                  <a:pt x="6107" y="5622"/>
-                </a:moveTo>
-                <a:lnTo>
-                  <a:pt x="6059" y="5646"/>
-                </a:lnTo>
-                <a:lnTo>
-                  <a:pt x="6010" y="5670"/>
-                </a:lnTo>
-                <a:lnTo>
-                  <a:pt x="5961" y="5719"/>
-                </a:lnTo>
-                <a:lnTo>
-                  <a:pt x="5888" y="5768"/>
-                </a:lnTo>
-                <a:lnTo>
-                  <a:pt x="5815" y="5816"/>
-                </a:lnTo>
-                <a:lnTo>
-                  <a:pt x="5767" y="5889"/>
-                </a:lnTo>
-                <a:lnTo>
-                  <a:pt x="5718" y="5987"/>
-                </a:lnTo>
-                <a:lnTo>
-                  <a:pt x="5669" y="6157"/>
-                </a:lnTo>
-                <a:lnTo>
-                  <a:pt x="5669" y="6327"/>
-                </a:lnTo>
-                <a:lnTo>
-                  <a:pt x="5669" y="6425"/>
-                </a:lnTo>
-                <a:lnTo>
-                  <a:pt x="5718" y="6546"/>
-                </a:lnTo>
-                <a:lnTo>
-                  <a:pt x="5767" y="6644"/>
-                </a:lnTo>
-                <a:lnTo>
-                  <a:pt x="5815" y="6717"/>
-                </a:lnTo>
-                <a:lnTo>
-                  <a:pt x="5888" y="6790"/>
-                </a:lnTo>
-                <a:lnTo>
-                  <a:pt x="5986" y="6863"/>
-                </a:lnTo>
-                <a:lnTo>
-                  <a:pt x="6083" y="6911"/>
-                </a:lnTo>
-                <a:lnTo>
-                  <a:pt x="6180" y="6936"/>
-                </a:lnTo>
-                <a:lnTo>
-                  <a:pt x="6326" y="6936"/>
-                </a:lnTo>
-                <a:lnTo>
-                  <a:pt x="6399" y="6911"/>
-                </a:lnTo>
-                <a:lnTo>
-                  <a:pt x="6448" y="6863"/>
-                </a:lnTo>
-                <a:lnTo>
-                  <a:pt x="6570" y="6717"/>
-                </a:lnTo>
-                <a:lnTo>
-                  <a:pt x="6643" y="6546"/>
-                </a:lnTo>
-                <a:lnTo>
-                  <a:pt x="6667" y="6352"/>
-                </a:lnTo>
-                <a:lnTo>
-                  <a:pt x="6667" y="6157"/>
-                </a:lnTo>
-                <a:lnTo>
-                  <a:pt x="6618" y="5962"/>
-                </a:lnTo>
-                <a:lnTo>
-                  <a:pt x="6594" y="5889"/>
-                </a:lnTo>
-                <a:lnTo>
-                  <a:pt x="6521" y="5792"/>
-                </a:lnTo>
-                <a:lnTo>
-                  <a:pt x="6472" y="5719"/>
-                </a:lnTo>
-                <a:lnTo>
-                  <a:pt x="6375" y="5670"/>
-                </a:lnTo>
-                <a:lnTo>
-                  <a:pt x="6302" y="5622"/>
-                </a:lnTo>
-                <a:close/>
-                <a:moveTo>
-                  <a:pt x="9368" y="5622"/>
-                </a:moveTo>
-                <a:lnTo>
-                  <a:pt x="9319" y="5646"/>
-                </a:lnTo>
-                <a:lnTo>
-                  <a:pt x="9271" y="5670"/>
-                </a:lnTo>
-                <a:lnTo>
-                  <a:pt x="9222" y="5719"/>
-                </a:lnTo>
-                <a:lnTo>
-                  <a:pt x="9149" y="5768"/>
-                </a:lnTo>
-                <a:lnTo>
-                  <a:pt x="9076" y="5816"/>
-                </a:lnTo>
-                <a:lnTo>
-                  <a:pt x="9027" y="5889"/>
-                </a:lnTo>
-                <a:lnTo>
-                  <a:pt x="8979" y="5987"/>
-                </a:lnTo>
-                <a:lnTo>
-                  <a:pt x="8930" y="6157"/>
-                </a:lnTo>
-                <a:lnTo>
-                  <a:pt x="8930" y="6327"/>
-                </a:lnTo>
-                <a:lnTo>
-                  <a:pt x="8930" y="6425"/>
-                </a:lnTo>
-                <a:lnTo>
-                  <a:pt x="8979" y="6546"/>
-                </a:lnTo>
-                <a:lnTo>
-                  <a:pt x="9027" y="6644"/>
-                </a:lnTo>
-                <a:lnTo>
-                  <a:pt x="9076" y="6717"/>
-                </a:lnTo>
-                <a:lnTo>
-                  <a:pt x="9149" y="6790"/>
-                </a:lnTo>
-                <a:lnTo>
-                  <a:pt x="9246" y="6863"/>
-                </a:lnTo>
-                <a:lnTo>
-                  <a:pt x="9344" y="6911"/>
-                </a:lnTo>
-                <a:lnTo>
-                  <a:pt x="9441" y="6936"/>
-                </a:lnTo>
-                <a:lnTo>
-                  <a:pt x="9587" y="6936"/>
-                </a:lnTo>
-                <a:lnTo>
-                  <a:pt x="9660" y="6911"/>
-                </a:lnTo>
-                <a:lnTo>
-                  <a:pt x="9709" y="6863"/>
-                </a:lnTo>
-                <a:lnTo>
-                  <a:pt x="9830" y="6717"/>
-                </a:lnTo>
-                <a:lnTo>
-                  <a:pt x="9903" y="6546"/>
-                </a:lnTo>
-                <a:lnTo>
-                  <a:pt x="9928" y="6352"/>
-                </a:lnTo>
-                <a:lnTo>
-                  <a:pt x="9928" y="6157"/>
-                </a:lnTo>
-                <a:lnTo>
-                  <a:pt x="9879" y="5962"/>
-                </a:lnTo>
-                <a:lnTo>
-                  <a:pt x="9855" y="5889"/>
-                </a:lnTo>
-                <a:lnTo>
-                  <a:pt x="9782" y="5792"/>
-                </a:lnTo>
-                <a:lnTo>
-                  <a:pt x="9733" y="5719"/>
-                </a:lnTo>
-                <a:lnTo>
-                  <a:pt x="9636" y="5670"/>
-                </a:lnTo>
-                <a:lnTo>
-                  <a:pt x="9563" y="5622"/>
-                </a:lnTo>
-                <a:close/>
-                <a:moveTo>
-                  <a:pt x="7786" y="6765"/>
-                </a:moveTo>
-                <a:lnTo>
-                  <a:pt x="7738" y="6814"/>
-                </a:lnTo>
-                <a:lnTo>
-                  <a:pt x="7713" y="6863"/>
-                </a:lnTo>
-                <a:lnTo>
-                  <a:pt x="7713" y="7082"/>
-                </a:lnTo>
-                <a:lnTo>
-                  <a:pt x="7738" y="7301"/>
-                </a:lnTo>
-                <a:lnTo>
-                  <a:pt x="7738" y="7520"/>
-                </a:lnTo>
-                <a:lnTo>
-                  <a:pt x="7762" y="7739"/>
-                </a:lnTo>
-                <a:lnTo>
-                  <a:pt x="7786" y="7787"/>
-                </a:lnTo>
-                <a:lnTo>
-                  <a:pt x="7811" y="7812"/>
-                </a:lnTo>
-                <a:lnTo>
-                  <a:pt x="7908" y="7860"/>
-                </a:lnTo>
-                <a:lnTo>
-                  <a:pt x="7957" y="7836"/>
-                </a:lnTo>
-                <a:lnTo>
-                  <a:pt x="8005" y="7836"/>
-                </a:lnTo>
-                <a:lnTo>
-                  <a:pt x="8030" y="7787"/>
-                </a:lnTo>
-                <a:lnTo>
-                  <a:pt x="8054" y="7739"/>
-                </a:lnTo>
-                <a:lnTo>
-                  <a:pt x="8054" y="7641"/>
-                </a:lnTo>
-                <a:lnTo>
-                  <a:pt x="8054" y="7520"/>
-                </a:lnTo>
-                <a:lnTo>
-                  <a:pt x="8030" y="7301"/>
-                </a:lnTo>
-                <a:lnTo>
-                  <a:pt x="7981" y="7057"/>
-                </a:lnTo>
-                <a:lnTo>
-                  <a:pt x="7957" y="6936"/>
-                </a:lnTo>
-                <a:lnTo>
-                  <a:pt x="7884" y="6814"/>
-                </a:lnTo>
-                <a:lnTo>
-                  <a:pt x="7835" y="6765"/>
-                </a:lnTo>
-                <a:close/>
-                <a:moveTo>
-                  <a:pt x="8589" y="8274"/>
-                </a:moveTo>
-                <a:lnTo>
-                  <a:pt x="8249" y="8371"/>
-                </a:lnTo>
-                <a:lnTo>
-                  <a:pt x="7932" y="8444"/>
-                </a:lnTo>
-                <a:lnTo>
-                  <a:pt x="7592" y="8469"/>
-                </a:lnTo>
-                <a:lnTo>
-                  <a:pt x="7421" y="8469"/>
-                </a:lnTo>
-                <a:lnTo>
-                  <a:pt x="7251" y="8444"/>
-                </a:lnTo>
-                <a:lnTo>
-                  <a:pt x="7202" y="8469"/>
-                </a:lnTo>
-                <a:lnTo>
-                  <a:pt x="7178" y="8469"/>
-                </a:lnTo>
-                <a:lnTo>
-                  <a:pt x="7154" y="8517"/>
-                </a:lnTo>
-                <a:lnTo>
-                  <a:pt x="7178" y="8542"/>
-                </a:lnTo>
-                <a:lnTo>
-                  <a:pt x="7227" y="8639"/>
-                </a:lnTo>
-                <a:lnTo>
-                  <a:pt x="7300" y="8688"/>
-                </a:lnTo>
-                <a:lnTo>
-                  <a:pt x="7373" y="8761"/>
-                </a:lnTo>
-                <a:lnTo>
-                  <a:pt x="7470" y="8785"/>
-                </a:lnTo>
-                <a:lnTo>
-                  <a:pt x="7665" y="8834"/>
-                </a:lnTo>
-                <a:lnTo>
-                  <a:pt x="7908" y="8834"/>
-                </a:lnTo>
-                <a:lnTo>
-                  <a:pt x="8127" y="8809"/>
-                </a:lnTo>
-                <a:lnTo>
-                  <a:pt x="8370" y="8761"/>
-                </a:lnTo>
-                <a:lnTo>
-                  <a:pt x="8565" y="8712"/>
-                </a:lnTo>
-                <a:lnTo>
-                  <a:pt x="8735" y="8639"/>
-                </a:lnTo>
-                <a:lnTo>
-                  <a:pt x="8808" y="8590"/>
-                </a:lnTo>
-                <a:lnTo>
-                  <a:pt x="8833" y="8542"/>
-                </a:lnTo>
-                <a:lnTo>
-                  <a:pt x="8833" y="8469"/>
-                </a:lnTo>
-                <a:lnTo>
-                  <a:pt x="8833" y="8396"/>
-                </a:lnTo>
-                <a:lnTo>
-                  <a:pt x="8784" y="8347"/>
-                </a:lnTo>
-                <a:lnTo>
-                  <a:pt x="8735" y="8298"/>
-                </a:lnTo>
-                <a:lnTo>
-                  <a:pt x="8662" y="8274"/>
-                </a:lnTo>
-                <a:close/>
-                <a:moveTo>
-                  <a:pt x="6618" y="9928"/>
-                </a:moveTo>
-                <a:lnTo>
-                  <a:pt x="6862" y="10026"/>
-                </a:lnTo>
-                <a:lnTo>
-                  <a:pt x="7105" y="10099"/>
-                </a:lnTo>
-                <a:lnTo>
-                  <a:pt x="7373" y="10172"/>
-                </a:lnTo>
-                <a:lnTo>
-                  <a:pt x="7616" y="10220"/>
-                </a:lnTo>
-                <a:lnTo>
-                  <a:pt x="7859" y="10245"/>
-                </a:lnTo>
-                <a:lnTo>
-                  <a:pt x="8127" y="10269"/>
-                </a:lnTo>
-                <a:lnTo>
-                  <a:pt x="8370" y="10245"/>
-                </a:lnTo>
-                <a:lnTo>
-                  <a:pt x="8614" y="10220"/>
-                </a:lnTo>
-                <a:lnTo>
-                  <a:pt x="8833" y="10172"/>
-                </a:lnTo>
-                <a:lnTo>
-                  <a:pt x="9052" y="10123"/>
-                </a:lnTo>
-                <a:lnTo>
-                  <a:pt x="9027" y="10366"/>
-                </a:lnTo>
-                <a:lnTo>
-                  <a:pt x="8735" y="10391"/>
-                </a:lnTo>
-                <a:lnTo>
-                  <a:pt x="8443" y="10415"/>
-                </a:lnTo>
-                <a:lnTo>
-                  <a:pt x="8419" y="10415"/>
-                </a:lnTo>
-                <a:lnTo>
-                  <a:pt x="8151" y="10391"/>
-                </a:lnTo>
-                <a:lnTo>
-                  <a:pt x="8005" y="10391"/>
-                </a:lnTo>
-                <a:lnTo>
-                  <a:pt x="7859" y="10415"/>
-                </a:lnTo>
-                <a:lnTo>
-                  <a:pt x="7859" y="10439"/>
-                </a:lnTo>
-                <a:lnTo>
-                  <a:pt x="7835" y="10464"/>
-                </a:lnTo>
-                <a:lnTo>
-                  <a:pt x="7835" y="10512"/>
-                </a:lnTo>
-                <a:lnTo>
-                  <a:pt x="7884" y="10585"/>
-                </a:lnTo>
-                <a:lnTo>
-                  <a:pt x="7932" y="10610"/>
-                </a:lnTo>
-                <a:lnTo>
-                  <a:pt x="8078" y="10683"/>
-                </a:lnTo>
-                <a:lnTo>
-                  <a:pt x="8224" y="10707"/>
-                </a:lnTo>
-                <a:lnTo>
-                  <a:pt x="8346" y="10731"/>
-                </a:lnTo>
-                <a:lnTo>
-                  <a:pt x="8687" y="10731"/>
-                </a:lnTo>
-                <a:lnTo>
-                  <a:pt x="8857" y="10707"/>
-                </a:lnTo>
-                <a:lnTo>
-                  <a:pt x="9027" y="10683"/>
-                </a:lnTo>
-                <a:lnTo>
-                  <a:pt x="9027" y="10804"/>
-                </a:lnTo>
-                <a:lnTo>
-                  <a:pt x="8687" y="10853"/>
-                </a:lnTo>
-                <a:lnTo>
-                  <a:pt x="8541" y="10877"/>
-                </a:lnTo>
-                <a:lnTo>
-                  <a:pt x="8370" y="10902"/>
-                </a:lnTo>
-                <a:lnTo>
-                  <a:pt x="7932" y="10902"/>
-                </a:lnTo>
-                <a:lnTo>
-                  <a:pt x="7786" y="10950"/>
-                </a:lnTo>
-                <a:lnTo>
-                  <a:pt x="7762" y="10999"/>
-                </a:lnTo>
-                <a:lnTo>
-                  <a:pt x="7786" y="11023"/>
-                </a:lnTo>
-                <a:lnTo>
-                  <a:pt x="7884" y="11121"/>
-                </a:lnTo>
-                <a:lnTo>
-                  <a:pt x="8030" y="11194"/>
-                </a:lnTo>
-                <a:lnTo>
-                  <a:pt x="8200" y="11242"/>
-                </a:lnTo>
-                <a:lnTo>
-                  <a:pt x="8589" y="11242"/>
-                </a:lnTo>
-                <a:lnTo>
-                  <a:pt x="8760" y="11218"/>
-                </a:lnTo>
-                <a:lnTo>
-                  <a:pt x="8930" y="11194"/>
-                </a:lnTo>
-                <a:lnTo>
-                  <a:pt x="9076" y="11121"/>
-                </a:lnTo>
-                <a:lnTo>
-                  <a:pt x="9125" y="11218"/>
-                </a:lnTo>
-                <a:lnTo>
-                  <a:pt x="8954" y="11291"/>
-                </a:lnTo>
-                <a:lnTo>
-                  <a:pt x="8760" y="11340"/>
-                </a:lnTo>
-                <a:lnTo>
-                  <a:pt x="8151" y="11461"/>
-                </a:lnTo>
-                <a:lnTo>
-                  <a:pt x="8127" y="11461"/>
-                </a:lnTo>
-                <a:lnTo>
-                  <a:pt x="8127" y="11486"/>
-                </a:lnTo>
-                <a:lnTo>
-                  <a:pt x="8151" y="11510"/>
-                </a:lnTo>
-                <a:lnTo>
-                  <a:pt x="8346" y="11583"/>
-                </a:lnTo>
-                <a:lnTo>
-                  <a:pt x="8589" y="11607"/>
-                </a:lnTo>
-                <a:lnTo>
-                  <a:pt x="8370" y="11656"/>
-                </a:lnTo>
-                <a:lnTo>
-                  <a:pt x="8151" y="11680"/>
-                </a:lnTo>
-                <a:lnTo>
-                  <a:pt x="7932" y="11680"/>
-                </a:lnTo>
-                <a:lnTo>
-                  <a:pt x="7713" y="11656"/>
-                </a:lnTo>
-                <a:lnTo>
-                  <a:pt x="7421" y="11632"/>
-                </a:lnTo>
-                <a:lnTo>
-                  <a:pt x="7129" y="11559"/>
-                </a:lnTo>
-                <a:lnTo>
-                  <a:pt x="6862" y="11461"/>
-                </a:lnTo>
-                <a:lnTo>
-                  <a:pt x="6740" y="11388"/>
-                </a:lnTo>
-                <a:lnTo>
-                  <a:pt x="6618" y="11291"/>
-                </a:lnTo>
-                <a:lnTo>
-                  <a:pt x="6594" y="11242"/>
-                </a:lnTo>
-                <a:lnTo>
-                  <a:pt x="6667" y="11194"/>
-                </a:lnTo>
-                <a:lnTo>
-                  <a:pt x="6716" y="11121"/>
-                </a:lnTo>
-                <a:lnTo>
-                  <a:pt x="6716" y="11023"/>
-                </a:lnTo>
-                <a:lnTo>
-                  <a:pt x="6716" y="10950"/>
-                </a:lnTo>
-                <a:lnTo>
-                  <a:pt x="6667" y="10804"/>
-                </a:lnTo>
-                <a:lnTo>
-                  <a:pt x="6618" y="10610"/>
-                </a:lnTo>
-                <a:lnTo>
-                  <a:pt x="6594" y="10415"/>
-                </a:lnTo>
-                <a:lnTo>
-                  <a:pt x="6594" y="10245"/>
-                </a:lnTo>
-                <a:lnTo>
-                  <a:pt x="6618" y="10074"/>
-                </a:lnTo>
-                <a:lnTo>
-                  <a:pt x="6643" y="9977"/>
-                </a:lnTo>
-                <a:lnTo>
-                  <a:pt x="6643" y="9953"/>
-                </a:lnTo>
-                <a:lnTo>
-                  <a:pt x="6618" y="10001"/>
-                </a:lnTo>
-                <a:lnTo>
-                  <a:pt x="6618" y="9928"/>
-                </a:lnTo>
-                <a:close/>
-                <a:moveTo>
-                  <a:pt x="9636" y="11218"/>
-                </a:moveTo>
-                <a:lnTo>
-                  <a:pt x="9782" y="11291"/>
-                </a:lnTo>
-                <a:lnTo>
-                  <a:pt x="9928" y="11364"/>
-                </a:lnTo>
-                <a:lnTo>
-                  <a:pt x="9855" y="11510"/>
-                </a:lnTo>
-                <a:lnTo>
-                  <a:pt x="9757" y="11632"/>
-                </a:lnTo>
-                <a:lnTo>
-                  <a:pt x="9636" y="11778"/>
-                </a:lnTo>
-                <a:lnTo>
-                  <a:pt x="9514" y="11875"/>
-                </a:lnTo>
-                <a:lnTo>
-                  <a:pt x="9246" y="12070"/>
-                </a:lnTo>
-                <a:lnTo>
-                  <a:pt x="8930" y="12240"/>
-                </a:lnTo>
-                <a:lnTo>
-                  <a:pt x="8589" y="12362"/>
-                </a:lnTo>
-                <a:lnTo>
-                  <a:pt x="8249" y="12435"/>
-                </a:lnTo>
-                <a:lnTo>
-                  <a:pt x="7908" y="12483"/>
-                </a:lnTo>
-                <a:lnTo>
-                  <a:pt x="7592" y="12508"/>
-                </a:lnTo>
-                <a:lnTo>
-                  <a:pt x="7227" y="12508"/>
-                </a:lnTo>
-                <a:lnTo>
-                  <a:pt x="6886" y="12459"/>
-                </a:lnTo>
-                <a:lnTo>
-                  <a:pt x="6521" y="12362"/>
-                </a:lnTo>
-                <a:lnTo>
-                  <a:pt x="6375" y="12289"/>
-                </a:lnTo>
-                <a:lnTo>
-                  <a:pt x="6205" y="12216"/>
-                </a:lnTo>
-                <a:lnTo>
-                  <a:pt x="6083" y="12118"/>
-                </a:lnTo>
-                <a:lnTo>
-                  <a:pt x="5986" y="12021"/>
-                </a:lnTo>
-                <a:lnTo>
-                  <a:pt x="5888" y="11924"/>
-                </a:lnTo>
-                <a:lnTo>
-                  <a:pt x="5815" y="11826"/>
-                </a:lnTo>
-                <a:lnTo>
-                  <a:pt x="5694" y="11583"/>
-                </a:lnTo>
-                <a:lnTo>
-                  <a:pt x="5572" y="11315"/>
-                </a:lnTo>
-                <a:lnTo>
-                  <a:pt x="5645" y="11291"/>
-                </a:lnTo>
-                <a:lnTo>
-                  <a:pt x="5840" y="11267"/>
-                </a:lnTo>
-                <a:lnTo>
-                  <a:pt x="6107" y="11242"/>
-                </a:lnTo>
-                <a:lnTo>
-                  <a:pt x="6180" y="11364"/>
-                </a:lnTo>
-                <a:lnTo>
-                  <a:pt x="6278" y="11486"/>
-                </a:lnTo>
-                <a:lnTo>
-                  <a:pt x="6448" y="11656"/>
-                </a:lnTo>
-                <a:lnTo>
-                  <a:pt x="6594" y="11753"/>
-                </a:lnTo>
-                <a:lnTo>
-                  <a:pt x="6764" y="11851"/>
-                </a:lnTo>
-                <a:lnTo>
-                  <a:pt x="7105" y="11972"/>
-                </a:lnTo>
-                <a:lnTo>
-                  <a:pt x="7446" y="12045"/>
-                </a:lnTo>
-                <a:lnTo>
-                  <a:pt x="7811" y="12094"/>
-                </a:lnTo>
-                <a:lnTo>
-                  <a:pt x="8151" y="12094"/>
-                </a:lnTo>
-                <a:lnTo>
-                  <a:pt x="8492" y="12070"/>
-                </a:lnTo>
-                <a:lnTo>
-                  <a:pt x="8833" y="11972"/>
-                </a:lnTo>
-                <a:lnTo>
-                  <a:pt x="9003" y="11924"/>
-                </a:lnTo>
-                <a:lnTo>
-                  <a:pt x="9173" y="11851"/>
-                </a:lnTo>
-                <a:lnTo>
-                  <a:pt x="9295" y="11753"/>
-                </a:lnTo>
-                <a:lnTo>
-                  <a:pt x="9441" y="11607"/>
-                </a:lnTo>
-                <a:lnTo>
-                  <a:pt x="9563" y="11461"/>
-                </a:lnTo>
-                <a:lnTo>
-                  <a:pt x="9587" y="11364"/>
-                </a:lnTo>
-                <a:lnTo>
-                  <a:pt x="9611" y="11291"/>
-                </a:lnTo>
-                <a:lnTo>
-                  <a:pt x="9636" y="11218"/>
-                </a:lnTo>
-                <a:close/>
-                <a:moveTo>
-                  <a:pt x="5231" y="11437"/>
-                </a:moveTo>
-                <a:lnTo>
-                  <a:pt x="5231" y="11583"/>
-                </a:lnTo>
-                <a:lnTo>
-                  <a:pt x="5280" y="11729"/>
-                </a:lnTo>
-                <a:lnTo>
-                  <a:pt x="5329" y="11875"/>
-                </a:lnTo>
-                <a:lnTo>
-                  <a:pt x="5402" y="12021"/>
-                </a:lnTo>
-                <a:lnTo>
-                  <a:pt x="5596" y="12264"/>
-                </a:lnTo>
-                <a:lnTo>
-                  <a:pt x="5815" y="12459"/>
-                </a:lnTo>
-                <a:lnTo>
-                  <a:pt x="6010" y="12581"/>
-                </a:lnTo>
-                <a:lnTo>
-                  <a:pt x="6205" y="12702"/>
-                </a:lnTo>
-                <a:lnTo>
-                  <a:pt x="6399" y="12775"/>
-                </a:lnTo>
-                <a:lnTo>
-                  <a:pt x="6618" y="12848"/>
-                </a:lnTo>
-                <a:lnTo>
-                  <a:pt x="6837" y="12897"/>
-                </a:lnTo>
-                <a:lnTo>
-                  <a:pt x="7056" y="12946"/>
-                </a:lnTo>
-                <a:lnTo>
-                  <a:pt x="7494" y="12970"/>
-                </a:lnTo>
-                <a:lnTo>
-                  <a:pt x="7908" y="12946"/>
-                </a:lnTo>
-                <a:lnTo>
-                  <a:pt x="8322" y="12897"/>
-                </a:lnTo>
-                <a:lnTo>
-                  <a:pt x="8760" y="12775"/>
-                </a:lnTo>
-                <a:lnTo>
-                  <a:pt x="9149" y="12629"/>
-                </a:lnTo>
-                <a:lnTo>
-                  <a:pt x="9344" y="12532"/>
-                </a:lnTo>
-                <a:lnTo>
-                  <a:pt x="9538" y="12410"/>
-                </a:lnTo>
-                <a:lnTo>
-                  <a:pt x="9709" y="12289"/>
-                </a:lnTo>
-                <a:lnTo>
-                  <a:pt x="9879" y="12143"/>
-                </a:lnTo>
-                <a:lnTo>
-                  <a:pt x="10025" y="11997"/>
-                </a:lnTo>
-                <a:lnTo>
-                  <a:pt x="10147" y="11851"/>
-                </a:lnTo>
-                <a:lnTo>
-                  <a:pt x="10268" y="11656"/>
-                </a:lnTo>
-                <a:lnTo>
-                  <a:pt x="10366" y="11486"/>
-                </a:lnTo>
-                <a:lnTo>
-                  <a:pt x="10950" y="11583"/>
-                </a:lnTo>
-                <a:lnTo>
-                  <a:pt x="10974" y="11583"/>
-                </a:lnTo>
-                <a:lnTo>
-                  <a:pt x="10828" y="11680"/>
-                </a:lnTo>
-                <a:lnTo>
-                  <a:pt x="10658" y="11778"/>
-                </a:lnTo>
-                <a:lnTo>
-                  <a:pt x="10512" y="11899"/>
-                </a:lnTo>
-                <a:lnTo>
-                  <a:pt x="10366" y="12045"/>
-                </a:lnTo>
-                <a:lnTo>
-                  <a:pt x="10317" y="12118"/>
-                </a:lnTo>
-                <a:lnTo>
-                  <a:pt x="10293" y="12216"/>
-                </a:lnTo>
-                <a:lnTo>
-                  <a:pt x="10439" y="12167"/>
-                </a:lnTo>
-                <a:lnTo>
-                  <a:pt x="10585" y="12094"/>
-                </a:lnTo>
-                <a:lnTo>
-                  <a:pt x="10852" y="11924"/>
-                </a:lnTo>
-                <a:lnTo>
-                  <a:pt x="11193" y="11778"/>
-                </a:lnTo>
-                <a:lnTo>
-                  <a:pt x="11315" y="11753"/>
-                </a:lnTo>
-                <a:lnTo>
-                  <a:pt x="11436" y="11705"/>
-                </a:lnTo>
-                <a:lnTo>
-                  <a:pt x="11461" y="11680"/>
-                </a:lnTo>
-                <a:lnTo>
-                  <a:pt x="12020" y="11851"/>
-                </a:lnTo>
-                <a:lnTo>
-                  <a:pt x="11728" y="11948"/>
-                </a:lnTo>
-                <a:lnTo>
-                  <a:pt x="11436" y="12070"/>
-                </a:lnTo>
-                <a:lnTo>
-                  <a:pt x="11144" y="12191"/>
-                </a:lnTo>
-                <a:lnTo>
-                  <a:pt x="10877" y="12362"/>
-                </a:lnTo>
-                <a:lnTo>
-                  <a:pt x="10633" y="12532"/>
-                </a:lnTo>
-                <a:lnTo>
-                  <a:pt x="10609" y="12556"/>
-                </a:lnTo>
-                <a:lnTo>
-                  <a:pt x="10633" y="12581"/>
-                </a:lnTo>
-                <a:lnTo>
-                  <a:pt x="11144" y="12386"/>
-                </a:lnTo>
-                <a:lnTo>
-                  <a:pt x="11655" y="12216"/>
-                </a:lnTo>
-                <a:lnTo>
-                  <a:pt x="11874" y="12167"/>
-                </a:lnTo>
-                <a:lnTo>
-                  <a:pt x="12093" y="12118"/>
-                </a:lnTo>
-                <a:lnTo>
-                  <a:pt x="12312" y="12094"/>
-                </a:lnTo>
-                <a:lnTo>
-                  <a:pt x="12531" y="12021"/>
-                </a:lnTo>
-                <a:lnTo>
-                  <a:pt x="12969" y="12216"/>
-                </a:lnTo>
-                <a:lnTo>
-                  <a:pt x="12726" y="12289"/>
-                </a:lnTo>
-                <a:lnTo>
-                  <a:pt x="12507" y="12386"/>
-                </a:lnTo>
-                <a:lnTo>
-                  <a:pt x="11874" y="12654"/>
-                </a:lnTo>
-                <a:lnTo>
-                  <a:pt x="11582" y="12800"/>
-                </a:lnTo>
-                <a:lnTo>
-                  <a:pt x="11266" y="12897"/>
-                </a:lnTo>
-                <a:lnTo>
-                  <a:pt x="11242" y="12921"/>
-                </a:lnTo>
-                <a:lnTo>
-                  <a:pt x="11217" y="12946"/>
-                </a:lnTo>
-                <a:lnTo>
-                  <a:pt x="11242" y="12970"/>
-                </a:lnTo>
-                <a:lnTo>
-                  <a:pt x="11266" y="12994"/>
-                </a:lnTo>
-                <a:lnTo>
-                  <a:pt x="11850" y="12873"/>
-                </a:lnTo>
-                <a:lnTo>
-                  <a:pt x="12458" y="12727"/>
-                </a:lnTo>
-                <a:lnTo>
-                  <a:pt x="12677" y="12678"/>
-                </a:lnTo>
-                <a:lnTo>
-                  <a:pt x="12920" y="12629"/>
-                </a:lnTo>
-                <a:lnTo>
-                  <a:pt x="13164" y="12556"/>
-                </a:lnTo>
-                <a:lnTo>
-                  <a:pt x="13285" y="12508"/>
-                </a:lnTo>
-                <a:lnTo>
-                  <a:pt x="13383" y="12459"/>
-                </a:lnTo>
-                <a:lnTo>
-                  <a:pt x="13626" y="12629"/>
-                </a:lnTo>
-                <a:lnTo>
-                  <a:pt x="13869" y="12824"/>
-                </a:lnTo>
-                <a:lnTo>
-                  <a:pt x="13602" y="12873"/>
-                </a:lnTo>
-                <a:lnTo>
-                  <a:pt x="12847" y="13067"/>
-                </a:lnTo>
-                <a:lnTo>
-                  <a:pt x="12482" y="13165"/>
-                </a:lnTo>
-                <a:lnTo>
-                  <a:pt x="12142" y="13286"/>
-                </a:lnTo>
-                <a:lnTo>
-                  <a:pt x="12093" y="13335"/>
-                </a:lnTo>
-                <a:lnTo>
-                  <a:pt x="12117" y="13359"/>
-                </a:lnTo>
-                <a:lnTo>
-                  <a:pt x="12263" y="13408"/>
-                </a:lnTo>
-                <a:lnTo>
-                  <a:pt x="12409" y="13432"/>
-                </a:lnTo>
-                <a:lnTo>
-                  <a:pt x="12531" y="13457"/>
-                </a:lnTo>
-                <a:lnTo>
-                  <a:pt x="12677" y="13432"/>
-                </a:lnTo>
-                <a:lnTo>
-                  <a:pt x="12969" y="13408"/>
-                </a:lnTo>
-                <a:lnTo>
-                  <a:pt x="13237" y="13335"/>
-                </a:lnTo>
-                <a:lnTo>
-                  <a:pt x="13675" y="13238"/>
-                </a:lnTo>
-                <a:lnTo>
-                  <a:pt x="13869" y="13189"/>
-                </a:lnTo>
-                <a:lnTo>
-                  <a:pt x="14088" y="13165"/>
-                </a:lnTo>
-                <a:lnTo>
-                  <a:pt x="14186" y="13140"/>
-                </a:lnTo>
-                <a:lnTo>
-                  <a:pt x="14356" y="13335"/>
-                </a:lnTo>
-                <a:lnTo>
-                  <a:pt x="14502" y="13530"/>
-                </a:lnTo>
-                <a:lnTo>
-                  <a:pt x="14186" y="13554"/>
-                </a:lnTo>
-                <a:lnTo>
-                  <a:pt x="13845" y="13578"/>
-                </a:lnTo>
-                <a:lnTo>
-                  <a:pt x="13529" y="13627"/>
-                </a:lnTo>
-                <a:lnTo>
-                  <a:pt x="13212" y="13676"/>
-                </a:lnTo>
-                <a:lnTo>
-                  <a:pt x="13042" y="13724"/>
-                </a:lnTo>
-                <a:lnTo>
-                  <a:pt x="12896" y="13773"/>
-                </a:lnTo>
-                <a:lnTo>
-                  <a:pt x="12872" y="13797"/>
-                </a:lnTo>
-                <a:lnTo>
-                  <a:pt x="12872" y="13822"/>
-                </a:lnTo>
-                <a:lnTo>
-                  <a:pt x="12896" y="13846"/>
-                </a:lnTo>
-                <a:lnTo>
-                  <a:pt x="12896" y="13870"/>
-                </a:lnTo>
-                <a:lnTo>
-                  <a:pt x="13188" y="13919"/>
-                </a:lnTo>
-                <a:lnTo>
-                  <a:pt x="13456" y="13943"/>
-                </a:lnTo>
-                <a:lnTo>
-                  <a:pt x="13991" y="13919"/>
-                </a:lnTo>
-                <a:lnTo>
-                  <a:pt x="14745" y="13919"/>
-                </a:lnTo>
-                <a:lnTo>
-                  <a:pt x="14916" y="14284"/>
-                </a:lnTo>
-                <a:lnTo>
-                  <a:pt x="14405" y="14308"/>
-                </a:lnTo>
-                <a:lnTo>
-                  <a:pt x="13821" y="14308"/>
-                </a:lnTo>
-                <a:lnTo>
-                  <a:pt x="13529" y="14333"/>
-                </a:lnTo>
-                <a:lnTo>
-                  <a:pt x="13383" y="14357"/>
-                </a:lnTo>
-                <a:lnTo>
-                  <a:pt x="13237" y="14381"/>
-                </a:lnTo>
-                <a:lnTo>
-                  <a:pt x="13212" y="14406"/>
-                </a:lnTo>
-                <a:lnTo>
-                  <a:pt x="13188" y="14454"/>
-                </a:lnTo>
-                <a:lnTo>
-                  <a:pt x="13212" y="14503"/>
-                </a:lnTo>
-                <a:lnTo>
-                  <a:pt x="13237" y="14527"/>
-                </a:lnTo>
-                <a:lnTo>
-                  <a:pt x="13529" y="14600"/>
-                </a:lnTo>
-                <a:lnTo>
-                  <a:pt x="13821" y="14625"/>
-                </a:lnTo>
-                <a:lnTo>
-                  <a:pt x="14721" y="14625"/>
-                </a:lnTo>
-                <a:lnTo>
-                  <a:pt x="15037" y="14600"/>
-                </a:lnTo>
-                <a:lnTo>
-                  <a:pt x="15110" y="14868"/>
-                </a:lnTo>
-                <a:lnTo>
-                  <a:pt x="15159" y="15136"/>
-                </a:lnTo>
-                <a:lnTo>
-                  <a:pt x="14989" y="15087"/>
-                </a:lnTo>
-                <a:lnTo>
-                  <a:pt x="14818" y="15087"/>
-                </a:lnTo>
-                <a:lnTo>
-                  <a:pt x="14453" y="15063"/>
-                </a:lnTo>
-                <a:lnTo>
-                  <a:pt x="14234" y="15063"/>
-                </a:lnTo>
-                <a:lnTo>
-                  <a:pt x="13991" y="15087"/>
-                </a:lnTo>
-                <a:lnTo>
-                  <a:pt x="13772" y="15111"/>
-                </a:lnTo>
-                <a:lnTo>
-                  <a:pt x="13529" y="15184"/>
-                </a:lnTo>
-                <a:lnTo>
-                  <a:pt x="13504" y="15209"/>
-                </a:lnTo>
-                <a:lnTo>
-                  <a:pt x="13504" y="15233"/>
-                </a:lnTo>
-                <a:lnTo>
-                  <a:pt x="13504" y="15282"/>
-                </a:lnTo>
-                <a:lnTo>
-                  <a:pt x="13553" y="15282"/>
-                </a:lnTo>
-                <a:lnTo>
-                  <a:pt x="14015" y="15306"/>
-                </a:lnTo>
-                <a:lnTo>
-                  <a:pt x="14453" y="15330"/>
-                </a:lnTo>
-                <a:lnTo>
-                  <a:pt x="14843" y="15355"/>
-                </a:lnTo>
-                <a:lnTo>
-                  <a:pt x="15013" y="15355"/>
-                </a:lnTo>
-                <a:lnTo>
-                  <a:pt x="15183" y="15330"/>
-                </a:lnTo>
-                <a:lnTo>
-                  <a:pt x="15183" y="15330"/>
-                </a:lnTo>
-                <a:lnTo>
-                  <a:pt x="15086" y="15355"/>
-                </a:lnTo>
-                <a:lnTo>
-                  <a:pt x="14794" y="15452"/>
-                </a:lnTo>
-                <a:lnTo>
-                  <a:pt x="14502" y="15549"/>
-                </a:lnTo>
-                <a:lnTo>
-                  <a:pt x="13918" y="15671"/>
-                </a:lnTo>
-                <a:lnTo>
-                  <a:pt x="13310" y="15768"/>
-                </a:lnTo>
-                <a:lnTo>
-                  <a:pt x="12701" y="15841"/>
-                </a:lnTo>
-                <a:lnTo>
-                  <a:pt x="12677" y="15720"/>
-                </a:lnTo>
-                <a:lnTo>
-                  <a:pt x="12653" y="15525"/>
-                </a:lnTo>
-                <a:lnTo>
-                  <a:pt x="12628" y="15428"/>
-                </a:lnTo>
-                <a:lnTo>
-                  <a:pt x="12555" y="15330"/>
-                </a:lnTo>
-                <a:lnTo>
-                  <a:pt x="12482" y="15257"/>
-                </a:lnTo>
-                <a:lnTo>
-                  <a:pt x="12385" y="15233"/>
-                </a:lnTo>
-                <a:lnTo>
-                  <a:pt x="12288" y="15257"/>
-                </a:lnTo>
-                <a:lnTo>
-                  <a:pt x="12215" y="15330"/>
-                </a:lnTo>
-                <a:lnTo>
-                  <a:pt x="12166" y="15428"/>
-                </a:lnTo>
-                <a:lnTo>
-                  <a:pt x="12142" y="15525"/>
-                </a:lnTo>
-                <a:lnTo>
-                  <a:pt x="12142" y="15720"/>
-                </a:lnTo>
-                <a:lnTo>
-                  <a:pt x="12142" y="15890"/>
-                </a:lnTo>
-                <a:lnTo>
-                  <a:pt x="11801" y="15939"/>
-                </a:lnTo>
-                <a:lnTo>
-                  <a:pt x="11290" y="15987"/>
-                </a:lnTo>
-                <a:lnTo>
-                  <a:pt x="10755" y="16036"/>
-                </a:lnTo>
-                <a:lnTo>
-                  <a:pt x="9709" y="16085"/>
-                </a:lnTo>
-                <a:lnTo>
-                  <a:pt x="7592" y="16085"/>
-                </a:lnTo>
-                <a:lnTo>
-                  <a:pt x="6521" y="16060"/>
-                </a:lnTo>
-                <a:lnTo>
-                  <a:pt x="5475" y="16012"/>
-                </a:lnTo>
-                <a:lnTo>
-                  <a:pt x="4428" y="15939"/>
-                </a:lnTo>
-                <a:lnTo>
-                  <a:pt x="3382" y="15841"/>
-                </a:lnTo>
-                <a:lnTo>
-                  <a:pt x="3236" y="15817"/>
-                </a:lnTo>
-                <a:lnTo>
-                  <a:pt x="3236" y="15768"/>
-                </a:lnTo>
-                <a:lnTo>
-                  <a:pt x="3236" y="15671"/>
-                </a:lnTo>
-                <a:lnTo>
-                  <a:pt x="3212" y="15622"/>
-                </a:lnTo>
-                <a:lnTo>
-                  <a:pt x="3212" y="15574"/>
-                </a:lnTo>
-                <a:lnTo>
-                  <a:pt x="3236" y="15403"/>
-                </a:lnTo>
-                <a:lnTo>
-                  <a:pt x="3236" y="15306"/>
-                </a:lnTo>
-                <a:lnTo>
-                  <a:pt x="3212" y="15209"/>
-                </a:lnTo>
-                <a:lnTo>
-                  <a:pt x="3163" y="15136"/>
-                </a:lnTo>
-                <a:lnTo>
-                  <a:pt x="3090" y="15087"/>
-                </a:lnTo>
-                <a:lnTo>
-                  <a:pt x="3017" y="15087"/>
-                </a:lnTo>
-                <a:lnTo>
-                  <a:pt x="2920" y="15111"/>
-                </a:lnTo>
-                <a:lnTo>
-                  <a:pt x="2823" y="15209"/>
-                </a:lnTo>
-                <a:lnTo>
-                  <a:pt x="2750" y="15330"/>
-                </a:lnTo>
-                <a:lnTo>
-                  <a:pt x="2725" y="15452"/>
-                </a:lnTo>
-                <a:lnTo>
-                  <a:pt x="2701" y="15598"/>
-                </a:lnTo>
-                <a:lnTo>
-                  <a:pt x="2701" y="15695"/>
-                </a:lnTo>
-                <a:lnTo>
-                  <a:pt x="2141" y="15525"/>
-                </a:lnTo>
-                <a:lnTo>
-                  <a:pt x="1582" y="15355"/>
-                </a:lnTo>
-                <a:lnTo>
-                  <a:pt x="1314" y="15282"/>
-                </a:lnTo>
-                <a:lnTo>
-                  <a:pt x="1046" y="15257"/>
-                </a:lnTo>
-                <a:lnTo>
-                  <a:pt x="754" y="15233"/>
-                </a:lnTo>
-                <a:lnTo>
-                  <a:pt x="487" y="15257"/>
-                </a:lnTo>
-                <a:lnTo>
-                  <a:pt x="462" y="15038"/>
-                </a:lnTo>
-                <a:lnTo>
-                  <a:pt x="487" y="14844"/>
-                </a:lnTo>
-                <a:lnTo>
-                  <a:pt x="511" y="14625"/>
-                </a:lnTo>
-                <a:lnTo>
-                  <a:pt x="584" y="14430"/>
-                </a:lnTo>
-                <a:lnTo>
-                  <a:pt x="657" y="14235"/>
-                </a:lnTo>
-                <a:lnTo>
-                  <a:pt x="754" y="14041"/>
-                </a:lnTo>
-                <a:lnTo>
-                  <a:pt x="852" y="13870"/>
-                </a:lnTo>
-                <a:lnTo>
-                  <a:pt x="973" y="13676"/>
-                </a:lnTo>
-                <a:lnTo>
-                  <a:pt x="1241" y="13359"/>
-                </a:lnTo>
-                <a:lnTo>
-                  <a:pt x="1557" y="13043"/>
-                </a:lnTo>
-                <a:lnTo>
-                  <a:pt x="1874" y="12775"/>
-                </a:lnTo>
-                <a:lnTo>
-                  <a:pt x="2190" y="12532"/>
-                </a:lnTo>
-                <a:lnTo>
-                  <a:pt x="2409" y="12386"/>
-                </a:lnTo>
-                <a:lnTo>
-                  <a:pt x="2604" y="12289"/>
-                </a:lnTo>
-                <a:lnTo>
-                  <a:pt x="3042" y="12070"/>
-                </a:lnTo>
-                <a:lnTo>
-                  <a:pt x="3480" y="11924"/>
-                </a:lnTo>
-                <a:lnTo>
-                  <a:pt x="3942" y="11778"/>
-                </a:lnTo>
-                <a:lnTo>
-                  <a:pt x="4234" y="11680"/>
-                </a:lnTo>
-                <a:lnTo>
-                  <a:pt x="4574" y="11607"/>
-                </a:lnTo>
-                <a:lnTo>
-                  <a:pt x="5231" y="11437"/>
-                </a:lnTo>
-                <a:close/>
-                <a:moveTo>
-                  <a:pt x="8200" y="1"/>
-                </a:moveTo>
-                <a:lnTo>
-                  <a:pt x="7811" y="50"/>
-                </a:lnTo>
-                <a:lnTo>
-                  <a:pt x="7470" y="123"/>
-                </a:lnTo>
-                <a:lnTo>
-                  <a:pt x="7154" y="244"/>
-                </a:lnTo>
-                <a:lnTo>
-                  <a:pt x="6667" y="463"/>
-                </a:lnTo>
-                <a:lnTo>
-                  <a:pt x="6424" y="609"/>
-                </a:lnTo>
-                <a:lnTo>
-                  <a:pt x="6278" y="731"/>
-                </a:lnTo>
-                <a:lnTo>
-                  <a:pt x="6205" y="804"/>
-                </a:lnTo>
-                <a:lnTo>
-                  <a:pt x="6180" y="853"/>
-                </a:lnTo>
-                <a:lnTo>
-                  <a:pt x="6205" y="926"/>
-                </a:lnTo>
-                <a:lnTo>
-                  <a:pt x="6253" y="974"/>
-                </a:lnTo>
-                <a:lnTo>
-                  <a:pt x="6302" y="999"/>
-                </a:lnTo>
-                <a:lnTo>
-                  <a:pt x="6472" y="999"/>
-                </a:lnTo>
-                <a:lnTo>
-                  <a:pt x="6594" y="950"/>
-                </a:lnTo>
-                <a:lnTo>
-                  <a:pt x="6716" y="877"/>
-                </a:lnTo>
-                <a:lnTo>
-                  <a:pt x="7178" y="682"/>
-                </a:lnTo>
-                <a:lnTo>
-                  <a:pt x="7421" y="585"/>
-                </a:lnTo>
-                <a:lnTo>
-                  <a:pt x="7665" y="488"/>
-                </a:lnTo>
-                <a:lnTo>
-                  <a:pt x="8005" y="439"/>
-                </a:lnTo>
-                <a:lnTo>
-                  <a:pt x="8346" y="415"/>
-                </a:lnTo>
-                <a:lnTo>
-                  <a:pt x="8735" y="439"/>
-                </a:lnTo>
-                <a:lnTo>
-                  <a:pt x="9125" y="488"/>
-                </a:lnTo>
-                <a:lnTo>
-                  <a:pt x="9490" y="585"/>
-                </a:lnTo>
-                <a:lnTo>
-                  <a:pt x="9855" y="707"/>
-                </a:lnTo>
-                <a:lnTo>
-                  <a:pt x="10195" y="828"/>
-                </a:lnTo>
-                <a:lnTo>
-                  <a:pt x="10487" y="974"/>
-                </a:lnTo>
-                <a:lnTo>
-                  <a:pt x="10706" y="1096"/>
-                </a:lnTo>
-                <a:lnTo>
-                  <a:pt x="10877" y="1242"/>
-                </a:lnTo>
-                <a:lnTo>
-                  <a:pt x="11023" y="1412"/>
-                </a:lnTo>
-                <a:lnTo>
-                  <a:pt x="11169" y="1583"/>
-                </a:lnTo>
-                <a:lnTo>
-                  <a:pt x="11290" y="1801"/>
-                </a:lnTo>
-                <a:lnTo>
-                  <a:pt x="11388" y="1996"/>
-                </a:lnTo>
-                <a:lnTo>
-                  <a:pt x="11485" y="2215"/>
-                </a:lnTo>
-                <a:lnTo>
-                  <a:pt x="11558" y="2458"/>
-                </a:lnTo>
-                <a:lnTo>
-                  <a:pt x="11655" y="2921"/>
-                </a:lnTo>
-                <a:lnTo>
-                  <a:pt x="11728" y="3407"/>
-                </a:lnTo>
-                <a:lnTo>
-                  <a:pt x="11753" y="3894"/>
-                </a:lnTo>
-                <a:lnTo>
-                  <a:pt x="11753" y="4356"/>
-                </a:lnTo>
-                <a:lnTo>
-                  <a:pt x="11217" y="4356"/>
-                </a:lnTo>
-                <a:lnTo>
-                  <a:pt x="10974" y="4332"/>
-                </a:lnTo>
-                <a:lnTo>
-                  <a:pt x="10731" y="4259"/>
-                </a:lnTo>
-                <a:lnTo>
-                  <a:pt x="10487" y="4210"/>
-                </a:lnTo>
-                <a:lnTo>
-                  <a:pt x="10244" y="4113"/>
-                </a:lnTo>
-                <a:lnTo>
-                  <a:pt x="9782" y="3918"/>
-                </a:lnTo>
-                <a:lnTo>
-                  <a:pt x="9319" y="3675"/>
-                </a:lnTo>
-                <a:lnTo>
-                  <a:pt x="8881" y="3432"/>
-                </a:lnTo>
-                <a:lnTo>
-                  <a:pt x="8419" y="3164"/>
-                </a:lnTo>
-                <a:lnTo>
-                  <a:pt x="7981" y="2921"/>
-                </a:lnTo>
-                <a:lnTo>
-                  <a:pt x="7908" y="2896"/>
-                </a:lnTo>
-                <a:lnTo>
-                  <a:pt x="7835" y="2896"/>
-                </a:lnTo>
-                <a:lnTo>
-                  <a:pt x="7786" y="2921"/>
-                </a:lnTo>
-                <a:lnTo>
-                  <a:pt x="7738" y="2945"/>
-                </a:lnTo>
-                <a:lnTo>
-                  <a:pt x="7689" y="2994"/>
-                </a:lnTo>
-                <a:lnTo>
-                  <a:pt x="7665" y="3042"/>
-                </a:lnTo>
-                <a:lnTo>
-                  <a:pt x="7640" y="3115"/>
-                </a:lnTo>
-                <a:lnTo>
-                  <a:pt x="7640" y="3164"/>
-                </a:lnTo>
-                <a:lnTo>
-                  <a:pt x="7713" y="3529"/>
-                </a:lnTo>
-                <a:lnTo>
-                  <a:pt x="7786" y="3894"/>
-                </a:lnTo>
-                <a:lnTo>
-                  <a:pt x="7640" y="3797"/>
-                </a:lnTo>
-                <a:lnTo>
-                  <a:pt x="7494" y="3699"/>
-                </a:lnTo>
-                <a:lnTo>
-                  <a:pt x="7202" y="3432"/>
-                </a:lnTo>
-                <a:lnTo>
-                  <a:pt x="6959" y="3140"/>
-                </a:lnTo>
-                <a:lnTo>
-                  <a:pt x="6740" y="2799"/>
-                </a:lnTo>
-                <a:lnTo>
-                  <a:pt x="6545" y="2458"/>
-                </a:lnTo>
-                <a:lnTo>
-                  <a:pt x="6424" y="2118"/>
-                </a:lnTo>
-                <a:lnTo>
-                  <a:pt x="6399" y="1947"/>
-                </a:lnTo>
-                <a:lnTo>
-                  <a:pt x="6375" y="1777"/>
-                </a:lnTo>
-                <a:lnTo>
-                  <a:pt x="6375" y="1607"/>
-                </a:lnTo>
-                <a:lnTo>
-                  <a:pt x="6399" y="1461"/>
-                </a:lnTo>
-                <a:lnTo>
-                  <a:pt x="6399" y="1388"/>
-                </a:lnTo>
-                <a:lnTo>
-                  <a:pt x="6399" y="1339"/>
-                </a:lnTo>
-                <a:lnTo>
-                  <a:pt x="6351" y="1291"/>
-                </a:lnTo>
-                <a:lnTo>
-                  <a:pt x="6302" y="1266"/>
-                </a:lnTo>
-                <a:lnTo>
-                  <a:pt x="6205" y="1266"/>
-                </a:lnTo>
-                <a:lnTo>
-                  <a:pt x="6156" y="1291"/>
-                </a:lnTo>
-                <a:lnTo>
-                  <a:pt x="6107" y="1339"/>
-                </a:lnTo>
-                <a:lnTo>
-                  <a:pt x="6034" y="1485"/>
-                </a:lnTo>
-                <a:lnTo>
-                  <a:pt x="6010" y="1655"/>
-                </a:lnTo>
-                <a:lnTo>
-                  <a:pt x="5815" y="1680"/>
-                </a:lnTo>
-                <a:lnTo>
-                  <a:pt x="5645" y="1728"/>
-                </a:lnTo>
-                <a:lnTo>
-                  <a:pt x="5475" y="1826"/>
-                </a:lnTo>
-                <a:lnTo>
-                  <a:pt x="5304" y="1923"/>
-                </a:lnTo>
-                <a:lnTo>
-                  <a:pt x="5085" y="2069"/>
-                </a:lnTo>
-                <a:lnTo>
-                  <a:pt x="4891" y="2215"/>
-                </a:lnTo>
-                <a:lnTo>
-                  <a:pt x="4720" y="2337"/>
-                </a:lnTo>
-                <a:lnTo>
-                  <a:pt x="4647" y="2410"/>
-                </a:lnTo>
-                <a:lnTo>
-                  <a:pt x="4599" y="2507"/>
-                </a:lnTo>
-                <a:lnTo>
-                  <a:pt x="4574" y="2531"/>
-                </a:lnTo>
-                <a:lnTo>
-                  <a:pt x="4599" y="2556"/>
-                </a:lnTo>
-                <a:lnTo>
-                  <a:pt x="4623" y="2580"/>
-                </a:lnTo>
-                <a:lnTo>
-                  <a:pt x="4647" y="2604"/>
-                </a:lnTo>
-                <a:lnTo>
-                  <a:pt x="4745" y="2580"/>
-                </a:lnTo>
-                <a:lnTo>
-                  <a:pt x="4818" y="2556"/>
-                </a:lnTo>
-                <a:lnTo>
-                  <a:pt x="4988" y="2458"/>
-                </a:lnTo>
-                <a:lnTo>
-                  <a:pt x="5280" y="2239"/>
-                </a:lnTo>
-                <a:lnTo>
-                  <a:pt x="5621" y="1996"/>
-                </a:lnTo>
-                <a:lnTo>
-                  <a:pt x="5986" y="1801"/>
-                </a:lnTo>
-                <a:lnTo>
-                  <a:pt x="5986" y="1996"/>
-                </a:lnTo>
-                <a:lnTo>
-                  <a:pt x="6034" y="2166"/>
-                </a:lnTo>
-                <a:lnTo>
-                  <a:pt x="6083" y="2337"/>
-                </a:lnTo>
-                <a:lnTo>
-                  <a:pt x="6156" y="2531"/>
-                </a:lnTo>
-                <a:lnTo>
-                  <a:pt x="6302" y="2872"/>
-                </a:lnTo>
-                <a:lnTo>
-                  <a:pt x="6472" y="3164"/>
-                </a:lnTo>
-                <a:lnTo>
-                  <a:pt x="6618" y="3359"/>
-                </a:lnTo>
-                <a:lnTo>
-                  <a:pt x="6764" y="3578"/>
-                </a:lnTo>
-                <a:lnTo>
-                  <a:pt x="6959" y="3772"/>
-                </a:lnTo>
-                <a:lnTo>
-                  <a:pt x="7129" y="3967"/>
-                </a:lnTo>
-                <a:lnTo>
-                  <a:pt x="7348" y="4137"/>
-                </a:lnTo>
-                <a:lnTo>
-                  <a:pt x="7567" y="4283"/>
-                </a:lnTo>
-                <a:lnTo>
-                  <a:pt x="7811" y="4381"/>
-                </a:lnTo>
-                <a:lnTo>
-                  <a:pt x="8054" y="4454"/>
-                </a:lnTo>
-                <a:lnTo>
-                  <a:pt x="8151" y="4454"/>
-                </a:lnTo>
-                <a:lnTo>
-                  <a:pt x="8249" y="4381"/>
-                </a:lnTo>
-                <a:lnTo>
-                  <a:pt x="8297" y="4356"/>
-                </a:lnTo>
-                <a:lnTo>
-                  <a:pt x="8322" y="4308"/>
-                </a:lnTo>
-                <a:lnTo>
-                  <a:pt x="8322" y="4235"/>
-                </a:lnTo>
-                <a:lnTo>
-                  <a:pt x="8322" y="4186"/>
-                </a:lnTo>
-                <a:lnTo>
-                  <a:pt x="8151" y="3505"/>
-                </a:lnTo>
-                <a:lnTo>
-                  <a:pt x="8151" y="3505"/>
-                </a:lnTo>
-                <a:lnTo>
-                  <a:pt x="8881" y="3918"/>
-                </a:lnTo>
-                <a:lnTo>
-                  <a:pt x="9587" y="4283"/>
-                </a:lnTo>
-                <a:lnTo>
-                  <a:pt x="9952" y="4429"/>
-                </a:lnTo>
-                <a:lnTo>
-                  <a:pt x="10317" y="4575"/>
-                </a:lnTo>
-                <a:lnTo>
-                  <a:pt x="10682" y="4697"/>
-                </a:lnTo>
-                <a:lnTo>
-                  <a:pt x="11071" y="4746"/>
-                </a:lnTo>
-                <a:lnTo>
-                  <a:pt x="11169" y="4940"/>
-                </a:lnTo>
-                <a:lnTo>
-                  <a:pt x="11242" y="5111"/>
-                </a:lnTo>
-                <a:lnTo>
-                  <a:pt x="11266" y="5281"/>
-                </a:lnTo>
-                <a:lnTo>
-                  <a:pt x="11266" y="5451"/>
-                </a:lnTo>
-                <a:lnTo>
-                  <a:pt x="11242" y="5792"/>
-                </a:lnTo>
-                <a:lnTo>
-                  <a:pt x="11266" y="5865"/>
-                </a:lnTo>
-                <a:lnTo>
-                  <a:pt x="11315" y="5938"/>
-                </a:lnTo>
-                <a:lnTo>
-                  <a:pt x="11363" y="5987"/>
-                </a:lnTo>
-                <a:lnTo>
-                  <a:pt x="11509" y="5987"/>
-                </a:lnTo>
-                <a:lnTo>
-                  <a:pt x="11582" y="5962"/>
-                </a:lnTo>
-                <a:lnTo>
-                  <a:pt x="11631" y="5914"/>
-                </a:lnTo>
-                <a:lnTo>
-                  <a:pt x="11655" y="5841"/>
-                </a:lnTo>
-                <a:lnTo>
-                  <a:pt x="11704" y="5622"/>
-                </a:lnTo>
-                <a:lnTo>
-                  <a:pt x="11704" y="5354"/>
-                </a:lnTo>
-                <a:lnTo>
-                  <a:pt x="11680" y="5135"/>
-                </a:lnTo>
-                <a:lnTo>
-                  <a:pt x="11607" y="4892"/>
-                </a:lnTo>
-                <a:lnTo>
-                  <a:pt x="11558" y="4794"/>
-                </a:lnTo>
-                <a:lnTo>
-                  <a:pt x="11680" y="4770"/>
-                </a:lnTo>
-                <a:lnTo>
-                  <a:pt x="11801" y="4940"/>
-                </a:lnTo>
-                <a:lnTo>
-                  <a:pt x="11923" y="5111"/>
-                </a:lnTo>
-                <a:lnTo>
-                  <a:pt x="11996" y="5305"/>
-                </a:lnTo>
-                <a:lnTo>
-                  <a:pt x="12044" y="5500"/>
-                </a:lnTo>
-                <a:lnTo>
-                  <a:pt x="12069" y="5695"/>
-                </a:lnTo>
-                <a:lnTo>
-                  <a:pt x="12093" y="5889"/>
-                </a:lnTo>
-                <a:lnTo>
-                  <a:pt x="12069" y="6108"/>
-                </a:lnTo>
-                <a:lnTo>
-                  <a:pt x="12044" y="6303"/>
-                </a:lnTo>
-                <a:lnTo>
-                  <a:pt x="11996" y="6522"/>
-                </a:lnTo>
-                <a:lnTo>
-                  <a:pt x="11899" y="6692"/>
-                </a:lnTo>
-                <a:lnTo>
-                  <a:pt x="11801" y="6887"/>
-                </a:lnTo>
-                <a:lnTo>
-                  <a:pt x="11655" y="7033"/>
-                </a:lnTo>
-                <a:lnTo>
-                  <a:pt x="11631" y="7082"/>
-                </a:lnTo>
-                <a:lnTo>
-                  <a:pt x="11631" y="6936"/>
-                </a:lnTo>
-                <a:lnTo>
-                  <a:pt x="11631" y="6814"/>
-                </a:lnTo>
-                <a:lnTo>
-                  <a:pt x="11582" y="6717"/>
-                </a:lnTo>
-                <a:lnTo>
-                  <a:pt x="11509" y="6619"/>
-                </a:lnTo>
-                <a:lnTo>
-                  <a:pt x="11436" y="6571"/>
-                </a:lnTo>
-                <a:lnTo>
-                  <a:pt x="11290" y="6571"/>
-                </a:lnTo>
-                <a:lnTo>
-                  <a:pt x="11242" y="6619"/>
-                </a:lnTo>
-                <a:lnTo>
-                  <a:pt x="11193" y="6668"/>
-                </a:lnTo>
-                <a:lnTo>
-                  <a:pt x="11169" y="6717"/>
-                </a:lnTo>
-                <a:lnTo>
-                  <a:pt x="11169" y="6790"/>
-                </a:lnTo>
-                <a:lnTo>
-                  <a:pt x="11193" y="6863"/>
-                </a:lnTo>
-                <a:lnTo>
-                  <a:pt x="11169" y="6838"/>
-                </a:lnTo>
-                <a:lnTo>
-                  <a:pt x="11144" y="6863"/>
-                </a:lnTo>
-                <a:lnTo>
-                  <a:pt x="11144" y="6984"/>
-                </a:lnTo>
-                <a:lnTo>
-                  <a:pt x="11071" y="7228"/>
-                </a:lnTo>
-                <a:lnTo>
-                  <a:pt x="10974" y="7447"/>
-                </a:lnTo>
-                <a:lnTo>
-                  <a:pt x="10755" y="7933"/>
-                </a:lnTo>
-                <a:lnTo>
-                  <a:pt x="10487" y="8396"/>
-                </a:lnTo>
-                <a:lnTo>
-                  <a:pt x="10317" y="8663"/>
-                </a:lnTo>
-                <a:lnTo>
-                  <a:pt x="10098" y="8907"/>
-                </a:lnTo>
-                <a:lnTo>
-                  <a:pt x="9879" y="9126"/>
-                </a:lnTo>
-                <a:lnTo>
-                  <a:pt x="9611" y="9320"/>
-                </a:lnTo>
-                <a:lnTo>
-                  <a:pt x="9344" y="9491"/>
-                </a:lnTo>
-                <a:lnTo>
-                  <a:pt x="9052" y="9637"/>
-                </a:lnTo>
-                <a:lnTo>
-                  <a:pt x="8735" y="9734"/>
-                </a:lnTo>
-                <a:lnTo>
-                  <a:pt x="8419" y="9782"/>
-                </a:lnTo>
-                <a:lnTo>
-                  <a:pt x="8078" y="9807"/>
-                </a:lnTo>
-                <a:lnTo>
-                  <a:pt x="7738" y="9782"/>
-                </a:lnTo>
-                <a:lnTo>
-                  <a:pt x="7397" y="9709"/>
-                </a:lnTo>
-                <a:lnTo>
-                  <a:pt x="7056" y="9612"/>
-                </a:lnTo>
-                <a:lnTo>
-                  <a:pt x="6716" y="9466"/>
-                </a:lnTo>
-                <a:lnTo>
-                  <a:pt x="6424" y="9296"/>
-                </a:lnTo>
-                <a:lnTo>
-                  <a:pt x="6107" y="9126"/>
-                </a:lnTo>
-                <a:lnTo>
-                  <a:pt x="5840" y="8907"/>
-                </a:lnTo>
-                <a:lnTo>
-                  <a:pt x="5596" y="8712"/>
-                </a:lnTo>
-                <a:lnTo>
-                  <a:pt x="5377" y="8469"/>
-                </a:lnTo>
-                <a:lnTo>
-                  <a:pt x="5158" y="8225"/>
-                </a:lnTo>
-                <a:lnTo>
-                  <a:pt x="4988" y="7958"/>
-                </a:lnTo>
-                <a:lnTo>
-                  <a:pt x="4891" y="7787"/>
-                </a:lnTo>
-                <a:lnTo>
-                  <a:pt x="4818" y="7641"/>
-                </a:lnTo>
-                <a:lnTo>
-                  <a:pt x="4696" y="7301"/>
-                </a:lnTo>
-                <a:lnTo>
-                  <a:pt x="4599" y="6960"/>
-                </a:lnTo>
-                <a:lnTo>
-                  <a:pt x="4477" y="6644"/>
-                </a:lnTo>
-                <a:lnTo>
-                  <a:pt x="4428" y="6571"/>
-                </a:lnTo>
-                <a:lnTo>
-                  <a:pt x="4355" y="6546"/>
-                </a:lnTo>
-                <a:lnTo>
-                  <a:pt x="4282" y="6571"/>
-                </a:lnTo>
-                <a:lnTo>
-                  <a:pt x="4258" y="6595"/>
-                </a:lnTo>
-                <a:lnTo>
-                  <a:pt x="4234" y="6644"/>
-                </a:lnTo>
-                <a:lnTo>
-                  <a:pt x="4209" y="6936"/>
-                </a:lnTo>
-                <a:lnTo>
-                  <a:pt x="4234" y="7228"/>
-                </a:lnTo>
-                <a:lnTo>
-                  <a:pt x="4088" y="7130"/>
-                </a:lnTo>
-                <a:lnTo>
-                  <a:pt x="3966" y="7033"/>
-                </a:lnTo>
-                <a:lnTo>
-                  <a:pt x="3845" y="6911"/>
-                </a:lnTo>
-                <a:lnTo>
-                  <a:pt x="3772" y="6790"/>
-                </a:lnTo>
-                <a:lnTo>
-                  <a:pt x="3699" y="6644"/>
-                </a:lnTo>
-                <a:lnTo>
-                  <a:pt x="3650" y="6473"/>
-                </a:lnTo>
-                <a:lnTo>
-                  <a:pt x="3577" y="6133"/>
-                </a:lnTo>
-                <a:lnTo>
-                  <a:pt x="3553" y="5816"/>
-                </a:lnTo>
-                <a:lnTo>
-                  <a:pt x="3577" y="5670"/>
-                </a:lnTo>
-                <a:lnTo>
-                  <a:pt x="3601" y="5524"/>
-                </a:lnTo>
-                <a:lnTo>
-                  <a:pt x="3650" y="5378"/>
-                </a:lnTo>
-                <a:lnTo>
-                  <a:pt x="3699" y="5232"/>
-                </a:lnTo>
-                <a:lnTo>
-                  <a:pt x="3772" y="5111"/>
-                </a:lnTo>
-                <a:lnTo>
-                  <a:pt x="3893" y="5013"/>
-                </a:lnTo>
-                <a:lnTo>
-                  <a:pt x="3942" y="5013"/>
-                </a:lnTo>
-                <a:lnTo>
-                  <a:pt x="3918" y="5208"/>
-                </a:lnTo>
-                <a:lnTo>
-                  <a:pt x="3942" y="5403"/>
-                </a:lnTo>
-                <a:lnTo>
-                  <a:pt x="3966" y="5476"/>
-                </a:lnTo>
-                <a:lnTo>
-                  <a:pt x="4015" y="5549"/>
-                </a:lnTo>
-                <a:lnTo>
-                  <a:pt x="4063" y="5622"/>
-                </a:lnTo>
-                <a:lnTo>
-                  <a:pt x="4136" y="5670"/>
-                </a:lnTo>
-                <a:lnTo>
-                  <a:pt x="4209" y="5695"/>
-                </a:lnTo>
-                <a:lnTo>
-                  <a:pt x="4258" y="5670"/>
-                </a:lnTo>
-                <a:lnTo>
-                  <a:pt x="4307" y="5646"/>
-                </a:lnTo>
-                <a:lnTo>
-                  <a:pt x="4355" y="5597"/>
-                </a:lnTo>
-                <a:lnTo>
-                  <a:pt x="4355" y="5476"/>
-                </a:lnTo>
-                <a:lnTo>
-                  <a:pt x="4355" y="5403"/>
-                </a:lnTo>
-                <a:lnTo>
-                  <a:pt x="4307" y="5208"/>
-                </a:lnTo>
-                <a:lnTo>
-                  <a:pt x="4331" y="5086"/>
-                </a:lnTo>
-                <a:lnTo>
-                  <a:pt x="4355" y="4965"/>
-                </a:lnTo>
-                <a:lnTo>
-                  <a:pt x="4453" y="4746"/>
-                </a:lnTo>
-                <a:lnTo>
-                  <a:pt x="4550" y="4575"/>
-                </a:lnTo>
-                <a:lnTo>
-                  <a:pt x="4647" y="4405"/>
-                </a:lnTo>
-                <a:lnTo>
-                  <a:pt x="5085" y="4016"/>
-                </a:lnTo>
-                <a:lnTo>
-                  <a:pt x="5377" y="3748"/>
-                </a:lnTo>
-                <a:lnTo>
-                  <a:pt x="5669" y="3432"/>
-                </a:lnTo>
-                <a:lnTo>
-                  <a:pt x="5791" y="3237"/>
-                </a:lnTo>
-                <a:lnTo>
-                  <a:pt x="5888" y="3067"/>
-                </a:lnTo>
-                <a:lnTo>
-                  <a:pt x="5961" y="2872"/>
-                </a:lnTo>
-                <a:lnTo>
-                  <a:pt x="6010" y="2677"/>
-                </a:lnTo>
-                <a:lnTo>
-                  <a:pt x="5986" y="2629"/>
-                </a:lnTo>
-                <a:lnTo>
-                  <a:pt x="5937" y="2604"/>
-                </a:lnTo>
-                <a:lnTo>
-                  <a:pt x="5888" y="2604"/>
-                </a:lnTo>
-                <a:lnTo>
-                  <a:pt x="5864" y="2629"/>
-                </a:lnTo>
-                <a:lnTo>
-                  <a:pt x="5718" y="2750"/>
-                </a:lnTo>
-                <a:lnTo>
-                  <a:pt x="5596" y="2921"/>
-                </a:lnTo>
-                <a:lnTo>
-                  <a:pt x="5377" y="3237"/>
-                </a:lnTo>
-                <a:lnTo>
-                  <a:pt x="5110" y="3505"/>
-                </a:lnTo>
-                <a:lnTo>
-                  <a:pt x="4818" y="3772"/>
-                </a:lnTo>
-                <a:lnTo>
-                  <a:pt x="4647" y="3894"/>
-                </a:lnTo>
-                <a:lnTo>
-                  <a:pt x="4453" y="4040"/>
-                </a:lnTo>
-                <a:lnTo>
-                  <a:pt x="4063" y="4332"/>
-                </a:lnTo>
-                <a:lnTo>
-                  <a:pt x="4112" y="3894"/>
-                </a:lnTo>
-                <a:lnTo>
-                  <a:pt x="4209" y="3456"/>
-                </a:lnTo>
-                <a:lnTo>
-                  <a:pt x="4331" y="3042"/>
-                </a:lnTo>
-                <a:lnTo>
-                  <a:pt x="4477" y="2629"/>
-                </a:lnTo>
-                <a:lnTo>
-                  <a:pt x="4599" y="2337"/>
-                </a:lnTo>
-                <a:lnTo>
-                  <a:pt x="4769" y="2045"/>
-                </a:lnTo>
-                <a:lnTo>
-                  <a:pt x="4939" y="1777"/>
-                </a:lnTo>
-                <a:lnTo>
-                  <a:pt x="5158" y="1558"/>
-                </a:lnTo>
-                <a:lnTo>
-                  <a:pt x="5256" y="1485"/>
-                </a:lnTo>
-                <a:lnTo>
-                  <a:pt x="5377" y="1412"/>
-                </a:lnTo>
-                <a:lnTo>
-                  <a:pt x="5596" y="1364"/>
-                </a:lnTo>
-                <a:lnTo>
-                  <a:pt x="5815" y="1315"/>
-                </a:lnTo>
-                <a:lnTo>
-                  <a:pt x="5913" y="1291"/>
-                </a:lnTo>
-                <a:lnTo>
-                  <a:pt x="6034" y="1242"/>
-                </a:lnTo>
-                <a:lnTo>
-                  <a:pt x="6034" y="1218"/>
-                </a:lnTo>
-                <a:lnTo>
-                  <a:pt x="6034" y="1193"/>
-                </a:lnTo>
-                <a:lnTo>
-                  <a:pt x="5961" y="1096"/>
-                </a:lnTo>
-                <a:lnTo>
-                  <a:pt x="5888" y="1023"/>
-                </a:lnTo>
-                <a:lnTo>
-                  <a:pt x="5767" y="974"/>
-                </a:lnTo>
-                <a:lnTo>
-                  <a:pt x="5523" y="974"/>
-                </a:lnTo>
-                <a:lnTo>
-                  <a:pt x="5402" y="999"/>
-                </a:lnTo>
-                <a:lnTo>
-                  <a:pt x="5183" y="1072"/>
-                </a:lnTo>
-                <a:lnTo>
-                  <a:pt x="5037" y="1145"/>
-                </a:lnTo>
-                <a:lnTo>
-                  <a:pt x="4915" y="1242"/>
-                </a:lnTo>
-                <a:lnTo>
-                  <a:pt x="4793" y="1364"/>
-                </a:lnTo>
-                <a:lnTo>
-                  <a:pt x="4672" y="1485"/>
-                </a:lnTo>
-                <a:lnTo>
-                  <a:pt x="4477" y="1728"/>
-                </a:lnTo>
-                <a:lnTo>
-                  <a:pt x="4307" y="2020"/>
-                </a:lnTo>
-                <a:lnTo>
-                  <a:pt x="4161" y="2312"/>
-                </a:lnTo>
-                <a:lnTo>
-                  <a:pt x="4015" y="2653"/>
-                </a:lnTo>
-                <a:lnTo>
-                  <a:pt x="3893" y="3018"/>
-                </a:lnTo>
-                <a:lnTo>
-                  <a:pt x="3772" y="3359"/>
-                </a:lnTo>
-                <a:lnTo>
-                  <a:pt x="3699" y="3724"/>
-                </a:lnTo>
-                <a:lnTo>
-                  <a:pt x="3650" y="4113"/>
-                </a:lnTo>
-                <a:lnTo>
-                  <a:pt x="3650" y="4454"/>
-                </a:lnTo>
-                <a:lnTo>
-                  <a:pt x="3674" y="4819"/>
-                </a:lnTo>
-                <a:lnTo>
-                  <a:pt x="3553" y="4892"/>
-                </a:lnTo>
-                <a:lnTo>
-                  <a:pt x="3455" y="5038"/>
-                </a:lnTo>
-                <a:lnTo>
-                  <a:pt x="3382" y="5184"/>
-                </a:lnTo>
-                <a:lnTo>
-                  <a:pt x="3334" y="5378"/>
-                </a:lnTo>
-                <a:lnTo>
-                  <a:pt x="3236" y="5719"/>
-                </a:lnTo>
-                <a:lnTo>
-                  <a:pt x="3212" y="5962"/>
-                </a:lnTo>
-                <a:lnTo>
-                  <a:pt x="3236" y="6230"/>
-                </a:lnTo>
-                <a:lnTo>
-                  <a:pt x="3285" y="6522"/>
-                </a:lnTo>
-                <a:lnTo>
-                  <a:pt x="3358" y="6814"/>
-                </a:lnTo>
-                <a:lnTo>
-                  <a:pt x="3480" y="7082"/>
-                </a:lnTo>
-                <a:lnTo>
-                  <a:pt x="3626" y="7325"/>
-                </a:lnTo>
-                <a:lnTo>
-                  <a:pt x="3723" y="7422"/>
-                </a:lnTo>
-                <a:lnTo>
-                  <a:pt x="3845" y="7520"/>
-                </a:lnTo>
-                <a:lnTo>
-                  <a:pt x="3942" y="7593"/>
-                </a:lnTo>
-                <a:lnTo>
-                  <a:pt x="4063" y="7641"/>
-                </a:lnTo>
-                <a:lnTo>
-                  <a:pt x="4209" y="7690"/>
-                </a:lnTo>
-                <a:lnTo>
-                  <a:pt x="4355" y="7690"/>
-                </a:lnTo>
-                <a:lnTo>
-                  <a:pt x="4477" y="7933"/>
-                </a:lnTo>
-                <a:lnTo>
-                  <a:pt x="4599" y="8177"/>
-                </a:lnTo>
-                <a:lnTo>
-                  <a:pt x="4745" y="8396"/>
-                </a:lnTo>
-                <a:lnTo>
-                  <a:pt x="4915" y="8615"/>
-                </a:lnTo>
-                <a:lnTo>
-                  <a:pt x="5085" y="8809"/>
-                </a:lnTo>
-                <a:lnTo>
-                  <a:pt x="5256" y="8980"/>
-                </a:lnTo>
-                <a:lnTo>
-                  <a:pt x="5645" y="9320"/>
-                </a:lnTo>
-                <a:lnTo>
-                  <a:pt x="6010" y="9588"/>
-                </a:lnTo>
-                <a:lnTo>
-                  <a:pt x="6424" y="9831"/>
-                </a:lnTo>
-                <a:lnTo>
-                  <a:pt x="6351" y="9855"/>
-                </a:lnTo>
-                <a:lnTo>
-                  <a:pt x="6278" y="9928"/>
-                </a:lnTo>
-                <a:lnTo>
-                  <a:pt x="6253" y="10001"/>
-                </a:lnTo>
-                <a:lnTo>
-                  <a:pt x="6205" y="10074"/>
-                </a:lnTo>
-                <a:lnTo>
-                  <a:pt x="6180" y="10269"/>
-                </a:lnTo>
-                <a:lnTo>
-                  <a:pt x="6156" y="10464"/>
-                </a:lnTo>
-                <a:lnTo>
-                  <a:pt x="6156" y="10610"/>
-                </a:lnTo>
-                <a:lnTo>
-                  <a:pt x="6180" y="10804"/>
-                </a:lnTo>
-                <a:lnTo>
-                  <a:pt x="6010" y="10829"/>
-                </a:lnTo>
-                <a:lnTo>
-                  <a:pt x="5864" y="10853"/>
-                </a:lnTo>
-                <a:lnTo>
-                  <a:pt x="5596" y="10902"/>
-                </a:lnTo>
-                <a:lnTo>
-                  <a:pt x="5231" y="10975"/>
-                </a:lnTo>
-                <a:lnTo>
-                  <a:pt x="4866" y="11072"/>
-                </a:lnTo>
-                <a:lnTo>
-                  <a:pt x="4161" y="11242"/>
-                </a:lnTo>
-                <a:lnTo>
-                  <a:pt x="3480" y="11437"/>
-                </a:lnTo>
-                <a:lnTo>
-                  <a:pt x="2993" y="11632"/>
-                </a:lnTo>
-                <a:lnTo>
-                  <a:pt x="2531" y="11826"/>
-                </a:lnTo>
-                <a:lnTo>
-                  <a:pt x="2068" y="12070"/>
-                </a:lnTo>
-                <a:lnTo>
-                  <a:pt x="1655" y="12362"/>
-                </a:lnTo>
-                <a:lnTo>
-                  <a:pt x="1314" y="12654"/>
-                </a:lnTo>
-                <a:lnTo>
-                  <a:pt x="973" y="12970"/>
-                </a:lnTo>
-                <a:lnTo>
-                  <a:pt x="681" y="13335"/>
-                </a:lnTo>
-                <a:lnTo>
-                  <a:pt x="414" y="13700"/>
-                </a:lnTo>
-                <a:lnTo>
-                  <a:pt x="316" y="13919"/>
-                </a:lnTo>
-                <a:lnTo>
-                  <a:pt x="219" y="14114"/>
-                </a:lnTo>
-                <a:lnTo>
-                  <a:pt x="122" y="14333"/>
-                </a:lnTo>
-                <a:lnTo>
-                  <a:pt x="73" y="14552"/>
-                </a:lnTo>
-                <a:lnTo>
-                  <a:pt x="24" y="14771"/>
-                </a:lnTo>
-                <a:lnTo>
-                  <a:pt x="0" y="14990"/>
-                </a:lnTo>
-                <a:lnTo>
-                  <a:pt x="24" y="15209"/>
-                </a:lnTo>
-                <a:lnTo>
-                  <a:pt x="49" y="15428"/>
-                </a:lnTo>
-                <a:lnTo>
-                  <a:pt x="73" y="15525"/>
-                </a:lnTo>
-                <a:lnTo>
-                  <a:pt x="122" y="15574"/>
-                </a:lnTo>
-                <a:lnTo>
-                  <a:pt x="170" y="15598"/>
-                </a:lnTo>
-                <a:lnTo>
-                  <a:pt x="243" y="15598"/>
-                </a:lnTo>
-                <a:lnTo>
-                  <a:pt x="316" y="15671"/>
-                </a:lnTo>
-                <a:lnTo>
-                  <a:pt x="414" y="15695"/>
-                </a:lnTo>
-                <a:lnTo>
-                  <a:pt x="803" y="15720"/>
-                </a:lnTo>
-                <a:lnTo>
-                  <a:pt x="1217" y="15793"/>
-                </a:lnTo>
-                <a:lnTo>
-                  <a:pt x="1606" y="15890"/>
-                </a:lnTo>
-                <a:lnTo>
-                  <a:pt x="1995" y="15987"/>
-                </a:lnTo>
-                <a:lnTo>
-                  <a:pt x="2774" y="16231"/>
-                </a:lnTo>
-                <a:lnTo>
-                  <a:pt x="3163" y="16328"/>
-                </a:lnTo>
-                <a:lnTo>
-                  <a:pt x="3553" y="16401"/>
-                </a:lnTo>
-                <a:lnTo>
-                  <a:pt x="4599" y="16498"/>
-                </a:lnTo>
-                <a:lnTo>
-                  <a:pt x="5669" y="16547"/>
-                </a:lnTo>
-                <a:lnTo>
-                  <a:pt x="6716" y="16596"/>
-                </a:lnTo>
-                <a:lnTo>
-                  <a:pt x="7762" y="16620"/>
-                </a:lnTo>
-                <a:lnTo>
-                  <a:pt x="9879" y="16620"/>
-                </a:lnTo>
-                <a:lnTo>
-                  <a:pt x="10950" y="16547"/>
-                </a:lnTo>
-                <a:lnTo>
-                  <a:pt x="11996" y="16450"/>
-                </a:lnTo>
-                <a:lnTo>
-                  <a:pt x="12823" y="16352"/>
-                </a:lnTo>
-                <a:lnTo>
-                  <a:pt x="13626" y="16255"/>
-                </a:lnTo>
-                <a:lnTo>
-                  <a:pt x="14040" y="16206"/>
-                </a:lnTo>
-                <a:lnTo>
-                  <a:pt x="14453" y="16109"/>
-                </a:lnTo>
-                <a:lnTo>
-                  <a:pt x="14843" y="16012"/>
-                </a:lnTo>
-                <a:lnTo>
-                  <a:pt x="15232" y="15890"/>
-                </a:lnTo>
-                <a:lnTo>
-                  <a:pt x="15305" y="15841"/>
-                </a:lnTo>
-                <a:lnTo>
-                  <a:pt x="15378" y="15768"/>
-                </a:lnTo>
-                <a:lnTo>
-                  <a:pt x="15402" y="15695"/>
-                </a:lnTo>
-                <a:lnTo>
-                  <a:pt x="15427" y="15622"/>
-                </a:lnTo>
-                <a:lnTo>
-                  <a:pt x="15524" y="15622"/>
-                </a:lnTo>
-                <a:lnTo>
-                  <a:pt x="15621" y="15574"/>
-                </a:lnTo>
-                <a:lnTo>
-                  <a:pt x="15670" y="15549"/>
-                </a:lnTo>
-                <a:lnTo>
-                  <a:pt x="15694" y="15501"/>
-                </a:lnTo>
-                <a:lnTo>
-                  <a:pt x="15694" y="15452"/>
-                </a:lnTo>
-                <a:lnTo>
-                  <a:pt x="15694" y="15379"/>
-                </a:lnTo>
-                <a:lnTo>
-                  <a:pt x="15646" y="14965"/>
-                </a:lnTo>
-                <a:lnTo>
-                  <a:pt x="15548" y="14576"/>
-                </a:lnTo>
-                <a:lnTo>
-                  <a:pt x="15427" y="14187"/>
-                </a:lnTo>
-                <a:lnTo>
-                  <a:pt x="15256" y="13822"/>
-                </a:lnTo>
-                <a:lnTo>
-                  <a:pt x="15281" y="13822"/>
-                </a:lnTo>
-                <a:lnTo>
-                  <a:pt x="15329" y="13797"/>
-                </a:lnTo>
-                <a:lnTo>
-                  <a:pt x="15354" y="13724"/>
-                </a:lnTo>
-                <a:lnTo>
-                  <a:pt x="15354" y="13676"/>
-                </a:lnTo>
-                <a:lnTo>
-                  <a:pt x="15305" y="13627"/>
-                </a:lnTo>
-                <a:lnTo>
-                  <a:pt x="15110" y="13554"/>
-                </a:lnTo>
-                <a:lnTo>
-                  <a:pt x="14989" y="13359"/>
-                </a:lnTo>
-                <a:lnTo>
-                  <a:pt x="14843" y="13140"/>
-                </a:lnTo>
-                <a:lnTo>
-                  <a:pt x="14502" y="12751"/>
-                </a:lnTo>
-                <a:lnTo>
-                  <a:pt x="14113" y="12386"/>
-                </a:lnTo>
-                <a:lnTo>
-                  <a:pt x="13699" y="12070"/>
-                </a:lnTo>
-                <a:lnTo>
-                  <a:pt x="13456" y="11924"/>
-                </a:lnTo>
-                <a:lnTo>
-                  <a:pt x="13237" y="11778"/>
-                </a:lnTo>
-                <a:lnTo>
-                  <a:pt x="12726" y="11559"/>
-                </a:lnTo>
-                <a:lnTo>
-                  <a:pt x="12215" y="11388"/>
-                </a:lnTo>
-                <a:lnTo>
-                  <a:pt x="11680" y="11242"/>
-                </a:lnTo>
-                <a:lnTo>
-                  <a:pt x="11071" y="11121"/>
-                </a:lnTo>
-                <a:lnTo>
-                  <a:pt x="10463" y="11023"/>
-                </a:lnTo>
-                <a:lnTo>
-                  <a:pt x="10341" y="10999"/>
-                </a:lnTo>
-                <a:lnTo>
-                  <a:pt x="10244" y="10975"/>
-                </a:lnTo>
-                <a:lnTo>
-                  <a:pt x="9879" y="10902"/>
-                </a:lnTo>
-                <a:lnTo>
-                  <a:pt x="9684" y="10877"/>
-                </a:lnTo>
-                <a:lnTo>
-                  <a:pt x="9490" y="10877"/>
-                </a:lnTo>
-                <a:lnTo>
-                  <a:pt x="9490" y="10780"/>
-                </a:lnTo>
-                <a:lnTo>
-                  <a:pt x="9490" y="10658"/>
-                </a:lnTo>
-                <a:lnTo>
-                  <a:pt x="9490" y="10415"/>
-                </a:lnTo>
-                <a:lnTo>
-                  <a:pt x="9490" y="10172"/>
-                </a:lnTo>
-                <a:lnTo>
-                  <a:pt x="9465" y="10050"/>
-                </a:lnTo>
-                <a:lnTo>
-                  <a:pt x="9441" y="9977"/>
-                </a:lnTo>
-                <a:lnTo>
-                  <a:pt x="9660" y="9831"/>
-                </a:lnTo>
-                <a:lnTo>
-                  <a:pt x="9879" y="9709"/>
-                </a:lnTo>
-                <a:lnTo>
-                  <a:pt x="10098" y="9539"/>
-                </a:lnTo>
-                <a:lnTo>
-                  <a:pt x="10293" y="9369"/>
-                </a:lnTo>
-                <a:lnTo>
-                  <a:pt x="10463" y="9174"/>
-                </a:lnTo>
-                <a:lnTo>
-                  <a:pt x="10633" y="8980"/>
-                </a:lnTo>
-                <a:lnTo>
-                  <a:pt x="10804" y="8761"/>
-                </a:lnTo>
-                <a:lnTo>
-                  <a:pt x="10950" y="8542"/>
-                </a:lnTo>
-                <a:lnTo>
-                  <a:pt x="11193" y="8128"/>
-                </a:lnTo>
-                <a:lnTo>
-                  <a:pt x="11363" y="7812"/>
-                </a:lnTo>
-                <a:lnTo>
-                  <a:pt x="11509" y="7495"/>
-                </a:lnTo>
-                <a:lnTo>
-                  <a:pt x="11582" y="7495"/>
-                </a:lnTo>
-                <a:lnTo>
-                  <a:pt x="11655" y="7471"/>
-                </a:lnTo>
-                <a:lnTo>
-                  <a:pt x="11801" y="7398"/>
-                </a:lnTo>
-                <a:lnTo>
-                  <a:pt x="11947" y="7252"/>
-                </a:lnTo>
-                <a:lnTo>
-                  <a:pt x="12093" y="7082"/>
-                </a:lnTo>
-                <a:lnTo>
-                  <a:pt x="12215" y="6887"/>
-                </a:lnTo>
-                <a:lnTo>
-                  <a:pt x="12288" y="6717"/>
-                </a:lnTo>
-                <a:lnTo>
-                  <a:pt x="12409" y="6425"/>
-                </a:lnTo>
-                <a:lnTo>
-                  <a:pt x="12458" y="6206"/>
-                </a:lnTo>
-                <a:lnTo>
-                  <a:pt x="12482" y="5987"/>
-                </a:lnTo>
-                <a:lnTo>
-                  <a:pt x="12482" y="5768"/>
-                </a:lnTo>
-                <a:lnTo>
-                  <a:pt x="12458" y="5549"/>
-                </a:lnTo>
-                <a:lnTo>
-                  <a:pt x="12434" y="5330"/>
-                </a:lnTo>
-                <a:lnTo>
-                  <a:pt x="12361" y="5111"/>
-                </a:lnTo>
-                <a:lnTo>
-                  <a:pt x="12263" y="4916"/>
-                </a:lnTo>
-                <a:lnTo>
-                  <a:pt x="12142" y="4721"/>
-                </a:lnTo>
-                <a:lnTo>
-                  <a:pt x="12190" y="4697"/>
-                </a:lnTo>
-                <a:lnTo>
-                  <a:pt x="12239" y="4648"/>
-                </a:lnTo>
-                <a:lnTo>
-                  <a:pt x="12263" y="4551"/>
-                </a:lnTo>
-                <a:lnTo>
-                  <a:pt x="12239" y="4454"/>
-                </a:lnTo>
-                <a:lnTo>
-                  <a:pt x="12166" y="4356"/>
-                </a:lnTo>
-                <a:lnTo>
-                  <a:pt x="12166" y="3797"/>
-                </a:lnTo>
-                <a:lnTo>
-                  <a:pt x="12142" y="3237"/>
-                </a:lnTo>
-                <a:lnTo>
-                  <a:pt x="12093" y="2969"/>
-                </a:lnTo>
-                <a:lnTo>
-                  <a:pt x="12044" y="2677"/>
-                </a:lnTo>
-                <a:lnTo>
-                  <a:pt x="11971" y="2410"/>
-                </a:lnTo>
-                <a:lnTo>
-                  <a:pt x="11899" y="2142"/>
-                </a:lnTo>
-                <a:lnTo>
-                  <a:pt x="11801" y="1874"/>
-                </a:lnTo>
-                <a:lnTo>
-                  <a:pt x="11680" y="1631"/>
-                </a:lnTo>
-                <a:lnTo>
-                  <a:pt x="11534" y="1412"/>
-                </a:lnTo>
-                <a:lnTo>
-                  <a:pt x="11363" y="1193"/>
-                </a:lnTo>
-                <a:lnTo>
-                  <a:pt x="11193" y="974"/>
-                </a:lnTo>
-                <a:lnTo>
-                  <a:pt x="10974" y="804"/>
-                </a:lnTo>
-                <a:lnTo>
-                  <a:pt x="10755" y="634"/>
-                </a:lnTo>
-                <a:lnTo>
-                  <a:pt x="10487" y="488"/>
-                </a:lnTo>
-                <a:lnTo>
-                  <a:pt x="10171" y="342"/>
-                </a:lnTo>
-                <a:lnTo>
-                  <a:pt x="9782" y="220"/>
-                </a:lnTo>
-                <a:lnTo>
-                  <a:pt x="9417" y="123"/>
-                </a:lnTo>
-                <a:lnTo>
-                  <a:pt x="9003" y="50"/>
-                </a:lnTo>
-                <a:lnTo>
-                  <a:pt x="8589" y="25"/>
-                </a:lnTo>
-                <a:lnTo>
-                  <a:pt x="8200" y="1"/>
-                </a:lnTo>
-                <a:close/>
-              </a:path>
-            </a:pathLst>
-          </a:custGeom>
-          <a:solidFill>
-            <a:srgbClr val="FFFFFF"/>
-          </a:solidFill>
-          <a:ln>
-            <a:noFill/>
-          </a:ln>
-        </p:spPr>
-        <p:txBody>
-          <a:bodyPr lIns="91425" tIns="91425" rIns="91425" bIns="91425" anchor="ctr" anchorCtr="0">
-            <a:noAutofit/>
-          </a:bodyPr>
-          <a:lstStyle/>
-          <a:p>
-            <a:pPr lvl="0">
-              <a:spcBef>
-                <a:spcPts val="0"/>
-              </a:spcBef>
-              <a:buNone/>
-            </a:pPr>
-            <a:endParaRPr/>
-          </a:p>
-        </p:txBody>
-      </p:sp>
-      <p:sp>
-        <p:nvSpPr>
-          <p:cNvPr id="4" name="矩形 3"/>
-          <p:cNvSpPr/>
-          <p:nvPr/>
-        </p:nvSpPr>
-        <p:spPr>
-          <a:xfrm>
-            <a:off x="1457853" y="2445754"/>
-            <a:ext cx="6186309" cy="646331"/>
-          </a:xfrm>
-          <a:prstGeom prst="rect">
-            <a:avLst/>
-          </a:prstGeom>
-        </p:spPr>
-        <p:txBody>
-          <a:bodyPr wrap="none">
-            <a:spAutoFit/>
-          </a:bodyPr>
-          <a:lstStyle/>
-          <a:p>
-            <a:r>
-              <a:rPr lang="zh-TW" altLang="en-US" sz="3600" b="1">
-                <a:solidFill>
-                  <a:schemeClr val="bg1"/>
-                </a:solidFill>
-              </a:rPr>
-              <a:t>今天主題還是</a:t>
-            </a:r>
-            <a:r>
-              <a:rPr lang="en-US" altLang="zh-TW" sz="3600" b="1">
-                <a:solidFill>
-                  <a:schemeClr val="bg1"/>
-                </a:solidFill>
-              </a:rPr>
-              <a:t>Open Data</a:t>
-            </a:r>
-            <a:r>
-              <a:rPr lang="zh-TW" altLang="en-US" sz="3600" b="1">
-                <a:solidFill>
-                  <a:schemeClr val="bg1"/>
-                </a:solidFill>
-              </a:rPr>
-              <a:t>對吧</a:t>
-            </a:r>
-            <a:endParaRPr lang="zh-TW" altLang="en-US" sz="3600" b="1">
-              <a:solidFill>
-                <a:schemeClr val="bg1"/>
-              </a:solidFill>
-            </a:endParaRPr>
-          </a:p>
-        </p:txBody>
-      </p:sp>
-    </p:spTree>
-    <p:extLst>
-      <p:ext uri="{BB962C8B-B14F-4D97-AF65-F5344CB8AC3E}">
-        <p14:creationId xmlns:p14="http://schemas.microsoft.com/office/powerpoint/2010/main" val="3028738144"/>
       </p:ext>
     </p:extLst>
   </p:cSld>

--- a/發表簡報_隨便兩個人_路見不平回報系統.pptx
+++ b/發表簡報_隨便兩個人_路見不平回報系統.pptx
@@ -29297,7 +29297,7 @@
         </p:blipFill>
         <p:spPr>
           <a:xfrm>
-            <a:off x="1116250" y="1199574"/>
+            <a:off x="165274" y="1199574"/>
             <a:ext cx="2066307" cy="3672000"/>
           </a:xfrm>
           <a:prstGeom prst="rect">
@@ -29321,7 +29321,7 @@
         </p:blipFill>
         <p:spPr>
           <a:xfrm>
-            <a:off x="3523196" y="1199574"/>
+            <a:off x="2337462" y="1199574"/>
             <a:ext cx="2025789" cy="3672000"/>
           </a:xfrm>
           <a:prstGeom prst="rect">
@@ -29331,7 +29331,7 @@
       </p:pic>
       <p:pic>
         <p:nvPicPr>
-          <p:cNvPr id="4" name="圖片 3"/>
+          <p:cNvPr id="5" name="圖片 4"/>
           <p:cNvPicPr>
             <a:picLocks noChangeAspect="1"/>
           </p:cNvPicPr>
@@ -29345,8 +29345,8 @@
         </p:blipFill>
         <p:spPr>
           <a:xfrm>
-            <a:off x="5889624" y="1199574"/>
-            <a:ext cx="2254148" cy="3672000"/>
+            <a:off x="4472238" y="1199574"/>
+            <a:ext cx="4671762" cy="3753612"/>
           </a:xfrm>
           <a:prstGeom prst="rect">
             <a:avLst/>

--- a/發表簡報_隨便兩個人_路見不平回報系統.pptx
+++ b/發表簡報_隨便兩個人_路見不平回報系統.pptx
@@ -33925,45 +33925,6 @@
       </p:grpSpPr>
       <p:sp>
         <p:nvSpPr>
-          <p:cNvPr id="52" name="Shape 52"/>
-          <p:cNvSpPr txBox="1">
-            <a:spLocks noGrp="1"/>
-          </p:cNvSpPr>
-          <p:nvPr>
-            <p:ph type="title"/>
-          </p:nvPr>
-        </p:nvSpPr>
-        <p:spPr>
-          <a:xfrm>
-            <a:off x="-6025" y="967975"/>
-            <a:ext cx="9156000" cy="857400"/>
-          </a:xfrm>
-          <a:prstGeom prst="rect">
-            <a:avLst/>
-          </a:prstGeom>
-        </p:spPr>
-        <p:txBody>
-          <a:bodyPr lIns="91425" tIns="91425" rIns="91425" bIns="91425" anchor="t" anchorCtr="0">
-            <a:noAutofit/>
-          </a:bodyPr>
-          <a:lstStyle/>
-          <a:p>
-            <a:pPr lvl="0" rtl="0">
-              <a:spcBef>
-                <a:spcPts val="0"/>
-              </a:spcBef>
-              <a:buNone/>
-            </a:pPr>
-            <a:r>
-              <a:rPr lang="en-US" altLang="zh-TW" smtClean="0"/>
-              <a:t>About</a:t>
-            </a:r>
-            <a:endParaRPr lang="en"/>
-          </a:p>
-        </p:txBody>
-      </p:sp>
-      <p:sp>
-        <p:nvSpPr>
           <p:cNvPr id="53" name="Shape 53"/>
           <p:cNvSpPr/>
           <p:nvPr/>
@@ -37031,7 +36992,7 @@
         </p:nvSpPr>
         <p:spPr>
           <a:xfrm>
-            <a:off x="649897" y="1396675"/>
+            <a:off x="685774" y="1200080"/>
             <a:ext cx="7772400" cy="1053995"/>
           </a:xfrm>
           <a:prstGeom prst="rect">
@@ -37247,13 +37208,13 @@
           </a:lstStyle>
           <a:p>
             <a:r>
-              <a:rPr lang="zh-TW" altLang="en-US" b="1">
+              <a:rPr lang="zh-TW" altLang="en-US" sz="4000" b="1">
                 <a:latin typeface="微軟正黑體" panose="020B0604030504040204" pitchFamily="34" charset="-120"/>
                 <a:ea typeface="微軟正黑體" panose="020B0604030504040204" pitchFamily="34" charset="-120"/>
               </a:rPr>
               <a:t>台灣的馬路</a:t>
             </a:r>
-            <a:endParaRPr lang="en" b="1">
+            <a:endParaRPr lang="en" sz="4000" b="1">
               <a:latin typeface="微軟正黑體" panose="020B0604030504040204" pitchFamily="34" charset="-120"/>
               <a:ea typeface="微軟正黑體" panose="020B0604030504040204" pitchFamily="34" charset="-120"/>
             </a:endParaRPr>
